--- a/RaidStand-15.01.24-v3.pptx
+++ b/RaidStand-15.01.24-v3.pptx
@@ -266,7 +266,7 @@
             <a:pPr rtl="0"/>
             <a:fld id="{F3BE6B39-A503-4F12-B82D-73C2E66EF594}" type="datetime1">
               <a:rPr lang="de-DE" smtClean="0"/>
-              <a:t>15.01.24</a:t>
+              <a:t>19.01.24</a:t>
             </a:fld>
             <a:endParaRPr lang="de-DE"/>
           </a:p>
@@ -346,7 +346,7 @@
             <a:pPr rtl="0"/>
             <a:fld id="{4BF9A36D-7FAC-478F-9944-F324014F6FD1}" type="slidenum">
               <a:rPr lang="de-DE" smtClean="0"/>
-              <a:t>‹Nr.›</a:t>
+              <a:t>‹#›</a:t>
             </a:fld>
             <a:endParaRPr lang="de-DE"/>
           </a:p>
@@ -448,7 +448,7 @@
             <a:fld id="{DF7D5A72-39BD-435D-AC92-8B45D0113318}" type="datetime1">
               <a:rPr lang="de-DE" smtClean="0"/>
               <a:pPr/>
-              <a:t>15.01.24</a:t>
+              <a:t>19.01.24</a:t>
             </a:fld>
             <a:endParaRPr lang="de-DE" dirty="0"/>
           </a:p>
@@ -609,7 +609,7 @@
             <a:pPr rtl="0"/>
             <a:fld id="{D4B9A9E5-4F7F-4A7D-9DE1-899232329269}" type="slidenum">
               <a:rPr lang="de-DE" noProof="0" smtClean="0"/>
-              <a:t>‹Nr.›</a:t>
+              <a:t>‹#›</a:t>
             </a:fld>
             <a:endParaRPr lang="de-DE" noProof="0"/>
           </a:p>
@@ -4354,7 +4354,7 @@
             <a:pPr rtl="0"/>
             <a:fld id="{B5CEABB6-07DC-46E8-9B57-56EC44A396E5}" type="slidenum">
               <a:rPr lang="de-DE" noProof="0" smtClean="0"/>
-              <a:t>‹Nr.›</a:t>
+              <a:t>‹#›</a:t>
             </a:fld>
             <a:endParaRPr lang="de-DE" noProof="0"/>
           </a:p>
@@ -4908,7 +4908,7 @@
             <a:pPr rtl="0"/>
             <a:fld id="{B5CEABB6-07DC-46E8-9B57-56EC44A396E5}" type="slidenum">
               <a:rPr lang="de-DE" noProof="0" smtClean="0"/>
-              <a:t>‹Nr.›</a:t>
+              <a:t>‹#›</a:t>
             </a:fld>
             <a:endParaRPr lang="de-DE" noProof="0"/>
           </a:p>
@@ -5507,7 +5507,7 @@
             <a:pPr rtl="0"/>
             <a:fld id="{B5CEABB6-07DC-46E8-9B57-56EC44A396E5}" type="slidenum">
               <a:rPr lang="de-DE" noProof="0" smtClean="0"/>
-              <a:t>‹Nr.›</a:t>
+              <a:t>‹#›</a:t>
             </a:fld>
             <a:endParaRPr lang="de-DE" noProof="0"/>
           </a:p>
@@ -5943,7 +5943,7 @@
             <a:pPr rtl="0"/>
             <a:fld id="{B5CEABB6-07DC-46E8-9B57-56EC44A396E5}" type="slidenum">
               <a:rPr lang="de-DE" noProof="0" smtClean="0"/>
-              <a:t>‹Nr.›</a:t>
+              <a:t>‹#›</a:t>
             </a:fld>
             <a:endParaRPr lang="de-DE" noProof="0"/>
           </a:p>
@@ -7414,7 +7414,7 @@
             <a:pPr rtl="0"/>
             <a:fld id="{B5CEABB6-07DC-46E8-9B57-56EC44A396E5}" type="slidenum">
               <a:rPr lang="de-DE" noProof="0" smtClean="0"/>
-              <a:t>‹Nr.›</a:t>
+              <a:t>‹#›</a:t>
             </a:fld>
             <a:endParaRPr lang="de-DE" noProof="0"/>
           </a:p>
@@ -7717,7 +7717,7 @@
             <a:pPr rtl="0"/>
             <a:fld id="{B5CEABB6-07DC-46E8-9B57-56EC44A396E5}" type="slidenum">
               <a:rPr lang="de-DE" noProof="0" smtClean="0"/>
-              <a:t>‹Nr.›</a:t>
+              <a:t>‹#›</a:t>
             </a:fld>
             <a:endParaRPr lang="de-DE" noProof="0"/>
           </a:p>
@@ -8785,7 +8785,7 @@
             <a:pPr rtl="0"/>
             <a:fld id="{B5CEABB6-07DC-46E8-9B57-56EC44A396E5}" type="slidenum">
               <a:rPr lang="de-DE" noProof="0" smtClean="0"/>
-              <a:t>‹Nr.›</a:t>
+              <a:t>‹#›</a:t>
             </a:fld>
             <a:endParaRPr lang="de-DE" noProof="0"/>
           </a:p>
@@ -10697,7 +10697,7 @@
             <a:pPr rtl="0"/>
             <a:fld id="{B5CEABB6-07DC-46E8-9B57-56EC44A396E5}" type="slidenum">
               <a:rPr lang="de-DE" noProof="0" smtClean="0"/>
-              <a:t>‹Nr.›</a:t>
+              <a:t>‹#›</a:t>
             </a:fld>
             <a:endParaRPr lang="de-DE" noProof="0"/>
           </a:p>
@@ -12217,7 +12217,7 @@
             <a:pPr rtl="0"/>
             <a:fld id="{B5CEABB6-07DC-46E8-9B57-56EC44A396E5}" type="slidenum">
               <a:rPr lang="de-DE" noProof="0" smtClean="0"/>
-              <a:t>‹Nr.›</a:t>
+              <a:t>‹#›</a:t>
             </a:fld>
             <a:endParaRPr lang="de-DE" noProof="0"/>
           </a:p>
@@ -12623,7 +12623,7 @@
             <a:pPr rtl="0"/>
             <a:fld id="{B5CEABB6-07DC-46E8-9B57-56EC44A396E5}" type="slidenum">
               <a:rPr lang="de-DE" noProof="0" smtClean="0"/>
-              <a:t>‹Nr.›</a:t>
+              <a:t>‹#›</a:t>
             </a:fld>
             <a:endParaRPr lang="de-DE" noProof="0"/>
           </a:p>
@@ -13001,7 +13001,7 @@
             <a:pPr rtl="0"/>
             <a:fld id="{B5CEABB6-07DC-46E8-9B57-56EC44A396E5}" type="slidenum">
               <a:rPr lang="de-DE" noProof="0" smtClean="0"/>
-              <a:t>‹Nr.›</a:t>
+              <a:t>‹#›</a:t>
             </a:fld>
             <a:endParaRPr lang="de-DE" noProof="0"/>
           </a:p>
@@ -13314,7 +13314,7 @@
             <a:pPr rtl="0"/>
             <a:fld id="{B5CEABB6-07DC-46E8-9B57-56EC44A396E5}" type="slidenum">
               <a:rPr lang="de-DE" noProof="0" smtClean="0"/>
-              <a:t>‹Nr.›</a:t>
+              <a:t>‹#›</a:t>
             </a:fld>
             <a:endParaRPr lang="de-DE" noProof="0"/>
           </a:p>
@@ -14113,7 +14113,7 @@
             <a:pPr rtl="0"/>
             <a:fld id="{B5CEABB6-07DC-46E8-9B57-56EC44A396E5}" type="slidenum">
               <a:rPr lang="de-DE" noProof="0" smtClean="0"/>
-              <a:t>‹Nr.›</a:t>
+              <a:t>‹#›</a:t>
             </a:fld>
             <a:endParaRPr lang="de-DE" noProof="0"/>
           </a:p>
@@ -14701,7 +14701,7 @@
             <a:pPr rtl="0"/>
             <a:fld id="{B5CEABB6-07DC-46E8-9B57-56EC44A396E5}" type="slidenum">
               <a:rPr lang="de-DE" noProof="0" smtClean="0"/>
-              <a:t>‹Nr.›</a:t>
+              <a:t>‹#›</a:t>
             </a:fld>
             <a:endParaRPr lang="de-DE" noProof="0"/>
           </a:p>
@@ -15382,7 +15382,7 @@
             <a:fld id="{B5CEABB6-07DC-46E8-9B57-56EC44A396E5}" type="slidenum">
               <a:rPr lang="de-DE" noProof="0" smtClean="0"/>
               <a:pPr rtl="0"/>
-              <a:t>‹Nr.›</a:t>
+              <a:t>‹#›</a:t>
             </a:fld>
             <a:endParaRPr lang="de-DE" noProof="0"/>
           </a:p>
@@ -15830,7 +15830,7 @@
             <a:pPr rtl="0"/>
             <a:fld id="{B5CEABB6-07DC-46E8-9B57-56EC44A396E5}" type="slidenum">
               <a:rPr lang="de-DE" noProof="0" smtClean="0"/>
-              <a:t>‹Nr.›</a:t>
+              <a:t>‹#›</a:t>
             </a:fld>
             <a:endParaRPr lang="de-DE" noProof="0"/>
           </a:p>
@@ -16509,7 +16509,7 @@
             <a:fld id="{B5CEABB6-07DC-46E8-9B57-56EC44A396E5}" type="slidenum">
               <a:rPr lang="de-DE" noProof="0" smtClean="0"/>
               <a:pPr rtl="0"/>
-              <a:t>‹Nr.›</a:t>
+              <a:t>‹#›</a:t>
             </a:fld>
             <a:endParaRPr lang="de-DE" noProof="0"/>
           </a:p>
@@ -17332,7 +17332,7 @@
             <a:pPr rtl="0"/>
             <a:fld id="{B5CEABB6-07DC-46E8-9B57-56EC44A396E5}" type="slidenum">
               <a:rPr lang="de-DE" noProof="0" smtClean="0"/>
-              <a:t>‹Nr.›</a:t>
+              <a:t>‹#›</a:t>
             </a:fld>
             <a:endParaRPr lang="de-DE" noProof="0"/>
           </a:p>
@@ -17616,7 +17616,7 @@
             <a:fld id="{B5CEABB6-07DC-46E8-9B57-56EC44A396E5}" type="slidenum">
               <a:rPr lang="de-DE" noProof="0" smtClean="0"/>
               <a:pPr rtl="0"/>
-              <a:t>‹Nr.›</a:t>
+              <a:t>‹#›</a:t>
             </a:fld>
             <a:endParaRPr lang="de-DE" noProof="0"/>
           </a:p>
@@ -24727,7 +24727,7 @@
         <p:spPr>
           <a:xfrm>
             <a:off x="7161955" y="5517066"/>
-            <a:ext cx="2646878" cy="369332"/>
+            <a:ext cx="3151247" cy="369332"/>
           </a:xfrm>
           <a:prstGeom prst="rect">
             <a:avLst/>
@@ -24740,42 +24740,16 @@
           </a:bodyPr>
           <a:lstStyle/>
           <a:p>
-            <a:pPr marL="0" marR="0" lvl="0" indent="0" algn="l" defTabSz="914400" rtl="0" eaLnBrk="1" fontAlgn="auto" latinLnBrk="0" hangingPunct="1">
-              <a:lnSpc>
-                <a:spcPct val="100000"/>
-              </a:lnSpc>
-              <a:spcBef>
-                <a:spcPts val="0"/>
-              </a:spcBef>
-              <a:spcAft>
-                <a:spcPts val="0"/>
-              </a:spcAft>
-              <a:buClrTx/>
-              <a:buSzTx/>
-              <a:buFontTx/>
-              <a:buNone/>
-              <a:tabLst/>
-              <a:defRPr/>
-            </a:pPr>
-            <a:r>
-              <a:rPr kumimoji="0" lang="en-DE" sz="1800" b="0" i="1" u="none" strike="noStrike" kern="1200" cap="none" spc="0" normalizeH="0" baseline="0" noProof="0" dirty="0">
-                <a:ln>
-                  <a:noFill/>
-                </a:ln>
-                <a:solidFill>
-                  <a:prstClr val="black">
+            <a:r>
+              <a:rPr lang="en-DE" i="1" dirty="0">
+                <a:solidFill>
+                  <a:schemeClr val="tx1">
                     <a:lumMod val="50000"/>
                     <a:lumOff val="50000"/>
-                  </a:prstClr>
-                </a:solidFill>
-                <a:effectLst/>
-                <a:uLnTx/>
-                <a:uFillTx/>
-                <a:latin typeface="Tenorite"/>
-                <a:ea typeface="+mn-ea"/>
-                <a:cs typeface="+mn-cs"/>
+                  </a:schemeClr>
+                </a:solidFill>
               </a:rPr>
-              <a:t>? % Speicherplatzeffizenz</a:t>
+              <a:t>N-1/N % Speicherplatzeffizenz</a:t>
             </a:r>
           </a:p>
         </p:txBody>
@@ -25283,75 +25257,7 @@
                 <a:ea typeface="+mn-ea"/>
                 <a:cs typeface="+mn-cs"/>
               </a:rPr>
-              <a:t>Bei der Nutzung eines Paritätsbit ist eine zusätzliche berechnung nö</a:t>
-            </a:r>
-          </a:p>
-        </p:txBody>
-      </p:sp>
-      <p:sp>
-        <p:nvSpPr>
-          <p:cNvPr id="8" name="TextBox 7">
-            <a:extLst>
-              <a:ext uri="{FF2B5EF4-FFF2-40B4-BE49-F238E27FC236}">
-                <a16:creationId xmlns:a16="http://schemas.microsoft.com/office/drawing/2014/main" id="{8BFB2135-93B1-AA19-ED67-0634AFF4A8B2}"/>
-              </a:ext>
-            </a:extLst>
-          </p:cNvPr>
-          <p:cNvSpPr txBox="1"/>
-          <p:nvPr/>
-        </p:nvSpPr>
-        <p:spPr>
-          <a:xfrm>
-            <a:off x="7425509" y="4646360"/>
-            <a:ext cx="2646878" cy="369332"/>
-          </a:xfrm>
-          <a:prstGeom prst="rect">
-            <a:avLst/>
-          </a:prstGeom>
-          <a:noFill/>
-        </p:spPr>
-        <p:txBody>
-          <a:bodyPr wrap="none" rtlCol="0">
-            <a:spAutoFit/>
-          </a:bodyPr>
-          <a:lstStyle/>
-          <a:p>
-            <a:pPr marL="0" marR="0" lvl="0" indent="0" algn="l" defTabSz="914400" rtl="0" eaLnBrk="1" fontAlgn="auto" latinLnBrk="0" hangingPunct="1">
-              <a:lnSpc>
-                <a:spcPct val="100000"/>
-              </a:lnSpc>
-              <a:spcBef>
-                <a:spcPts val="0"/>
-              </a:spcBef>
-              <a:spcAft>
-                <a:spcPts val="0"/>
-              </a:spcAft>
-              <a:buClrTx/>
-              <a:buSzTx/>
-              <a:buFontTx/>
-              <a:buNone/>
-              <a:tabLst/>
-              <a:defRPr/>
-            </a:pPr>
-            <a:r>
-              <a:rPr kumimoji="0" lang="en-DE" sz="1800" b="0" i="1" u="none" strike="noStrike" kern="1200" cap="none" spc="0" normalizeH="0" baseline="0" noProof="0" dirty="0">
-                <a:ln>
-                  <a:noFill/>
-                </a:ln>
-                <a:solidFill>
-                  <a:prstClr val="black">
-                    <a:lumMod val="50000"/>
-                    <a:lumOff val="50000"/>
-                  </a:prstClr>
-                </a:solidFill>
-                <a:effectLst/>
-                <a:uLnTx/>
-                <a:uFillTx/>
-                <a:latin typeface="Tenorite"/>
-                <a:ea typeface="+mn-ea"/>
-                <a:cs typeface="+mn-cs"/>
-              </a:rPr>
-              <a:t>? % Speicherplatzeffizenz</a:t>
+              <a:t>Bei der Nutzung eines Paritätsbit ist eine zusätzliche berechnung nötig</a:t>
             </a:r>
           </a:p>
         </p:txBody>
@@ -27454,34 +27360,6 @@
 </file>
 
 <file path=customXml/item1.xml><?xml version="1.0" encoding="utf-8"?>
-<p:properties xmlns:p="http://schemas.microsoft.com/office/2006/metadata/properties" xmlns:xsi="http://www.w3.org/2001/XMLSchema-instance" xmlns:pc="http://schemas.microsoft.com/office/infopath/2007/PartnerControls">
-  <documentManagement>
-    <_ip_UnifiedCompliancePolicyUIAction xmlns="http://schemas.microsoft.com/sharepoint/v3" xsi:nil="true"/>
-    <Image xmlns="71af3243-3dd4-4a8d-8c0d-dd76da1f02a5">
-      <Url xsi:nil="true"/>
-      <Description xsi:nil="true"/>
-    </Image>
-    <Status xmlns="71af3243-3dd4-4a8d-8c0d-dd76da1f02a5">Not started</Status>
-    <_ip_UnifiedCompliancePolicyProperties xmlns="http://schemas.microsoft.com/sharepoint/v3" xsi:nil="true"/>
-    <ImageTagsTaxHTField xmlns="71af3243-3dd4-4a8d-8c0d-dd76da1f02a5">
-      <Terms xmlns="http://schemas.microsoft.com/office/infopath/2007/PartnerControls"/>
-    </ImageTagsTaxHTField>
-    <TaxCatchAll xmlns="230e9df3-be65-4c73-a93b-d1236ebd677e"/>
-    <MediaServiceKeyPoints xmlns="71af3243-3dd4-4a8d-8c0d-dd76da1f02a5" xsi:nil="true"/>
-  </documentManagement>
-</p:properties>
-</file>
-
-<file path=customXml/item2.xml><?xml version="1.0" encoding="utf-8"?>
-<?mso-contentType ?>
-<FormTemplates xmlns="http://schemas.microsoft.com/sharepoint/v3/contenttype/forms">
-  <Display>DocumentLibraryForm</Display>
-  <Edit>DocumentLibraryForm</Edit>
-  <New>DocumentLibraryForm</New>
-</FormTemplates>
-</file>
-
-<file path=customXml/item3.xml><?xml version="1.0" encoding="utf-8"?>
 <ct:contentTypeSchema xmlns:ct="http://schemas.microsoft.com/office/2006/metadata/contentType" xmlns:ma="http://schemas.microsoft.com/office/2006/metadata/properties/metaAttributes" ct:_="" ma:_="" ma:contentTypeName="Document" ma:contentTypeID="0x01010079F111ED35F8CC479449609E8A0923A6" ma:contentTypeVersion="20" ma:contentTypeDescription="Create a new document." ma:contentTypeScope="" ma:versionID="1267097ee5f5874adfcc408041ae252e">
   <xsd:schema xmlns:xsd="http://www.w3.org/2001/XMLSchema" xmlns:xs="http://www.w3.org/2001/XMLSchema" xmlns:p="http://schemas.microsoft.com/office/2006/metadata/properties" xmlns:ns1="http://schemas.microsoft.com/sharepoint/v3" xmlns:ns2="71af3243-3dd4-4a8d-8c0d-dd76da1f02a5" xmlns:ns3="16c05727-aa75-4e4a-9b5f-8a80a1165891" xmlns:ns4="230e9df3-be65-4c73-a93b-d1236ebd677e" targetNamespace="http://schemas.microsoft.com/office/2006/metadata/properties" ma:root="true" ma:fieldsID="395891a93df65b14727750f2c06c306c" ns1:_="" ns2:_="" ns3:_="" ns4:_="">
     <xsd:import namespace="http://schemas.microsoft.com/sharepoint/v3"/>
@@ -27757,27 +27635,35 @@
 </ct:contentTypeSchema>
 </file>
 
-<file path=customXml/itemProps1.xml><?xml version="1.0" encoding="utf-8"?>
-<ds:datastoreItem xmlns:ds="http://schemas.openxmlformats.org/officeDocument/2006/customXml" ds:itemID="{B5BA3906-9696-4247-AC0D-DD5C26B2A70A}">
-  <ds:schemaRefs>
-    <ds:schemaRef ds:uri="http://schemas.microsoft.com/office/2006/metadata/properties"/>
-    <ds:schemaRef ds:uri="http://schemas.microsoft.com/office/infopath/2007/PartnerControls"/>
-    <ds:schemaRef ds:uri="http://schemas.microsoft.com/sharepoint/v3"/>
-    <ds:schemaRef ds:uri="71af3243-3dd4-4a8d-8c0d-dd76da1f02a5"/>
-    <ds:schemaRef ds:uri="230e9df3-be65-4c73-a93b-d1236ebd677e"/>
-  </ds:schemaRefs>
-</ds:datastoreItem>
+<file path=customXml/item2.xml><?xml version="1.0" encoding="utf-8"?>
+<?mso-contentType ?>
+<FormTemplates xmlns="http://schemas.microsoft.com/sharepoint/v3/contenttype/forms">
+  <Display>DocumentLibraryForm</Display>
+  <Edit>DocumentLibraryForm</Edit>
+  <New>DocumentLibraryForm</New>
+</FormTemplates>
 </file>
 
-<file path=customXml/itemProps2.xml><?xml version="1.0" encoding="utf-8"?>
-<ds:datastoreItem xmlns:ds="http://schemas.openxmlformats.org/officeDocument/2006/customXml" ds:itemID="{2D446390-8521-40A2-A462-EA068123BED9}">
-  <ds:schemaRefs>
-    <ds:schemaRef ds:uri="http://schemas.microsoft.com/sharepoint/v3/contenttype/forms"/>
-  </ds:schemaRefs>
-</ds:datastoreItem>
+<file path=customXml/item3.xml><?xml version="1.0" encoding="utf-8"?>
+<p:properties xmlns:p="http://schemas.microsoft.com/office/2006/metadata/properties" xmlns:xsi="http://www.w3.org/2001/XMLSchema-instance" xmlns:pc="http://schemas.microsoft.com/office/infopath/2007/PartnerControls">
+  <documentManagement>
+    <_ip_UnifiedCompliancePolicyUIAction xmlns="http://schemas.microsoft.com/sharepoint/v3" xsi:nil="true"/>
+    <Image xmlns="71af3243-3dd4-4a8d-8c0d-dd76da1f02a5">
+      <Url xsi:nil="true"/>
+      <Description xsi:nil="true"/>
+    </Image>
+    <Status xmlns="71af3243-3dd4-4a8d-8c0d-dd76da1f02a5">Not started</Status>
+    <_ip_UnifiedCompliancePolicyProperties xmlns="http://schemas.microsoft.com/sharepoint/v3" xsi:nil="true"/>
+    <ImageTagsTaxHTField xmlns="71af3243-3dd4-4a8d-8c0d-dd76da1f02a5">
+      <Terms xmlns="http://schemas.microsoft.com/office/infopath/2007/PartnerControls"/>
+    </ImageTagsTaxHTField>
+    <TaxCatchAll xmlns="230e9df3-be65-4c73-a93b-d1236ebd677e"/>
+    <MediaServiceKeyPoints xmlns="71af3243-3dd4-4a8d-8c0d-dd76da1f02a5" xsi:nil="true"/>
+  </documentManagement>
+</p:properties>
 </file>
 
-<file path=customXml/itemProps3.xml><?xml version="1.0" encoding="utf-8"?>
+<file path=customXml/itemProps1.xml><?xml version="1.0" encoding="utf-8"?>
 <ds:datastoreItem xmlns:ds="http://schemas.openxmlformats.org/officeDocument/2006/customXml" ds:itemID="{01E84A1C-2814-43A7-9448-348326113A45}">
   <ds:schemaRefs>
     <ds:schemaRef ds:uri="http://schemas.microsoft.com/office/2006/metadata/contentType"/>
@@ -27798,6 +27684,26 @@
 </ds:datastoreItem>
 </file>
 
+<file path=customXml/itemProps2.xml><?xml version="1.0" encoding="utf-8"?>
+<ds:datastoreItem xmlns:ds="http://schemas.openxmlformats.org/officeDocument/2006/customXml" ds:itemID="{2D446390-8521-40A2-A462-EA068123BED9}">
+  <ds:schemaRefs>
+    <ds:schemaRef ds:uri="http://schemas.microsoft.com/sharepoint/v3/contenttype/forms"/>
+  </ds:schemaRefs>
+</ds:datastoreItem>
+</file>
+
+<file path=customXml/itemProps3.xml><?xml version="1.0" encoding="utf-8"?>
+<ds:datastoreItem xmlns:ds="http://schemas.openxmlformats.org/officeDocument/2006/customXml" ds:itemID="{B5BA3906-9696-4247-AC0D-DD5C26B2A70A}">
+  <ds:schemaRefs>
+    <ds:schemaRef ds:uri="http://schemas.microsoft.com/office/2006/metadata/properties"/>
+    <ds:schemaRef ds:uri="http://schemas.microsoft.com/office/infopath/2007/PartnerControls"/>
+    <ds:schemaRef ds:uri="http://schemas.microsoft.com/sharepoint/v3"/>
+    <ds:schemaRef ds:uri="71af3243-3dd4-4a8d-8c0d-dd76da1f02a5"/>
+    <ds:schemaRef ds:uri="230e9df3-be65-4c73-a93b-d1236ebd677e"/>
+  </ds:schemaRefs>
+</ds:datastoreItem>
+</file>
+
 <file path=docMetadata/LabelInfo.xml><?xml version="1.0" encoding="utf-8"?>
 <clbl:labelList xmlns:clbl="http://schemas.microsoft.com/office/2020/mipLabelMetadata">
   <clbl:label id="{f42aa342-8706-4288-bd11-ebb85995028c}" enabled="1" method="Standard" siteId="{72f988bf-86f1-41af-91ab-2d7cd011db47}" removed="0"/>

--- a/RaidStand-15.01.24-v3.pptx
+++ b/RaidStand-15.01.24-v3.pptx
@@ -5,10 +5,10 @@
     <p:sldMasterId id="2147483666" r:id="rId4"/>
   </p:sldMasterIdLst>
   <p:notesMasterIdLst>
-    <p:notesMasterId r:id="rId25"/>
+    <p:notesMasterId r:id="rId24"/>
   </p:notesMasterIdLst>
   <p:handoutMasterIdLst>
-    <p:handoutMasterId r:id="rId26"/>
+    <p:handoutMasterId r:id="rId25"/>
   </p:handoutMasterIdLst>
   <p:sldIdLst>
     <p:sldId id="256" r:id="rId5"/>
@@ -16,21 +16,20 @@
     <p:sldId id="300" r:id="rId7"/>
     <p:sldId id="301" r:id="rId8"/>
     <p:sldId id="302" r:id="rId9"/>
-    <p:sldId id="310" r:id="rId10"/>
-    <p:sldId id="291" r:id="rId11"/>
-    <p:sldId id="295" r:id="rId12"/>
-    <p:sldId id="296" r:id="rId13"/>
-    <p:sldId id="299" r:id="rId14"/>
-    <p:sldId id="298" r:id="rId15"/>
-    <p:sldId id="311" r:id="rId16"/>
-    <p:sldId id="307" r:id="rId17"/>
-    <p:sldId id="312" r:id="rId18"/>
-    <p:sldId id="308" r:id="rId19"/>
-    <p:sldId id="313" r:id="rId20"/>
-    <p:sldId id="297" r:id="rId21"/>
-    <p:sldId id="314" r:id="rId22"/>
-    <p:sldId id="315" r:id="rId23"/>
-    <p:sldId id="270" r:id="rId24"/>
+    <p:sldId id="311" r:id="rId10"/>
+    <p:sldId id="307" r:id="rId11"/>
+    <p:sldId id="310" r:id="rId12"/>
+    <p:sldId id="291" r:id="rId13"/>
+    <p:sldId id="295" r:id="rId14"/>
+    <p:sldId id="296" r:id="rId15"/>
+    <p:sldId id="298" r:id="rId16"/>
+    <p:sldId id="312" r:id="rId17"/>
+    <p:sldId id="308" r:id="rId18"/>
+    <p:sldId id="313" r:id="rId19"/>
+    <p:sldId id="297" r:id="rId20"/>
+    <p:sldId id="314" r:id="rId21"/>
+    <p:sldId id="315" r:id="rId22"/>
+    <p:sldId id="270" r:id="rId23"/>
   </p:sldIdLst>
   <p:sldSz cx="12192000" cy="6858000"/>
   <p:notesSz cx="6858000" cy="9144000"/>
@@ -848,23 +847,6 @@
           <a:bodyPr/>
           <a:lstStyle/>
           <a:p>
-            <a:pPr marL="0" marR="0" lvl="0" indent="0" algn="l" defTabSz="914400" rtl="0" eaLnBrk="1" fontAlgn="auto" latinLnBrk="0" hangingPunct="1">
-              <a:lnSpc>
-                <a:spcPct val="100000"/>
-              </a:lnSpc>
-              <a:spcBef>
-                <a:spcPts val="0"/>
-              </a:spcBef>
-              <a:spcAft>
-                <a:spcPts val="0"/>
-              </a:spcAft>
-              <a:buClrTx/>
-              <a:buSzTx/>
-              <a:buFontTx/>
-              <a:buNone/>
-              <a:tabLst/>
-              <a:defRPr/>
-            </a:pPr>
             <a:r>
               <a:rPr lang="de-DE" sz="1200" b="0" kern="1200" dirty="0">
                 <a:solidFill>
@@ -875,28 +857,11 @@
                 <a:ea typeface="+mn-ea"/>
                 <a:cs typeface="+mn-cs"/>
               </a:rPr>
-              <a:t>    RAID 6 wird in Umgebungen eingesetzt, in denen eine hohe Datensicherheit erforderlich ist, z. B. in kritischen Datenbanken und großen Speichersystemen.</a:t>
-            </a:r>
-          </a:p>
-          <a:p>
-            <a:pPr marL="0" marR="0" lvl="0" indent="0" algn="l" defTabSz="914400" rtl="0" eaLnBrk="1" fontAlgn="auto" latinLnBrk="0" hangingPunct="1">
-              <a:lnSpc>
-                <a:spcPct val="100000"/>
-              </a:lnSpc>
-              <a:spcBef>
-                <a:spcPts val="0"/>
-              </a:spcBef>
-              <a:spcAft>
-                <a:spcPts val="0"/>
-              </a:spcAft>
-              <a:buClrTx/>
-              <a:buSzTx/>
-              <a:buFontTx/>
-              <a:buNone/>
-              <a:tabLst/>
-              <a:defRPr/>
-            </a:pPr>
-            <a:r>
+              <a:t>  RAID 1 wird oft in kleineren Servern oder in Systemen eingesetzt, in denen Datensicherheit wichtiger ist als Speichereffizienz, wie bei kritischen Datenbanken.</a:t>
+            </a:r>
+          </a:p>
+          <a:p>
+            <a:br>
               <a:rPr lang="de-DE" sz="1200" b="0" kern="1200" dirty="0">
                 <a:solidFill>
                   <a:schemeClr val="tx1"/>
@@ -906,8 +871,16 @@
                 <a:ea typeface="+mn-ea"/>
                 <a:cs typeface="+mn-cs"/>
               </a:rPr>
-              <a:t>    Dieses RAID Level hat die langsamste Schreibgeschwindigkeit.</a:t>
-            </a:r>
+            </a:br>
+            <a:endParaRPr lang="de-DE" sz="1200" b="0" kern="1200" dirty="0">
+              <a:solidFill>
+                <a:schemeClr val="tx1"/>
+              </a:solidFill>
+              <a:effectLst/>
+              <a:latin typeface="+mn-lt"/>
+              <a:ea typeface="+mn-ea"/>
+              <a:cs typeface="+mn-cs"/>
+            </a:endParaRPr>
           </a:p>
           <a:p>
             <a:endParaRPr lang="de-DE" dirty="0"/>
@@ -941,7 +914,7 @@
     </p:spTree>
     <p:extLst>
       <p:ext uri="{BB962C8B-B14F-4D97-AF65-F5344CB8AC3E}">
-        <p14:creationId xmlns:p14="http://schemas.microsoft.com/office/powerpoint/2010/main" val="1631970693"/>
+        <p14:creationId xmlns:p14="http://schemas.microsoft.com/office/powerpoint/2010/main" val="1157256943"/>
       </p:ext>
     </p:extLst>
   </p:cSld>
@@ -995,29 +968,50 @@
           <a:bodyPr/>
           <a:lstStyle/>
           <a:p>
-            <a:r>
-              <a:rPr lang="de-DE" sz="1200" b="0" kern="1200" dirty="0">
-                <a:solidFill>
-                  <a:schemeClr val="tx1"/>
-                </a:solidFill>
-                <a:effectLst/>
-                <a:latin typeface="+mn-lt"/>
-                <a:ea typeface="+mn-ea"/>
-                <a:cs typeface="+mn-cs"/>
-              </a:rPr>
-              <a:t>  RAID 10 wird oft in hochleistungsfähigen Serverumgebungen verwendet, wo sowohl Geschwindigkeit als auch Redundanz kritisch sind.</a:t>
-            </a:r>
-          </a:p>
-          <a:p>
-            <a:endParaRPr lang="de-DE" sz="1200" b="0" kern="1200" dirty="0">
-              <a:solidFill>
-                <a:schemeClr val="tx1"/>
-              </a:solidFill>
-              <a:effectLst/>
-              <a:latin typeface="+mn-lt"/>
-              <a:ea typeface="+mn-ea"/>
-              <a:cs typeface="+mn-cs"/>
-            </a:endParaRPr>
+            <a:pPr marL="0" marR="0" lvl="0" indent="0" algn="l" defTabSz="914400" rtl="0" eaLnBrk="1" fontAlgn="auto" latinLnBrk="0" hangingPunct="1">
+              <a:lnSpc>
+                <a:spcPct val="100000"/>
+              </a:lnSpc>
+              <a:spcBef>
+                <a:spcPts val="0"/>
+              </a:spcBef>
+              <a:spcAft>
+                <a:spcPts val="0"/>
+              </a:spcAft>
+              <a:buClrTx/>
+              <a:buSzTx/>
+              <a:buFontTx/>
+              <a:buNone/>
+              <a:tabLst/>
+              <a:defRPr/>
+            </a:pPr>
+            <a:r>
+              <a:rPr lang="de-DE" sz="1200" dirty="0"/>
+              <a:t>Wird häufig in Unternehmens-Servern oder NAS-Systemen verwendet, wo ein Gleichgewicht zwischen Leistung und Redundanz erforderlich ist</a:t>
+            </a:r>
+          </a:p>
+          <a:p>
+            <a:pPr marL="0" marR="0" lvl="0" indent="0" algn="l" defTabSz="914400" rtl="0" eaLnBrk="1" fontAlgn="auto" latinLnBrk="0" hangingPunct="1">
+              <a:lnSpc>
+                <a:spcPct val="100000"/>
+              </a:lnSpc>
+              <a:spcBef>
+                <a:spcPts val="0"/>
+              </a:spcBef>
+              <a:spcAft>
+                <a:spcPts val="0"/>
+              </a:spcAft>
+              <a:buClrTx/>
+              <a:buSzTx/>
+              <a:buFontTx/>
+              <a:buNone/>
+              <a:tabLst/>
+              <a:defRPr/>
+            </a:pPr>
+            <a:r>
+              <a:rPr lang="de-DE" sz="1200" dirty="0"/>
+              <a:t>Hat den Nachteil das Schreibgeschwindigkeit langsamer als in anderen RAID Konfigurationen ist.</a:t>
+            </a:r>
           </a:p>
           <a:p>
             <a:endParaRPr lang="de-DE" dirty="0"/>
@@ -1051,7 +1045,7 @@
     </p:spTree>
     <p:extLst>
       <p:ext uri="{BB962C8B-B14F-4D97-AF65-F5344CB8AC3E}">
-        <p14:creationId xmlns:p14="http://schemas.microsoft.com/office/powerpoint/2010/main" val="349857531"/>
+        <p14:creationId xmlns:p14="http://schemas.microsoft.com/office/powerpoint/2010/main" val="1533107176"/>
       </p:ext>
     </p:extLst>
   </p:cSld>
@@ -1105,7 +1099,32 @@
           <a:bodyPr/>
           <a:lstStyle/>
           <a:p>
-            <a:endParaRPr lang="de-DE"/>
+            <a:r>
+              <a:rPr lang="de-DE" sz="1200" b="0" kern="1200" dirty="0">
+                <a:solidFill>
+                  <a:schemeClr val="tx1"/>
+                </a:solidFill>
+                <a:effectLst/>
+                <a:latin typeface="+mn-lt"/>
+                <a:ea typeface="+mn-ea"/>
+                <a:cs typeface="+mn-cs"/>
+              </a:rPr>
+              <a:t>  RAID 10 wird oft in hochleistungsfähigen Serverumgebungen verwendet, wo sowohl Geschwindigkeit als auch Redundanz kritisch sind.</a:t>
+            </a:r>
+          </a:p>
+          <a:p>
+            <a:endParaRPr lang="de-DE" sz="1200" b="0" kern="1200" dirty="0">
+              <a:solidFill>
+                <a:schemeClr val="tx1"/>
+              </a:solidFill>
+              <a:effectLst/>
+              <a:latin typeface="+mn-lt"/>
+              <a:ea typeface="+mn-ea"/>
+              <a:cs typeface="+mn-cs"/>
+            </a:endParaRPr>
+          </a:p>
+          <a:p>
+            <a:endParaRPr lang="de-DE" dirty="0"/>
           </a:p>
         </p:txBody>
       </p:sp>
@@ -1136,7 +1155,7 @@
     </p:spTree>
     <p:extLst>
       <p:ext uri="{BB962C8B-B14F-4D97-AF65-F5344CB8AC3E}">
-        <p14:creationId xmlns:p14="http://schemas.microsoft.com/office/powerpoint/2010/main" val="3485004677"/>
+        <p14:creationId xmlns:p14="http://schemas.microsoft.com/office/powerpoint/2010/main" val="349857531"/>
       </p:ext>
     </p:extLst>
   </p:cSld>
@@ -1209,78 +1228,19 @@
           <a:bodyPr/>
           <a:lstStyle/>
           <a:p>
-            <a:pPr marL="0" marR="0" lvl="0" indent="0" algn="r" defTabSz="914400" rtl="0" eaLnBrk="1" fontAlgn="auto" latinLnBrk="0" hangingPunct="1">
-              <a:lnSpc>
-                <a:spcPct val="100000"/>
-              </a:lnSpc>
-              <a:spcBef>
-                <a:spcPts val="0"/>
-              </a:spcBef>
-              <a:spcAft>
-                <a:spcPts val="0"/>
-              </a:spcAft>
-              <a:buClrTx/>
-              <a:buSzTx/>
-              <a:buFontTx/>
-              <a:buNone/>
-              <a:tabLst/>
-              <a:defRPr/>
-            </a:pPr>
+            <a:pPr rtl="0"/>
             <a:fld id="{D4B9A9E5-4F7F-4A7D-9DE1-899232329269}" type="slidenum">
-              <a:rPr kumimoji="0" lang="de-DE" sz="1200" b="0" i="0" u="none" strike="noStrike" kern="1200" cap="none" spc="0" normalizeH="0" baseline="0" noProof="0" smtClean="0">
-                <a:ln>
-                  <a:noFill/>
-                </a:ln>
-                <a:solidFill>
-                  <a:prstClr val="black"/>
-                </a:solidFill>
-                <a:effectLst/>
-                <a:uLnTx/>
-                <a:uFillTx/>
-                <a:latin typeface="Calibri" panose="020F0502020204030204"/>
-                <a:ea typeface="+mn-ea"/>
-                <a:cs typeface="+mn-cs"/>
-              </a:rPr>
-              <a:pPr marL="0" marR="0" lvl="0" indent="0" algn="r" defTabSz="914400" rtl="0" eaLnBrk="1" fontAlgn="auto" latinLnBrk="0" hangingPunct="1">
-                <a:lnSpc>
-                  <a:spcPct val="100000"/>
-                </a:lnSpc>
-                <a:spcBef>
-                  <a:spcPts val="0"/>
-                </a:spcBef>
-                <a:spcAft>
-                  <a:spcPts val="0"/>
-                </a:spcAft>
-                <a:buClrTx/>
-                <a:buSzTx/>
-                <a:buFontTx/>
-                <a:buNone/>
-                <a:tabLst/>
-                <a:defRPr/>
-              </a:pPr>
+              <a:rPr lang="de-DE" smtClean="0"/>
               <a:t>13</a:t>
             </a:fld>
-            <a:endParaRPr kumimoji="0" lang="de-DE" sz="1200" b="0" i="0" u="none" strike="noStrike" kern="1200" cap="none" spc="0" normalizeH="0" baseline="0" noProof="0">
-              <a:ln>
-                <a:noFill/>
-              </a:ln>
-              <a:solidFill>
-                <a:prstClr val="black"/>
-              </a:solidFill>
-              <a:effectLst/>
-              <a:uLnTx/>
-              <a:uFillTx/>
-              <a:latin typeface="Calibri" panose="020F0502020204030204"/>
-              <a:ea typeface="+mn-ea"/>
-              <a:cs typeface="+mn-cs"/>
-            </a:endParaRPr>
+            <a:endParaRPr lang="de-DE"/>
           </a:p>
         </p:txBody>
       </p:sp>
     </p:spTree>
     <p:extLst>
       <p:ext uri="{BB962C8B-B14F-4D97-AF65-F5344CB8AC3E}">
-        <p14:creationId xmlns:p14="http://schemas.microsoft.com/office/powerpoint/2010/main" val="2262282548"/>
+        <p14:creationId xmlns:p14="http://schemas.microsoft.com/office/powerpoint/2010/main" val="1748030780"/>
       </p:ext>
     </p:extLst>
   </p:cSld>
@@ -1353,19 +1313,78 @@
           <a:bodyPr/>
           <a:lstStyle/>
           <a:p>
-            <a:pPr rtl="0"/>
+            <a:pPr marL="0" marR="0" lvl="0" indent="0" algn="r" defTabSz="914400" rtl="0" eaLnBrk="1" fontAlgn="auto" latinLnBrk="0" hangingPunct="1">
+              <a:lnSpc>
+                <a:spcPct val="100000"/>
+              </a:lnSpc>
+              <a:spcBef>
+                <a:spcPts val="0"/>
+              </a:spcBef>
+              <a:spcAft>
+                <a:spcPts val="0"/>
+              </a:spcAft>
+              <a:buClrTx/>
+              <a:buSzTx/>
+              <a:buFontTx/>
+              <a:buNone/>
+              <a:tabLst/>
+              <a:defRPr/>
+            </a:pPr>
             <a:fld id="{D4B9A9E5-4F7F-4A7D-9DE1-899232329269}" type="slidenum">
-              <a:rPr lang="de-DE" smtClean="0"/>
+              <a:rPr kumimoji="0" lang="de-DE" sz="1200" b="0" i="0" u="none" strike="noStrike" kern="1200" cap="none" spc="0" normalizeH="0" baseline="0" noProof="0" smtClean="0">
+                <a:ln>
+                  <a:noFill/>
+                </a:ln>
+                <a:solidFill>
+                  <a:prstClr val="black"/>
+                </a:solidFill>
+                <a:effectLst/>
+                <a:uLnTx/>
+                <a:uFillTx/>
+                <a:latin typeface="Calibri" panose="020F0502020204030204"/>
+                <a:ea typeface="+mn-ea"/>
+                <a:cs typeface="+mn-cs"/>
+              </a:rPr>
+              <a:pPr marL="0" marR="0" lvl="0" indent="0" algn="r" defTabSz="914400" rtl="0" eaLnBrk="1" fontAlgn="auto" latinLnBrk="0" hangingPunct="1">
+                <a:lnSpc>
+                  <a:spcPct val="100000"/>
+                </a:lnSpc>
+                <a:spcBef>
+                  <a:spcPts val="0"/>
+                </a:spcBef>
+                <a:spcAft>
+                  <a:spcPts val="0"/>
+                </a:spcAft>
+                <a:buClrTx/>
+                <a:buSzTx/>
+                <a:buFontTx/>
+                <a:buNone/>
+                <a:tabLst/>
+                <a:defRPr/>
+              </a:pPr>
               <a:t>14</a:t>
             </a:fld>
-            <a:endParaRPr lang="de-DE"/>
+            <a:endParaRPr kumimoji="0" lang="de-DE" sz="1200" b="0" i="0" u="none" strike="noStrike" kern="1200" cap="none" spc="0" normalizeH="0" baseline="0" noProof="0">
+              <a:ln>
+                <a:noFill/>
+              </a:ln>
+              <a:solidFill>
+                <a:prstClr val="black"/>
+              </a:solidFill>
+              <a:effectLst/>
+              <a:uLnTx/>
+              <a:uFillTx/>
+              <a:latin typeface="Calibri" panose="020F0502020204030204"/>
+              <a:ea typeface="+mn-ea"/>
+              <a:cs typeface="+mn-cs"/>
+            </a:endParaRPr>
           </a:p>
         </p:txBody>
       </p:sp>
     </p:spTree>
     <p:extLst>
       <p:ext uri="{BB962C8B-B14F-4D97-AF65-F5344CB8AC3E}">
-        <p14:creationId xmlns:p14="http://schemas.microsoft.com/office/powerpoint/2010/main" val="1748030780"/>
+        <p14:creationId xmlns:p14="http://schemas.microsoft.com/office/powerpoint/2010/main" val="3647744645"/>
       </p:ext>
     </p:extLst>
   </p:cSld>
@@ -1438,78 +1457,19 @@
           <a:bodyPr/>
           <a:lstStyle/>
           <a:p>
-            <a:pPr marL="0" marR="0" lvl="0" indent="0" algn="r" defTabSz="914400" rtl="0" eaLnBrk="1" fontAlgn="auto" latinLnBrk="0" hangingPunct="1">
-              <a:lnSpc>
-                <a:spcPct val="100000"/>
-              </a:lnSpc>
-              <a:spcBef>
-                <a:spcPts val="0"/>
-              </a:spcBef>
-              <a:spcAft>
-                <a:spcPts val="0"/>
-              </a:spcAft>
-              <a:buClrTx/>
-              <a:buSzTx/>
-              <a:buFontTx/>
-              <a:buNone/>
-              <a:tabLst/>
-              <a:defRPr/>
-            </a:pPr>
+            <a:pPr rtl="0"/>
             <a:fld id="{D4B9A9E5-4F7F-4A7D-9DE1-899232329269}" type="slidenum">
-              <a:rPr kumimoji="0" lang="de-DE" sz="1200" b="0" i="0" u="none" strike="noStrike" kern="1200" cap="none" spc="0" normalizeH="0" baseline="0" noProof="0" smtClean="0">
-                <a:ln>
-                  <a:noFill/>
-                </a:ln>
-                <a:solidFill>
-                  <a:prstClr val="black"/>
-                </a:solidFill>
-                <a:effectLst/>
-                <a:uLnTx/>
-                <a:uFillTx/>
-                <a:latin typeface="Calibri" panose="020F0502020204030204"/>
-                <a:ea typeface="+mn-ea"/>
-                <a:cs typeface="+mn-cs"/>
-              </a:rPr>
-              <a:pPr marL="0" marR="0" lvl="0" indent="0" algn="r" defTabSz="914400" rtl="0" eaLnBrk="1" fontAlgn="auto" latinLnBrk="0" hangingPunct="1">
-                <a:lnSpc>
-                  <a:spcPct val="100000"/>
-                </a:lnSpc>
-                <a:spcBef>
-                  <a:spcPts val="0"/>
-                </a:spcBef>
-                <a:spcAft>
-                  <a:spcPts val="0"/>
-                </a:spcAft>
-                <a:buClrTx/>
-                <a:buSzTx/>
-                <a:buFontTx/>
-                <a:buNone/>
-                <a:tabLst/>
-                <a:defRPr/>
-              </a:pPr>
+              <a:rPr lang="de-DE" smtClean="0"/>
               <a:t>15</a:t>
             </a:fld>
-            <a:endParaRPr kumimoji="0" lang="de-DE" sz="1200" b="0" i="0" u="none" strike="noStrike" kern="1200" cap="none" spc="0" normalizeH="0" baseline="0" noProof="0">
-              <a:ln>
-                <a:noFill/>
-              </a:ln>
-              <a:solidFill>
-                <a:prstClr val="black"/>
-              </a:solidFill>
-              <a:effectLst/>
-              <a:uLnTx/>
-              <a:uFillTx/>
-              <a:latin typeface="Calibri" panose="020F0502020204030204"/>
-              <a:ea typeface="+mn-ea"/>
-              <a:cs typeface="+mn-cs"/>
-            </a:endParaRPr>
+            <a:endParaRPr lang="de-DE"/>
           </a:p>
         </p:txBody>
       </p:sp>
     </p:spTree>
     <p:extLst>
       <p:ext uri="{BB962C8B-B14F-4D97-AF65-F5344CB8AC3E}">
-        <p14:creationId xmlns:p14="http://schemas.microsoft.com/office/powerpoint/2010/main" val="3647744645"/>
+        <p14:creationId xmlns:p14="http://schemas.microsoft.com/office/powerpoint/2010/main" val="3135496549"/>
       </p:ext>
     </p:extLst>
   </p:cSld>
@@ -1582,19 +1542,78 @@
           <a:bodyPr/>
           <a:lstStyle/>
           <a:p>
-            <a:pPr rtl="0"/>
+            <a:pPr marL="0" marR="0" lvl="0" indent="0" algn="r" defTabSz="914400" rtl="0" eaLnBrk="1" fontAlgn="auto" latinLnBrk="0" hangingPunct="1">
+              <a:lnSpc>
+                <a:spcPct val="100000"/>
+              </a:lnSpc>
+              <a:spcBef>
+                <a:spcPts val="0"/>
+              </a:spcBef>
+              <a:spcAft>
+                <a:spcPts val="0"/>
+              </a:spcAft>
+              <a:buClrTx/>
+              <a:buSzTx/>
+              <a:buFontTx/>
+              <a:buNone/>
+              <a:tabLst/>
+              <a:defRPr/>
+            </a:pPr>
             <a:fld id="{D4B9A9E5-4F7F-4A7D-9DE1-899232329269}" type="slidenum">
-              <a:rPr lang="de-DE" smtClean="0"/>
+              <a:rPr kumimoji="0" lang="de-DE" sz="1200" b="0" i="0" u="none" strike="noStrike" kern="1200" cap="none" spc="0" normalizeH="0" baseline="0" noProof="0" smtClean="0">
+                <a:ln>
+                  <a:noFill/>
+                </a:ln>
+                <a:solidFill>
+                  <a:prstClr val="black"/>
+                </a:solidFill>
+                <a:effectLst/>
+                <a:uLnTx/>
+                <a:uFillTx/>
+                <a:latin typeface="Calibri" panose="020F0502020204030204"/>
+                <a:ea typeface="+mn-ea"/>
+                <a:cs typeface="+mn-cs"/>
+              </a:rPr>
+              <a:pPr marL="0" marR="0" lvl="0" indent="0" algn="r" defTabSz="914400" rtl="0" eaLnBrk="1" fontAlgn="auto" latinLnBrk="0" hangingPunct="1">
+                <a:lnSpc>
+                  <a:spcPct val="100000"/>
+                </a:lnSpc>
+                <a:spcBef>
+                  <a:spcPts val="0"/>
+                </a:spcBef>
+                <a:spcAft>
+                  <a:spcPts val="0"/>
+                </a:spcAft>
+                <a:buClrTx/>
+                <a:buSzTx/>
+                <a:buFontTx/>
+                <a:buNone/>
+                <a:tabLst/>
+                <a:defRPr/>
+              </a:pPr>
               <a:t>16</a:t>
             </a:fld>
-            <a:endParaRPr lang="de-DE"/>
+            <a:endParaRPr kumimoji="0" lang="de-DE" sz="1200" b="0" i="0" u="none" strike="noStrike" kern="1200" cap="none" spc="0" normalizeH="0" baseline="0" noProof="0">
+              <a:ln>
+                <a:noFill/>
+              </a:ln>
+              <a:solidFill>
+                <a:prstClr val="black"/>
+              </a:solidFill>
+              <a:effectLst/>
+              <a:uLnTx/>
+              <a:uFillTx/>
+              <a:latin typeface="Calibri" panose="020F0502020204030204"/>
+              <a:ea typeface="+mn-ea"/>
+              <a:cs typeface="+mn-cs"/>
+            </a:endParaRPr>
           </a:p>
         </p:txBody>
       </p:sp>
     </p:spTree>
     <p:extLst>
       <p:ext uri="{BB962C8B-B14F-4D97-AF65-F5344CB8AC3E}">
-        <p14:creationId xmlns:p14="http://schemas.microsoft.com/office/powerpoint/2010/main" val="3135496549"/>
+        <p14:creationId xmlns:p14="http://schemas.microsoft.com/office/powerpoint/2010/main" val="2266974723"/>
       </p:ext>
     </p:extLst>
   </p:cSld>
@@ -1738,7 +1757,7 @@
     </p:spTree>
     <p:extLst>
       <p:ext uri="{BB962C8B-B14F-4D97-AF65-F5344CB8AC3E}">
-        <p14:creationId xmlns:p14="http://schemas.microsoft.com/office/powerpoint/2010/main" val="2266974723"/>
+        <p14:creationId xmlns:p14="http://schemas.microsoft.com/office/powerpoint/2010/main" val="182343450"/>
       </p:ext>
     </p:extLst>
   </p:cSld>
@@ -1882,7 +1901,7 @@
     </p:spTree>
     <p:extLst>
       <p:ext uri="{BB962C8B-B14F-4D97-AF65-F5344CB8AC3E}">
-        <p14:creationId xmlns:p14="http://schemas.microsoft.com/office/powerpoint/2010/main" val="182343450"/>
+        <p14:creationId xmlns:p14="http://schemas.microsoft.com/office/powerpoint/2010/main" val="2415892929"/>
       </p:ext>
     </p:extLst>
   </p:cSld>
@@ -1955,78 +1974,19 @@
           <a:bodyPr/>
           <a:lstStyle/>
           <a:p>
-            <a:pPr marL="0" marR="0" lvl="0" indent="0" algn="r" defTabSz="914400" rtl="0" eaLnBrk="1" fontAlgn="auto" latinLnBrk="0" hangingPunct="1">
-              <a:lnSpc>
-                <a:spcPct val="100000"/>
-              </a:lnSpc>
-              <a:spcBef>
-                <a:spcPts val="0"/>
-              </a:spcBef>
-              <a:spcAft>
-                <a:spcPts val="0"/>
-              </a:spcAft>
-              <a:buClrTx/>
-              <a:buSzTx/>
-              <a:buFontTx/>
-              <a:buNone/>
-              <a:tabLst/>
-              <a:defRPr/>
-            </a:pPr>
+            <a:pPr rtl="0"/>
             <a:fld id="{D4B9A9E5-4F7F-4A7D-9DE1-899232329269}" type="slidenum">
-              <a:rPr kumimoji="0" lang="de-DE" sz="1200" b="0" i="0" u="none" strike="noStrike" kern="1200" cap="none" spc="0" normalizeH="0" baseline="0" noProof="0" smtClean="0">
-                <a:ln>
-                  <a:noFill/>
-                </a:ln>
-                <a:solidFill>
-                  <a:prstClr val="black"/>
-                </a:solidFill>
-                <a:effectLst/>
-                <a:uLnTx/>
-                <a:uFillTx/>
-                <a:latin typeface="Calibri" panose="020F0502020204030204"/>
-                <a:ea typeface="+mn-ea"/>
-                <a:cs typeface="+mn-cs"/>
-              </a:rPr>
-              <a:pPr marL="0" marR="0" lvl="0" indent="0" algn="r" defTabSz="914400" rtl="0" eaLnBrk="1" fontAlgn="auto" latinLnBrk="0" hangingPunct="1">
-                <a:lnSpc>
-                  <a:spcPct val="100000"/>
-                </a:lnSpc>
-                <a:spcBef>
-                  <a:spcPts val="0"/>
-                </a:spcBef>
-                <a:spcAft>
-                  <a:spcPts val="0"/>
-                </a:spcAft>
-                <a:buClrTx/>
-                <a:buSzTx/>
-                <a:buFontTx/>
-                <a:buNone/>
-                <a:tabLst/>
-                <a:defRPr/>
-              </a:pPr>
+              <a:rPr lang="de-DE" smtClean="0"/>
               <a:t>19</a:t>
             </a:fld>
-            <a:endParaRPr kumimoji="0" lang="de-DE" sz="1200" b="0" i="0" u="none" strike="noStrike" kern="1200" cap="none" spc="0" normalizeH="0" baseline="0" noProof="0">
-              <a:ln>
-                <a:noFill/>
-              </a:ln>
-              <a:solidFill>
-                <a:prstClr val="black"/>
-              </a:solidFill>
-              <a:effectLst/>
-              <a:uLnTx/>
-              <a:uFillTx/>
-              <a:latin typeface="Calibri" panose="020F0502020204030204"/>
-              <a:ea typeface="+mn-ea"/>
-              <a:cs typeface="+mn-cs"/>
-            </a:endParaRPr>
+            <a:endParaRPr lang="de-DE"/>
           </a:p>
         </p:txBody>
       </p:sp>
     </p:spTree>
     <p:extLst>
       <p:ext uri="{BB962C8B-B14F-4D97-AF65-F5344CB8AC3E}">
-        <p14:creationId xmlns:p14="http://schemas.microsoft.com/office/powerpoint/2010/main" val="2415892929"/>
+        <p14:creationId xmlns:p14="http://schemas.microsoft.com/office/powerpoint/2010/main" val="1229090924"/>
       </p:ext>
     </p:extLst>
   </p:cSld>
@@ -2112,91 +2072,6 @@
     <p:extLst>
       <p:ext uri="{BB962C8B-B14F-4D97-AF65-F5344CB8AC3E}">
         <p14:creationId xmlns:p14="http://schemas.microsoft.com/office/powerpoint/2010/main" val="1131248021"/>
-      </p:ext>
-    </p:extLst>
-  </p:cSld>
-  <p:clrMapOvr>
-    <a:masterClrMapping/>
-  </p:clrMapOvr>
-</p:notes>
-</file>
-
-<file path=ppt/notesSlides/notesSlide20.xml><?xml version="1.0" encoding="utf-8"?>
-<p:notes xmlns:a="http://schemas.openxmlformats.org/drawingml/2006/main" xmlns:r="http://schemas.openxmlformats.org/officeDocument/2006/relationships" xmlns:p="http://schemas.openxmlformats.org/presentationml/2006/main">
-  <p:cSld>
-    <p:spTree>
-      <p:nvGrpSpPr>
-        <p:cNvPr id="1" name=""/>
-        <p:cNvGrpSpPr/>
-        <p:nvPr/>
-      </p:nvGrpSpPr>
-      <p:grpSpPr>
-        <a:xfrm>
-          <a:off x="0" y="0"/>
-          <a:ext cx="0" cy="0"/>
-          <a:chOff x="0" y="0"/>
-          <a:chExt cx="0" cy="0"/>
-        </a:xfrm>
-      </p:grpSpPr>
-      <p:sp>
-        <p:nvSpPr>
-          <p:cNvPr id="2" name="Folienbildplatzhalter 1"/>
-          <p:cNvSpPr>
-            <a:spLocks noGrp="1" noRot="1" noChangeAspect="1"/>
-          </p:cNvSpPr>
-          <p:nvPr>
-            <p:ph type="sldImg"/>
-          </p:nvPr>
-        </p:nvSpPr>
-        <p:spPr/>
-      </p:sp>
-      <p:sp>
-        <p:nvSpPr>
-          <p:cNvPr id="3" name="Notizenplatzhalter 2"/>
-          <p:cNvSpPr>
-            <a:spLocks noGrp="1"/>
-          </p:cNvSpPr>
-          <p:nvPr>
-            <p:ph type="body" idx="1"/>
-          </p:nvPr>
-        </p:nvSpPr>
-        <p:spPr/>
-        <p:txBody>
-          <a:bodyPr/>
-          <a:lstStyle/>
-          <a:p>
-            <a:endParaRPr lang="de-DE"/>
-          </a:p>
-        </p:txBody>
-      </p:sp>
-      <p:sp>
-        <p:nvSpPr>
-          <p:cNvPr id="4" name="Foliennummernplatzhalter 3"/>
-          <p:cNvSpPr>
-            <a:spLocks noGrp="1"/>
-          </p:cNvSpPr>
-          <p:nvPr>
-            <p:ph type="sldNum" sz="quarter" idx="5"/>
-          </p:nvPr>
-        </p:nvSpPr>
-        <p:spPr/>
-        <p:txBody>
-          <a:bodyPr/>
-          <a:lstStyle/>
-          <a:p>
-            <a:pPr rtl="0"/>
-            <a:fld id="{D4B9A9E5-4F7F-4A7D-9DE1-899232329269}" type="slidenum">
-              <a:rPr lang="de-DE" smtClean="0"/>
-              <a:t>20</a:t>
-            </a:fld>
-            <a:endParaRPr lang="de-DE"/>
-          </a:p>
-        </p:txBody>
-      </p:sp>
-    </p:spTree>
-    <p:extLst>
-      <p:ext uri="{BB962C8B-B14F-4D97-AF65-F5344CB8AC3E}">
-        <p14:creationId xmlns:p14="http://schemas.microsoft.com/office/powerpoint/2010/main" val="1229090924"/>
       </p:ext>
     </p:extLst>
   </p:cSld>
@@ -2713,7 +2588,7 @@
     </p:spTree>
     <p:extLst>
       <p:ext uri="{BB962C8B-B14F-4D97-AF65-F5344CB8AC3E}">
-        <p14:creationId xmlns:p14="http://schemas.microsoft.com/office/powerpoint/2010/main" val="2308743844"/>
+        <p14:creationId xmlns:p14="http://schemas.microsoft.com/office/powerpoint/2010/main" val="3485004677"/>
       </p:ext>
     </p:extLst>
   </p:cSld>
@@ -2767,7 +2642,26 @@
           <a:bodyPr/>
           <a:lstStyle/>
           <a:p>
-            <a:pPr marL="0" marR="0" lvl="0" indent="0" algn="l" defTabSz="914400" rtl="0" eaLnBrk="1" fontAlgn="auto" latinLnBrk="0" hangingPunct="1">
+            <a:endParaRPr lang="de-DE"/>
+          </a:p>
+        </p:txBody>
+      </p:sp>
+      <p:sp>
+        <p:nvSpPr>
+          <p:cNvPr id="4" name="Foliennummernplatzhalter 3"/>
+          <p:cNvSpPr>
+            <a:spLocks noGrp="1"/>
+          </p:cNvSpPr>
+          <p:nvPr>
+            <p:ph type="sldNum" sz="quarter" idx="5"/>
+          </p:nvPr>
+        </p:nvSpPr>
+        <p:spPr/>
+        <p:txBody>
+          <a:bodyPr/>
+          <a:lstStyle/>
+          <a:p>
+            <a:pPr marL="0" marR="0" lvl="0" indent="0" algn="r" defTabSz="914400" rtl="0" eaLnBrk="1" fontAlgn="auto" latinLnBrk="0" hangingPunct="1">
               <a:lnSpc>
                 <a:spcPct val="100000"/>
               </a:lnSpc>
@@ -2784,55 +2678,61 @@
               <a:tabLst/>
               <a:defRPr/>
             </a:pPr>
-            <a:r>
-              <a:rPr lang="de-DE" sz="1200" b="0" kern="1200" dirty="0">
-                <a:solidFill>
-                  <a:schemeClr val="tx1"/>
+            <a:fld id="{D4B9A9E5-4F7F-4A7D-9DE1-899232329269}" type="slidenum">
+              <a:rPr kumimoji="0" lang="de-DE" sz="1200" b="0" i="0" u="none" strike="noStrike" kern="1200" cap="none" spc="0" normalizeH="0" baseline="0" noProof="0" smtClean="0">
+                <a:ln>
+                  <a:noFill/>
+                </a:ln>
+                <a:solidFill>
+                  <a:prstClr val="black"/>
                 </a:solidFill>
                 <a:effectLst/>
-                <a:latin typeface="+mn-lt"/>
+                <a:uLnTx/>
+                <a:uFillTx/>
+                <a:latin typeface="Calibri" panose="020F0502020204030204"/>
                 <a:ea typeface="+mn-ea"/>
                 <a:cs typeface="+mn-cs"/>
               </a:rPr>
-              <a:t>    RAID 0 wird häufig für Systeme verwendet, die hohe Geschwindigkeit und Kapazität benötigen, aber keine Datenredundanz erfordern, wie z. B. in einigen Gaming-PCs oder für schnelle       temporäre Speicherung.</a:t>
-            </a:r>
-          </a:p>
-          <a:p>
-            <a:r>
-              <a:rPr lang="de-DE" dirty="0"/>
-              <a:t>    RAID 0 ist die schnellste RAID Konfiguration.</a:t>
-            </a:r>
-          </a:p>
-        </p:txBody>
-      </p:sp>
-      <p:sp>
-        <p:nvSpPr>
-          <p:cNvPr id="4" name="Foliennummernplatzhalter 3"/>
-          <p:cNvSpPr>
-            <a:spLocks noGrp="1"/>
-          </p:cNvSpPr>
-          <p:nvPr>
-            <p:ph type="sldNum" sz="quarter" idx="5"/>
-          </p:nvPr>
-        </p:nvSpPr>
-        <p:spPr/>
-        <p:txBody>
-          <a:bodyPr/>
-          <a:lstStyle/>
-          <a:p>
-            <a:pPr rtl="0"/>
-            <a:fld id="{D4B9A9E5-4F7F-4A7D-9DE1-899232329269}" type="slidenum">
-              <a:rPr lang="de-DE" smtClean="0"/>
+              <a:pPr marL="0" marR="0" lvl="0" indent="0" algn="r" defTabSz="914400" rtl="0" eaLnBrk="1" fontAlgn="auto" latinLnBrk="0" hangingPunct="1">
+                <a:lnSpc>
+                  <a:spcPct val="100000"/>
+                </a:lnSpc>
+                <a:spcBef>
+                  <a:spcPts val="0"/>
+                </a:spcBef>
+                <a:spcAft>
+                  <a:spcPts val="0"/>
+                </a:spcAft>
+                <a:buClrTx/>
+                <a:buSzTx/>
+                <a:buFontTx/>
+                <a:buNone/>
+                <a:tabLst/>
+                <a:defRPr/>
+              </a:pPr>
               <a:t>7</a:t>
             </a:fld>
-            <a:endParaRPr lang="de-DE"/>
+            <a:endParaRPr kumimoji="0" lang="de-DE" sz="1200" b="0" i="0" u="none" strike="noStrike" kern="1200" cap="none" spc="0" normalizeH="0" baseline="0" noProof="0">
+              <a:ln>
+                <a:noFill/>
+              </a:ln>
+              <a:solidFill>
+                <a:prstClr val="black"/>
+              </a:solidFill>
+              <a:effectLst/>
+              <a:uLnTx/>
+              <a:uFillTx/>
+              <a:latin typeface="Calibri" panose="020F0502020204030204"/>
+              <a:ea typeface="+mn-ea"/>
+              <a:cs typeface="+mn-cs"/>
+            </a:endParaRPr>
           </a:p>
         </p:txBody>
       </p:sp>
     </p:spTree>
     <p:extLst>
       <p:ext uri="{BB962C8B-B14F-4D97-AF65-F5344CB8AC3E}">
-        <p14:creationId xmlns:p14="http://schemas.microsoft.com/office/powerpoint/2010/main" val="2502276112"/>
+        <p14:creationId xmlns:p14="http://schemas.microsoft.com/office/powerpoint/2010/main" val="2262282548"/>
       </p:ext>
     </p:extLst>
   </p:cSld>
@@ -2886,43 +2786,7 @@
           <a:bodyPr/>
           <a:lstStyle/>
           <a:p>
-            <a:r>
-              <a:rPr lang="de-DE" sz="1200" b="0" kern="1200" dirty="0">
-                <a:solidFill>
-                  <a:schemeClr val="tx1"/>
-                </a:solidFill>
-                <a:effectLst/>
-                <a:latin typeface="+mn-lt"/>
-                <a:ea typeface="+mn-ea"/>
-                <a:cs typeface="+mn-cs"/>
-              </a:rPr>
-              <a:t>  RAID 1 wird oft in kleineren Servern oder in Systemen eingesetzt, in denen Datensicherheit wichtiger ist als Speichereffizienz, wie bei kritischen Datenbanken.</a:t>
-            </a:r>
-          </a:p>
-          <a:p>
-            <a:br>
-              <a:rPr lang="de-DE" sz="1200" b="0" kern="1200" dirty="0">
-                <a:solidFill>
-                  <a:schemeClr val="tx1"/>
-                </a:solidFill>
-                <a:effectLst/>
-                <a:latin typeface="+mn-lt"/>
-                <a:ea typeface="+mn-ea"/>
-                <a:cs typeface="+mn-cs"/>
-              </a:rPr>
-            </a:br>
-            <a:endParaRPr lang="de-DE" sz="1200" b="0" kern="1200" dirty="0">
-              <a:solidFill>
-                <a:schemeClr val="tx1"/>
-              </a:solidFill>
-              <a:effectLst/>
-              <a:latin typeface="+mn-lt"/>
-              <a:ea typeface="+mn-ea"/>
-              <a:cs typeface="+mn-cs"/>
-            </a:endParaRPr>
-          </a:p>
-          <a:p>
-            <a:endParaRPr lang="de-DE" dirty="0"/>
+            <a:endParaRPr lang="de-DE"/>
           </a:p>
         </p:txBody>
       </p:sp>
@@ -2953,7 +2817,7 @@
     </p:spTree>
     <p:extLst>
       <p:ext uri="{BB962C8B-B14F-4D97-AF65-F5344CB8AC3E}">
-        <p14:creationId xmlns:p14="http://schemas.microsoft.com/office/powerpoint/2010/main" val="1157256943"/>
+        <p14:creationId xmlns:p14="http://schemas.microsoft.com/office/powerpoint/2010/main" val="2308743844"/>
       </p:ext>
     </p:extLst>
   </p:cSld>
@@ -3025,35 +2889,23 @@
               <a:defRPr/>
             </a:pPr>
             <a:r>
-              <a:rPr lang="de-DE" sz="1200" dirty="0"/>
-              <a:t>Wird häufig in Unternehmens-Servern oder NAS-Systemen verwendet, wo ein Gleichgewicht zwischen Leistung und Redundanz erforderlich ist</a:t>
-            </a:r>
-          </a:p>
-          <a:p>
-            <a:pPr marL="0" marR="0" lvl="0" indent="0" algn="l" defTabSz="914400" rtl="0" eaLnBrk="1" fontAlgn="auto" latinLnBrk="0" hangingPunct="1">
-              <a:lnSpc>
-                <a:spcPct val="100000"/>
-              </a:lnSpc>
-              <a:spcBef>
-                <a:spcPts val="0"/>
-              </a:spcBef>
-              <a:spcAft>
-                <a:spcPts val="0"/>
-              </a:spcAft>
-              <a:buClrTx/>
-              <a:buSzTx/>
-              <a:buFontTx/>
-              <a:buNone/>
-              <a:tabLst/>
-              <a:defRPr/>
-            </a:pPr>
-            <a:r>
-              <a:rPr lang="de-DE" sz="1200" dirty="0"/>
-              <a:t>Hat den Nachteil das Schreibgeschwindigkeit langsamer als in anderen RAID Konfigurationen ist.</a:t>
-            </a:r>
-          </a:p>
-          <a:p>
-            <a:endParaRPr lang="de-DE" dirty="0"/>
+              <a:rPr lang="de-DE" sz="1200" b="0" kern="1200" dirty="0">
+                <a:solidFill>
+                  <a:schemeClr val="tx1"/>
+                </a:solidFill>
+                <a:effectLst/>
+                <a:latin typeface="+mn-lt"/>
+                <a:ea typeface="+mn-ea"/>
+                <a:cs typeface="+mn-cs"/>
+              </a:rPr>
+              <a:t>    RAID 0 wird häufig für Systeme verwendet, die hohe Geschwindigkeit und Kapazität benötigen, aber keine Datenredundanz erfordern, wie z. B. in einigen Gaming-PCs oder für schnelle       temporäre Speicherung.</a:t>
+            </a:r>
+          </a:p>
+          <a:p>
+            <a:r>
+              <a:rPr lang="de-DE" dirty="0"/>
+              <a:t>    RAID 0 ist die schnellste RAID Konfiguration.</a:t>
+            </a:r>
           </a:p>
         </p:txBody>
       </p:sp>
@@ -3084,7 +2936,7 @@
     </p:spTree>
     <p:extLst>
       <p:ext uri="{BB962C8B-B14F-4D97-AF65-F5344CB8AC3E}">
-        <p14:creationId xmlns:p14="http://schemas.microsoft.com/office/powerpoint/2010/main" val="1533107176"/>
+        <p14:creationId xmlns:p14="http://schemas.microsoft.com/office/powerpoint/2010/main" val="2502276112"/>
       </p:ext>
     </p:extLst>
   </p:cSld>
@@ -18080,23 +17932,7 @@
           <a:p>
             <a:r>
               <a:rPr lang="de-DE" dirty="0" err="1"/>
-              <a:t>Striping</a:t>
-            </a:r>
-            <a:r>
-              <a:rPr lang="de-DE" dirty="0"/>
-              <a:t> </a:t>
-            </a:r>
-            <a:r>
-              <a:rPr lang="de-DE" dirty="0" err="1"/>
-              <a:t>with</a:t>
-            </a:r>
-            <a:r>
-              <a:rPr lang="de-DE" dirty="0"/>
-              <a:t> double </a:t>
-            </a:r>
-            <a:r>
-              <a:rPr lang="de-DE" dirty="0" err="1"/>
-              <a:t>partiy</a:t>
+              <a:t>Mirroring</a:t>
             </a:r>
             <a:endParaRPr lang="de-DE" dirty="0"/>
           </a:p>
@@ -18120,8 +17956,8 @@
         </p:nvSpPr>
         <p:spPr>
           <a:xfrm>
-            <a:off x="5921828" y="1860059"/>
-            <a:ext cx="5431971" cy="4301043"/>
+            <a:off x="5921828" y="1860060"/>
+            <a:ext cx="5431971" cy="3351132"/>
           </a:xfrm>
         </p:spPr>
         <p:txBody>
@@ -18136,7 +17972,7 @@
             </a:pPr>
             <a:r>
               <a:rPr lang="de-DE" sz="2000" dirty="0"/>
-              <a:t>RAID 6 ist ähnlich wie RAID 5 und erstellt Paritätsinformationen</a:t>
+              <a:t>RAID 1 erstellt eine exakte Kopie der Daten auf zwei oder mehreren Festplatten</a:t>
             </a:r>
           </a:p>
           <a:p>
@@ -18153,7 +17989,7 @@
             </a:pPr>
             <a:r>
               <a:rPr lang="de-DE" sz="2000" dirty="0"/>
-              <a:t>RAID 6 erstellt zwei Paritätsschichten so das beim Ausfall von zwei Festplatten weiterhin keine Daten verloren gehen</a:t>
+              <a:t>50% der Speicher Speicherkapazität wird für Kopien verwendet</a:t>
             </a:r>
           </a:p>
           <a:p>
@@ -18170,15 +18006,7 @@
             </a:pPr>
             <a:r>
               <a:rPr lang="de-DE" sz="2000" dirty="0"/>
-              <a:t>RAID 6 wird in Umgebungen eingesetzt, in denen eine hohe Datensicherheit erforderlich ist wie </a:t>
-            </a:r>
-            <a:r>
-              <a:rPr lang="de-DE" sz="2000" dirty="0" err="1"/>
-              <a:t>z.B</a:t>
-            </a:r>
-            <a:r>
-              <a:rPr lang="de-DE" sz="2000" dirty="0"/>
-              <a:t> kritische Datenbanken</a:t>
+              <a:t>RAID 1 wird verwendet wenn Datensicherheit Priorität ist</a:t>
             </a:r>
           </a:p>
         </p:txBody>
@@ -18265,7 +18093,7 @@
             <a:pPr rtl="0"/>
             <a:r>
               <a:rPr lang="de-DE" dirty="0"/>
-              <a:t>9/19</a:t>
+              <a:t>9/18</a:t>
             </a:r>
           </a:p>
         </p:txBody>
@@ -18319,7 +18147,7 @@
           <a:p>
             <a:r>
               <a:rPr lang="de-DE" sz="3200" dirty="0"/>
-              <a:t>RAID – LEVEL 6</a:t>
+              <a:t>RAID – LEVEL 1</a:t>
             </a:r>
           </a:p>
         </p:txBody>
@@ -18329,7 +18157,7 @@
           <p:cNvPr id="3" name="Grafik 2">
             <a:extLst>
               <a:ext uri="{FF2B5EF4-FFF2-40B4-BE49-F238E27FC236}">
-                <a16:creationId xmlns:a16="http://schemas.microsoft.com/office/drawing/2014/main" id="{46BCC639-1CC7-47A1-ABAE-4FEB5CDD49B0}"/>
+                <a16:creationId xmlns:a16="http://schemas.microsoft.com/office/drawing/2014/main" id="{9AD2F21C-5659-477F-A7A3-E19F22114373}"/>
               </a:ext>
             </a:extLst>
           </p:cNvPr>
@@ -18339,26 +18167,15 @@
           <p:nvPr/>
         </p:nvPicPr>
         <p:blipFill>
-          <a:blip r:embed="rId3">
-            <a:clrChange>
-              <a:clrFrom>
-                <a:srgbClr val="FFFFFF"/>
-              </a:clrFrom>
-              <a:clrTo>
-                <a:srgbClr val="FFFFFF">
-                  <a:alpha val="0"/>
-                </a:srgbClr>
-              </a:clrTo>
-            </a:clrChange>
-          </a:blip>
+          <a:blip r:embed="rId3"/>
           <a:stretch>
             <a:fillRect/>
           </a:stretch>
         </p:blipFill>
         <p:spPr>
           <a:xfrm>
-            <a:off x="567546" y="976019"/>
-            <a:ext cx="5433204" cy="5745456"/>
+            <a:off x="2823544" y="949634"/>
+            <a:ext cx="2519952" cy="5771841"/>
           </a:xfrm>
           <a:prstGeom prst="rect">
             <a:avLst/>
@@ -18368,7 +18185,7 @@
     </p:spTree>
     <p:extLst>
       <p:ext uri="{BB962C8B-B14F-4D97-AF65-F5344CB8AC3E}">
-        <p14:creationId xmlns:p14="http://schemas.microsoft.com/office/powerpoint/2010/main" val="2361662790"/>
+        <p14:creationId xmlns:p14="http://schemas.microsoft.com/office/powerpoint/2010/main" val="3742153391"/>
       </p:ext>
     </p:extLst>
   </p:cSld>
@@ -18424,11 +18241,19 @@
             </a:r>
             <a:r>
               <a:rPr lang="de-DE" dirty="0"/>
-              <a:t> und </a:t>
+              <a:t> </a:t>
             </a:r>
             <a:r>
               <a:rPr lang="de-DE" dirty="0" err="1"/>
-              <a:t>Mirroring</a:t>
+              <a:t>with</a:t>
+            </a:r>
+            <a:r>
+              <a:rPr lang="de-DE" dirty="0"/>
+              <a:t> </a:t>
+            </a:r>
+            <a:r>
+              <a:rPr lang="de-DE" dirty="0" err="1"/>
+              <a:t>Parity</a:t>
             </a:r>
             <a:endParaRPr lang="de-DE" dirty="0"/>
           </a:p>
@@ -18452,13 +18277,13 @@
         </p:nvSpPr>
         <p:spPr>
           <a:xfrm>
-            <a:off x="5921828" y="1860060"/>
-            <a:ext cx="5431971" cy="3763992"/>
+            <a:off x="5921828" y="1860059"/>
+            <a:ext cx="5431971" cy="4301043"/>
           </a:xfrm>
         </p:spPr>
         <p:txBody>
           <a:bodyPr>
-            <a:normAutofit lnSpcReduction="10000"/>
+            <a:normAutofit/>
           </a:bodyPr>
           <a:lstStyle/>
           <a:p>
@@ -18468,7 +18293,7 @@
             </a:pPr>
             <a:r>
               <a:rPr lang="de-DE" sz="2000" dirty="0"/>
-              <a:t>RAID 1+0 (oder RAID 10) kombiniert RAID Level 0 und 1, die Daten werden gespiegelt und verteilt</a:t>
+              <a:t>RAID 5 verteilt Paritätsinformationen zusammen mit den Daten über drei oder mehr Festplatten</a:t>
             </a:r>
           </a:p>
           <a:p>
@@ -18485,7 +18310,7 @@
             </a:pPr>
             <a:r>
               <a:rPr lang="de-DE" sz="2000" dirty="0"/>
-              <a:t>Der Geschwindigkeitsvorteil von RAID 0 wird erreicht zusammen mit der Datensicherheit von RAID 1</a:t>
+              <a:t>Dieses RAID Level ist ein Kompromiss zwischen Geschwindigkeit, Speichereffizienz und Ausfallsicherheit</a:t>
             </a:r>
           </a:p>
           <a:p>
@@ -18502,7 +18327,7 @@
             </a:pPr>
             <a:r>
               <a:rPr lang="de-DE" sz="2000" dirty="0"/>
-              <a:t>RAID 10 wird oft in hochleistungsfähigen Serverumgebungen verwendet, wo Geschwindigkeit und Redundanz kritisch sind</a:t>
+              <a:t>Fällt eine Festplatte aus, können die Daten mit den Paritätsinformationen rekonstruiert werden</a:t>
             </a:r>
           </a:p>
         </p:txBody>
@@ -18594,7 +18419,7 @@
             <a:pPr rtl="0"/>
             <a:r>
               <a:rPr lang="de-DE" dirty="0"/>
-              <a:t>10/19</a:t>
+              <a:t>10/18</a:t>
             </a:r>
           </a:p>
         </p:txBody>
@@ -18648,17 +18473,17 @@
           <a:p>
             <a:r>
               <a:rPr lang="de-DE" sz="3200" dirty="0"/>
-              <a:t>RAID – LEVEL 1+0</a:t>
+              <a:t>RAID – LEVEL 5</a:t>
             </a:r>
           </a:p>
         </p:txBody>
       </p:sp>
       <p:pic>
         <p:nvPicPr>
-          <p:cNvPr id="9" name="Grafik 8">
-            <a:extLst>
-              <a:ext uri="{FF2B5EF4-FFF2-40B4-BE49-F238E27FC236}">
-                <a16:creationId xmlns:a16="http://schemas.microsoft.com/office/drawing/2014/main" id="{0D76899E-6794-4966-8907-341353764411}"/>
+          <p:cNvPr id="4" name="Grafik 3">
+            <a:extLst>
+              <a:ext uri="{FF2B5EF4-FFF2-40B4-BE49-F238E27FC236}">
+                <a16:creationId xmlns:a16="http://schemas.microsoft.com/office/drawing/2014/main" id="{3862C416-B0B0-4E10-B604-E64183845832}"/>
               </a:ext>
             </a:extLst>
           </p:cNvPr>
@@ -18686,8 +18511,8 @@
         </p:blipFill>
         <p:spPr>
           <a:xfrm>
-            <a:off x="560277" y="955168"/>
-            <a:ext cx="5357744" cy="5766307"/>
+            <a:off x="2187571" y="949634"/>
+            <a:ext cx="3541897" cy="5771841"/>
           </a:xfrm>
           <a:prstGeom prst="rect">
             <a:avLst/>
@@ -18697,7 +18522,7 @@
     </p:spTree>
     <p:extLst>
       <p:ext uri="{BB962C8B-B14F-4D97-AF65-F5344CB8AC3E}">
-        <p14:creationId xmlns:p14="http://schemas.microsoft.com/office/powerpoint/2010/main" val="1340616593"/>
+        <p14:creationId xmlns:p14="http://schemas.microsoft.com/office/powerpoint/2010/main" val="3529936229"/>
       </p:ext>
     </p:extLst>
   </p:cSld>
@@ -18726,10 +18551,10 @@
       </p:grpSpPr>
       <p:sp>
         <p:nvSpPr>
-          <p:cNvPr id="3" name="Inhaltsplatzhalter 2">
-            <a:extLst>
-              <a:ext uri="{FF2B5EF4-FFF2-40B4-BE49-F238E27FC236}">
-                <a16:creationId xmlns:a16="http://schemas.microsoft.com/office/drawing/2014/main" id="{D4A2EB3F-4D60-451F-8F45-7D6654D2FCD9}"/>
+          <p:cNvPr id="16" name="Textplatzhalter 15">
+            <a:extLst>
+              <a:ext uri="{FF2B5EF4-FFF2-40B4-BE49-F238E27FC236}">
+                <a16:creationId xmlns:a16="http://schemas.microsoft.com/office/drawing/2014/main" id="{31BDB7EA-134C-47BC-93C7-682974C59D68}"/>
               </a:ext>
             </a:extLst>
           </p:cNvPr>
@@ -18740,75 +18565,98 @@
             <p:ph type="body" sz="quarter" idx="13"/>
           </p:nvPr>
         </p:nvSpPr>
-        <p:spPr>
-          <a:xfrm>
-            <a:off x="4675182" y="1610641"/>
-            <a:ext cx="5433204" cy="4239553"/>
-          </a:xfrm>
-        </p:spPr>
-        <p:txBody>
-          <a:bodyPr vert="horz" lIns="91440" tIns="45720" rIns="91440" bIns="45720" rtlCol="0" anchor="t">
-            <a:normAutofit/>
+        <p:spPr/>
+        <p:txBody>
+          <a:bodyPr>
+            <a:normAutofit lnSpcReduction="10000"/>
           </a:bodyPr>
           <a:lstStyle/>
           <a:p>
             <a:r>
-              <a:rPr lang="de-DE" i="0" dirty="0">
-                <a:effectLst/>
-              </a:rPr>
-              <a:t>Einleitung und Grundlagen von RAID</a:t>
-            </a:r>
-          </a:p>
-          <a:p>
-            <a:pPr rtl="0"/>
+              <a:rPr lang="de-DE" dirty="0" err="1"/>
+              <a:t>Striping</a:t>
+            </a:r>
+            <a:r>
+              <a:rPr lang="de-DE" dirty="0"/>
+              <a:t> und </a:t>
+            </a:r>
+            <a:r>
+              <a:rPr lang="de-DE" dirty="0" err="1"/>
+              <a:t>Mirroring</a:t>
+            </a:r>
             <a:endParaRPr lang="de-DE" dirty="0"/>
           </a:p>
-          <a:p>
-            <a:pPr rtl="0"/>
-            <a:r>
-              <a:rPr lang="de-DE" dirty="0"/>
-              <a:t>RAID – Level</a:t>
-            </a:r>
-          </a:p>
-          <a:p>
-            <a:pPr rtl="0"/>
-            <a:endParaRPr lang="de-DE" dirty="0"/>
-          </a:p>
-          <a:p>
-            <a:pPr rtl="0"/>
-            <a:r>
-              <a:rPr lang="de-DE" dirty="0"/>
-              <a:t>Funktionsweise von RAID Systemen</a:t>
-            </a:r>
-          </a:p>
-          <a:p>
-            <a:pPr rtl="0"/>
-            <a:endParaRPr lang="de-DE" dirty="0"/>
-          </a:p>
-          <a:p>
-            <a:pPr rtl="0"/>
-            <a:r>
-              <a:rPr lang="de-DE" dirty="0"/>
-              <a:t>Hardware </a:t>
-            </a:r>
-            <a:r>
-              <a:rPr lang="de-DE" dirty="0" err="1"/>
-              <a:t>vs</a:t>
-            </a:r>
-            <a:r>
-              <a:rPr lang="de-DE" dirty="0"/>
-              <a:t> Software RAID</a:t>
-            </a:r>
-          </a:p>
-          <a:p>
-            <a:pPr rtl="0"/>
-            <a:endParaRPr lang="de-DE" dirty="0"/>
-          </a:p>
-          <a:p>
-            <a:pPr rtl="0"/>
-            <a:r>
-              <a:rPr lang="de-DE" dirty="0"/>
-              <a:t>Einfluss von RAID auf Systemleistung und Datensicherheit</a:t>
+        </p:txBody>
+      </p:sp>
+      <p:sp>
+        <p:nvSpPr>
+          <p:cNvPr id="17" name="Textplatzhalter 16">
+            <a:extLst>
+              <a:ext uri="{FF2B5EF4-FFF2-40B4-BE49-F238E27FC236}">
+                <a16:creationId xmlns:a16="http://schemas.microsoft.com/office/drawing/2014/main" id="{DE4E2CA8-368B-4C8C-B4C2-01A9A7C5C227}"/>
+              </a:ext>
+            </a:extLst>
+          </p:cNvPr>
+          <p:cNvSpPr>
+            <a:spLocks noGrp="1"/>
+          </p:cNvSpPr>
+          <p:nvPr>
+            <p:ph type="body" sz="quarter" idx="15"/>
+          </p:nvPr>
+        </p:nvSpPr>
+        <p:spPr>
+          <a:xfrm>
+            <a:off x="5921828" y="1860060"/>
+            <a:ext cx="5431971" cy="3763992"/>
+          </a:xfrm>
+        </p:spPr>
+        <p:txBody>
+          <a:bodyPr>
+            <a:normAutofit lnSpcReduction="10000"/>
+          </a:bodyPr>
+          <a:lstStyle/>
+          <a:p>
+            <a:pPr marL="285750" indent="-285750">
+              <a:buFont typeface="Arial" panose="020B0604020202020204" pitchFamily="34" charset="0"/>
+              <a:buChar char="•"/>
+            </a:pPr>
+            <a:r>
+              <a:rPr lang="de-DE" sz="2000" dirty="0"/>
+              <a:t>RAID 1+0 (oder RAID 10) kombiniert RAID Level 0 und 1, die Daten werden gespiegelt und verteilt</a:t>
+            </a:r>
+          </a:p>
+          <a:p>
+            <a:pPr marL="285750" indent="-285750">
+              <a:buFont typeface="Arial" panose="020B0604020202020204" pitchFamily="34" charset="0"/>
+              <a:buChar char="•"/>
+            </a:pPr>
+            <a:endParaRPr lang="de-DE" sz="2000" dirty="0"/>
+          </a:p>
+          <a:p>
+            <a:pPr marL="285750" indent="-285750">
+              <a:buFont typeface="Arial" panose="020B0604020202020204" pitchFamily="34" charset="0"/>
+              <a:buChar char="•"/>
+            </a:pPr>
+            <a:r>
+              <a:rPr lang="de-DE" sz="2000" dirty="0"/>
+              <a:t>Der Geschwindigkeitsvorteil von RAID 0 wird erreicht zusammen mit der Datensicherheit von RAID 1</a:t>
+            </a:r>
+          </a:p>
+          <a:p>
+            <a:pPr marL="285750" indent="-285750">
+              <a:buFont typeface="Arial" panose="020B0604020202020204" pitchFamily="34" charset="0"/>
+              <a:buChar char="•"/>
+            </a:pPr>
+            <a:endParaRPr lang="de-DE" sz="2000" dirty="0"/>
+          </a:p>
+          <a:p>
+            <a:pPr marL="285750" indent="-285750">
+              <a:buFont typeface="Arial" panose="020B0604020202020204" pitchFamily="34" charset="0"/>
+              <a:buChar char="•"/>
+            </a:pPr>
+            <a:r>
+              <a:rPr lang="de-DE" sz="2000" dirty="0"/>
+              <a:t>RAID 10 wird oft in hochleistungsfähigen Serverumgebungen verwendet, wo Geschwindigkeit und Redundanz kritisch sind</a:t>
             </a:r>
           </a:p>
         </p:txBody>
@@ -18829,12 +18677,7 @@
             <p:ph type="dt" sz="half" idx="20"/>
           </p:nvPr>
         </p:nvSpPr>
-        <p:spPr>
-          <a:xfrm>
-            <a:off x="5919680" y="6356350"/>
-            <a:ext cx="947516" cy="365125"/>
-          </a:xfrm>
-        </p:spPr>
+        <p:spPr/>
         <p:txBody>
           <a:bodyPr rtlCol="0"/>
           <a:lstStyle/>
@@ -18863,12 +18706,7 @@
             <p:ph type="ftr" sz="quarter" idx="21"/>
           </p:nvPr>
         </p:nvSpPr>
-        <p:spPr>
-          <a:xfrm>
-            <a:off x="7161955" y="6356350"/>
-            <a:ext cx="3243942" cy="365125"/>
-          </a:xfrm>
-        </p:spPr>
+        <p:spPr/>
         <p:txBody>
           <a:bodyPr rtlCol="0"/>
           <a:lstStyle/>
@@ -18910,66 +18748,17 @@
             <a:pPr rtl="0"/>
             <a:r>
               <a:rPr lang="de-DE" dirty="0"/>
-              <a:t>11/19</a:t>
-            </a:r>
-          </a:p>
-        </p:txBody>
-      </p:sp>
-      <p:sp>
-        <p:nvSpPr>
-          <p:cNvPr id="2" name="Pfeil: nach rechts 1">
-            <a:extLst>
-              <a:ext uri="{FF2B5EF4-FFF2-40B4-BE49-F238E27FC236}">
-                <a16:creationId xmlns:a16="http://schemas.microsoft.com/office/drawing/2014/main" id="{797947D7-087B-402B-9CC1-96B23314C48A}"/>
-              </a:ext>
-            </a:extLst>
-          </p:cNvPr>
-          <p:cNvSpPr/>
-          <p:nvPr/>
-        </p:nvSpPr>
-        <p:spPr>
-          <a:xfrm>
-            <a:off x="4043025" y="3193634"/>
-            <a:ext cx="632157" cy="330139"/>
-          </a:xfrm>
-          <a:prstGeom prst="rightArrow">
-            <a:avLst/>
-          </a:prstGeom>
-          <a:solidFill>
-            <a:schemeClr val="accent2"/>
-          </a:solidFill>
-        </p:spPr>
-        <p:style>
-          <a:lnRef idx="2">
-            <a:schemeClr val="accent1">
-              <a:shade val="50000"/>
-            </a:schemeClr>
-          </a:lnRef>
-          <a:fillRef idx="1">
-            <a:schemeClr val="accent1"/>
-          </a:fillRef>
-          <a:effectRef idx="0">
-            <a:schemeClr val="accent1"/>
-          </a:effectRef>
-          <a:fontRef idx="minor">
-            <a:schemeClr val="lt1"/>
-          </a:fontRef>
-        </p:style>
-        <p:txBody>
-          <a:bodyPr rtlCol="0" anchor="ctr"/>
-          <a:lstStyle/>
-          <a:p>
-            <a:pPr algn="ctr"/>
-            <a:endParaRPr lang="de-DE"/>
-          </a:p>
-        </p:txBody>
-      </p:sp>
-      <p:sp>
-        <p:nvSpPr>
-          <p:cNvPr id="11" name="Titel 1">
-            <a:extLst>
-              <a:ext uri="{FF2B5EF4-FFF2-40B4-BE49-F238E27FC236}">
-                <a16:creationId xmlns:a16="http://schemas.microsoft.com/office/drawing/2014/main" id="{BCBBE72B-1CD7-4827-95DC-F77D27D4663C}"/>
+              <a:t>11/18</a:t>
+            </a:r>
+          </a:p>
+        </p:txBody>
+      </p:sp>
+      <p:sp>
+        <p:nvSpPr>
+          <p:cNvPr id="5" name="Titel 1">
+            <a:extLst>
+              <a:ext uri="{FF2B5EF4-FFF2-40B4-BE49-F238E27FC236}">
+                <a16:creationId xmlns:a16="http://schemas.microsoft.com/office/drawing/2014/main" id="{55DBED79-4C43-459F-3C6C-ECEE3774EC55}"/>
               </a:ext>
             </a:extLst>
           </p:cNvPr>
@@ -18980,7 +18769,7 @@
         </p:nvSpPr>
         <p:spPr>
           <a:xfrm>
-            <a:off x="4663383" y="136525"/>
+            <a:off x="4698031" y="-172568"/>
             <a:ext cx="5211184" cy="1122202"/>
           </a:xfrm>
           <a:prstGeom prst="rect">
@@ -19013,15 +18802,56 @@
           <a:p>
             <a:r>
               <a:rPr lang="de-DE" sz="3200" dirty="0"/>
-              <a:t>Agenda</a:t>
-            </a:r>
-          </a:p>
-        </p:txBody>
-      </p:sp>
+              <a:t>RAID – LEVEL 1+0</a:t>
+            </a:r>
+          </a:p>
+        </p:txBody>
+      </p:sp>
+      <p:pic>
+        <p:nvPicPr>
+          <p:cNvPr id="9" name="Grafik 8">
+            <a:extLst>
+              <a:ext uri="{FF2B5EF4-FFF2-40B4-BE49-F238E27FC236}">
+                <a16:creationId xmlns:a16="http://schemas.microsoft.com/office/drawing/2014/main" id="{0D76899E-6794-4966-8907-341353764411}"/>
+              </a:ext>
+            </a:extLst>
+          </p:cNvPr>
+          <p:cNvPicPr>
+            <a:picLocks noChangeAspect="1"/>
+          </p:cNvPicPr>
+          <p:nvPr/>
+        </p:nvPicPr>
+        <p:blipFill>
+          <a:blip r:embed="rId3">
+            <a:clrChange>
+              <a:clrFrom>
+                <a:srgbClr val="FFFFFF"/>
+              </a:clrFrom>
+              <a:clrTo>
+                <a:srgbClr val="FFFFFF">
+                  <a:alpha val="0"/>
+                </a:srgbClr>
+              </a:clrTo>
+            </a:clrChange>
+          </a:blip>
+          <a:stretch>
+            <a:fillRect/>
+          </a:stretch>
+        </p:blipFill>
+        <p:spPr>
+          <a:xfrm>
+            <a:off x="560277" y="955168"/>
+            <a:ext cx="5357744" cy="5766307"/>
+          </a:xfrm>
+          <a:prstGeom prst="rect">
+            <a:avLst/>
+          </a:prstGeom>
+        </p:spPr>
+      </p:pic>
     </p:spTree>
     <p:extLst>
       <p:ext uri="{BB962C8B-B14F-4D97-AF65-F5344CB8AC3E}">
-        <p14:creationId xmlns:p14="http://schemas.microsoft.com/office/powerpoint/2010/main" val="2034053601"/>
+        <p14:creationId xmlns:p14="http://schemas.microsoft.com/office/powerpoint/2010/main" val="1340616593"/>
       </p:ext>
     </p:extLst>
   </p:cSld>
@@ -19050,6 +18880,95 @@
       </p:grpSpPr>
       <p:sp>
         <p:nvSpPr>
+          <p:cNvPr id="3" name="Inhaltsplatzhalter 2">
+            <a:extLst>
+              <a:ext uri="{FF2B5EF4-FFF2-40B4-BE49-F238E27FC236}">
+                <a16:creationId xmlns:a16="http://schemas.microsoft.com/office/drawing/2014/main" id="{D4A2EB3F-4D60-451F-8F45-7D6654D2FCD9}"/>
+              </a:ext>
+            </a:extLst>
+          </p:cNvPr>
+          <p:cNvSpPr>
+            <a:spLocks noGrp="1"/>
+          </p:cNvSpPr>
+          <p:nvPr>
+            <p:ph type="body" sz="quarter" idx="13"/>
+          </p:nvPr>
+        </p:nvSpPr>
+        <p:spPr>
+          <a:xfrm>
+            <a:off x="4675182" y="1610641"/>
+            <a:ext cx="5433204" cy="4239553"/>
+          </a:xfrm>
+        </p:spPr>
+        <p:txBody>
+          <a:bodyPr vert="horz" lIns="91440" tIns="45720" rIns="91440" bIns="45720" rtlCol="0" anchor="t">
+            <a:normAutofit/>
+          </a:bodyPr>
+          <a:lstStyle/>
+          <a:p>
+            <a:r>
+              <a:rPr lang="de-DE" i="0" dirty="0">
+                <a:effectLst/>
+              </a:rPr>
+              <a:t>Einleitung und Grundlagen von RAID</a:t>
+            </a:r>
+          </a:p>
+          <a:p>
+            <a:pPr rtl="0"/>
+            <a:endParaRPr lang="de-DE" dirty="0"/>
+          </a:p>
+          <a:p>
+            <a:pPr rtl="0"/>
+            <a:r>
+              <a:rPr lang="de-DE" dirty="0"/>
+              <a:t>Funktionsweise von RAID Systemen</a:t>
+            </a:r>
+          </a:p>
+          <a:p>
+            <a:pPr rtl="0"/>
+            <a:endParaRPr lang="de-DE" dirty="0"/>
+          </a:p>
+          <a:p>
+            <a:pPr rtl="0"/>
+            <a:r>
+              <a:rPr lang="de-DE" dirty="0"/>
+              <a:t>RAID – Level</a:t>
+            </a:r>
+          </a:p>
+          <a:p>
+            <a:pPr rtl="0"/>
+            <a:endParaRPr lang="de-DE" dirty="0"/>
+          </a:p>
+          <a:p>
+            <a:pPr rtl="0"/>
+            <a:r>
+              <a:rPr lang="de-DE" dirty="0"/>
+              <a:t>Hardware </a:t>
+            </a:r>
+            <a:r>
+              <a:rPr lang="de-DE" dirty="0" err="1"/>
+              <a:t>vs</a:t>
+            </a:r>
+            <a:r>
+              <a:rPr lang="de-DE" dirty="0"/>
+              <a:t> Software RAID</a:t>
+            </a:r>
+          </a:p>
+          <a:p>
+            <a:pPr rtl="0"/>
+            <a:endParaRPr lang="de-DE" dirty="0"/>
+          </a:p>
+          <a:p>
+            <a:pPr rtl="0"/>
+            <a:r>
+              <a:rPr lang="de-DE" dirty="0"/>
+              <a:t>Einfluss von RAID auf Systemleistung und Datensicherheit</a:t>
+            </a:r>
+          </a:p>
+        </p:txBody>
+      </p:sp>
+      <p:sp>
+        <p:nvSpPr>
           <p:cNvPr id="20" name="Datumsplatzhalter 19">
             <a:extLst>
               <a:ext uri="{FF2B5EF4-FFF2-40B4-BE49-F238E27FC236}">
@@ -19074,40 +18993,9 @@
           <a:bodyPr rtlCol="0"/>
           <a:lstStyle/>
           <a:p>
-            <a:pPr marL="0" marR="0" lvl="0" indent="0" algn="l" defTabSz="914400" rtl="0" eaLnBrk="1" fontAlgn="auto" latinLnBrk="0" hangingPunct="1">
-              <a:lnSpc>
-                <a:spcPct val="100000"/>
-              </a:lnSpc>
-              <a:spcBef>
-                <a:spcPts val="0"/>
-              </a:spcBef>
-              <a:spcAft>
-                <a:spcPts val="0"/>
-              </a:spcAft>
-              <a:buClrTx/>
-              <a:buSzTx/>
-              <a:buFontTx/>
-              <a:buNone/>
-              <a:tabLst/>
-              <a:defRPr/>
-            </a:pPr>
-            <a:r>
-              <a:rPr kumimoji="0" lang="de-DE" sz="900" b="0" i="0" u="none" strike="noStrike" kern="1200" cap="none" spc="0" normalizeH="0" baseline="0" noProof="0" dirty="0">
-                <a:ln>
-                  <a:noFill/>
-                </a:ln>
-                <a:solidFill>
-                  <a:prstClr val="black">
-                    <a:tint val="75000"/>
-                  </a:prstClr>
-                </a:solidFill>
-                <a:effectLst/>
-                <a:uLnTx/>
-                <a:uFillTx/>
-                <a:latin typeface="Tenorite"/>
-                <a:ea typeface="+mn-ea"/>
-                <a:cs typeface="+mn-cs"/>
-              </a:rPr>
+            <a:pPr rtl="0"/>
+            <a:r>
+              <a:rPr lang="de-DE" dirty="0"/>
               <a:t>2023</a:t>
             </a:r>
           </a:p>
@@ -19139,40 +19027,9 @@
           <a:bodyPr rtlCol="0"/>
           <a:lstStyle/>
           <a:p>
-            <a:pPr marL="0" marR="0" lvl="0" indent="0" algn="ctr" defTabSz="914400" rtl="0" eaLnBrk="1" fontAlgn="auto" latinLnBrk="0" hangingPunct="1">
-              <a:lnSpc>
-                <a:spcPct val="100000"/>
-              </a:lnSpc>
-              <a:spcBef>
-                <a:spcPts val="0"/>
-              </a:spcBef>
-              <a:spcAft>
-                <a:spcPts val="0"/>
-              </a:spcAft>
-              <a:buClrTx/>
-              <a:buSzTx/>
-              <a:buFontTx/>
-              <a:buNone/>
-              <a:tabLst/>
-              <a:defRPr/>
-            </a:pPr>
-            <a:r>
-              <a:rPr kumimoji="0" lang="de-DE" sz="900" b="0" i="0" u="none" strike="noStrike" kern="1200" cap="none" spc="0" normalizeH="0" baseline="0" noProof="0" dirty="0">
-                <a:ln>
-                  <a:noFill/>
-                </a:ln>
-                <a:solidFill>
-                  <a:prstClr val="black">
-                    <a:tint val="75000"/>
-                  </a:prstClr>
-                </a:solidFill>
-                <a:effectLst/>
-                <a:uLnTx/>
-                <a:uFillTx/>
-                <a:latin typeface="Tenorite"/>
-                <a:ea typeface="+mn-ea"/>
-                <a:cs typeface="+mn-cs"/>
-              </a:rPr>
+            <a:pPr rtl="0"/>
+            <a:r>
+              <a:rPr lang="de-DE" dirty="0"/>
               <a:t>RAID</a:t>
             </a:r>
           </a:p>
@@ -19204,63 +19061,69 @@
           <a:bodyPr rtlCol="0"/>
           <a:lstStyle/>
           <a:p>
-            <a:pPr marL="0" marR="0" lvl="0" indent="0" algn="r" defTabSz="914400" rtl="0" eaLnBrk="1" fontAlgn="auto" latinLnBrk="0" hangingPunct="1">
-              <a:lnSpc>
-                <a:spcPct val="100000"/>
-              </a:lnSpc>
-              <a:spcBef>
-                <a:spcPts val="0"/>
-              </a:spcBef>
-              <a:spcAft>
-                <a:spcPts val="0"/>
-              </a:spcAft>
-              <a:buClrTx/>
-              <a:buSzTx/>
-              <a:buFontTx/>
-              <a:buNone/>
-              <a:tabLst/>
-              <a:defRPr/>
-            </a:pPr>
-            <a:r>
-              <a:rPr lang="de-DE" dirty="0">
-                <a:solidFill>
-                  <a:prstClr val="black">
-                    <a:tint val="75000"/>
-                  </a:prstClr>
-                </a:solidFill>
-                <a:latin typeface="Tenorite"/>
-              </a:rPr>
-              <a:t>12</a:t>
-            </a:r>
+            <a:pPr rtl="0"/>
             <a:r>
               <a:rPr lang="de-DE" dirty="0"/>
-              <a:t>/19</a:t>
-            </a:r>
-            <a:endParaRPr kumimoji="0" lang="de-DE" sz="900" b="0" i="0" u="none" strike="noStrike" kern="1200" cap="none" spc="0" normalizeH="0" baseline="0" noProof="0" dirty="0">
-              <a:ln>
-                <a:noFill/>
-              </a:ln>
-              <a:solidFill>
-                <a:prstClr val="black">
-                  <a:tint val="75000"/>
-                </a:prstClr>
-              </a:solidFill>
-              <a:effectLst/>
-              <a:uLnTx/>
-              <a:uFillTx/>
-              <a:latin typeface="Tenorite"/>
-              <a:ea typeface="+mn-ea"/>
-              <a:cs typeface="+mn-cs"/>
-            </a:endParaRPr>
-          </a:p>
-        </p:txBody>
-      </p:sp>
-      <p:sp>
-        <p:nvSpPr>
-          <p:cNvPr id="5" name="Titel 1">
-            <a:extLst>
-              <a:ext uri="{FF2B5EF4-FFF2-40B4-BE49-F238E27FC236}">
-                <a16:creationId xmlns:a16="http://schemas.microsoft.com/office/drawing/2014/main" id="{55DBED79-4C43-459F-3C6C-ECEE3774EC55}"/>
+              <a:t>12/18</a:t>
+            </a:r>
+          </a:p>
+        </p:txBody>
+      </p:sp>
+      <p:sp>
+        <p:nvSpPr>
+          <p:cNvPr id="2" name="Pfeil: nach rechts 1">
+            <a:extLst>
+              <a:ext uri="{FF2B5EF4-FFF2-40B4-BE49-F238E27FC236}">
+                <a16:creationId xmlns:a16="http://schemas.microsoft.com/office/drawing/2014/main" id="{797947D7-087B-402B-9CC1-96B23314C48A}"/>
+              </a:ext>
+            </a:extLst>
+          </p:cNvPr>
+          <p:cNvSpPr/>
+          <p:nvPr/>
+        </p:nvSpPr>
+        <p:spPr>
+          <a:xfrm>
+            <a:off x="4043025" y="4029376"/>
+            <a:ext cx="632157" cy="330139"/>
+          </a:xfrm>
+          <a:prstGeom prst="rightArrow">
+            <a:avLst/>
+          </a:prstGeom>
+          <a:solidFill>
+            <a:schemeClr val="accent2"/>
+          </a:solidFill>
+        </p:spPr>
+        <p:style>
+          <a:lnRef idx="2">
+            <a:schemeClr val="accent1">
+              <a:shade val="50000"/>
+            </a:schemeClr>
+          </a:lnRef>
+          <a:fillRef idx="1">
+            <a:schemeClr val="accent1"/>
+          </a:fillRef>
+          <a:effectRef idx="0">
+            <a:schemeClr val="accent1"/>
+          </a:effectRef>
+          <a:fontRef idx="minor">
+            <a:schemeClr val="lt1"/>
+          </a:fontRef>
+        </p:style>
+        <p:txBody>
+          <a:bodyPr rtlCol="0" anchor="ctr"/>
+          <a:lstStyle/>
+          <a:p>
+            <a:pPr algn="ctr"/>
+            <a:endParaRPr lang="de-DE"/>
+          </a:p>
+        </p:txBody>
+      </p:sp>
+      <p:sp>
+        <p:nvSpPr>
+          <p:cNvPr id="11" name="Titel 1">
+            <a:extLst>
+              <a:ext uri="{FF2B5EF4-FFF2-40B4-BE49-F238E27FC236}">
+                <a16:creationId xmlns:a16="http://schemas.microsoft.com/office/drawing/2014/main" id="{BCBBE72B-1CD7-4827-95DC-F77D27D4663C}"/>
               </a:ext>
             </a:extLst>
           </p:cNvPr>
@@ -19271,7 +19134,7 @@
         </p:nvSpPr>
         <p:spPr>
           <a:xfrm>
-            <a:off x="4602510" y="0"/>
+            <a:off x="4663383" y="136525"/>
             <a:ext cx="5211184" cy="1122202"/>
           </a:xfrm>
           <a:prstGeom prst="rect">
@@ -19302,299 +19165,17 @@
             </a:lvl1pPr>
           </a:lstStyle>
           <a:p>
-            <a:pPr marL="0" marR="0" lvl="0" indent="0" algn="l" defTabSz="914400" rtl="0" eaLnBrk="1" fontAlgn="auto" latinLnBrk="0" hangingPunct="1">
-              <a:lnSpc>
-                <a:spcPct val="90000"/>
-              </a:lnSpc>
-              <a:spcBef>
-                <a:spcPct val="0"/>
-              </a:spcBef>
-              <a:spcAft>
-                <a:spcPts val="0"/>
-              </a:spcAft>
-              <a:buClrTx/>
-              <a:buSzTx/>
-              <a:buFontTx/>
-              <a:buNone/>
-              <a:tabLst/>
-              <a:defRPr/>
-            </a:pPr>
-            <a:r>
-              <a:rPr kumimoji="0" lang="de-DE" sz="3200" b="0" i="0" u="none" strike="noStrike" kern="1200" cap="all" spc="150" normalizeH="0" baseline="0" noProof="0" dirty="0">
-                <a:ln>
-                  <a:noFill/>
-                </a:ln>
-                <a:solidFill>
-                  <a:prstClr val="black"/>
-                </a:solidFill>
-                <a:effectLst/>
-                <a:uLnTx/>
-                <a:uFillTx/>
-                <a:latin typeface="Tenorite"/>
-                <a:ea typeface="+mj-ea"/>
-                <a:cs typeface="+mj-cs"/>
-              </a:rPr>
-              <a:t>Funktionsweise von Raid </a:t>
-            </a:r>
-            <a:r>
-              <a:rPr kumimoji="0" lang="de-DE" sz="3200" b="0" i="0" u="none" strike="noStrike" kern="1200" cap="all" spc="150" normalizeH="0" baseline="0" noProof="0" dirty="0" err="1">
-                <a:ln>
-                  <a:noFill/>
-                </a:ln>
-                <a:solidFill>
-                  <a:prstClr val="black"/>
-                </a:solidFill>
-                <a:effectLst/>
-                <a:uLnTx/>
-                <a:uFillTx/>
-                <a:latin typeface="Tenorite"/>
-                <a:ea typeface="+mj-ea"/>
-                <a:cs typeface="+mj-cs"/>
-              </a:rPr>
-              <a:t>systemen</a:t>
-            </a:r>
-            <a:endParaRPr kumimoji="0" lang="de-DE" sz="3200" b="0" i="0" u="none" strike="noStrike" kern="1200" cap="all" spc="150" normalizeH="0" baseline="0" noProof="0" dirty="0">
-              <a:ln>
-                <a:noFill/>
-              </a:ln>
-              <a:solidFill>
-                <a:prstClr val="black"/>
-              </a:solidFill>
-              <a:effectLst/>
-              <a:uLnTx/>
-              <a:uFillTx/>
-              <a:latin typeface="Tenorite"/>
-              <a:ea typeface="+mj-ea"/>
-              <a:cs typeface="+mj-cs"/>
-            </a:endParaRPr>
-          </a:p>
-        </p:txBody>
-      </p:sp>
-      <p:sp>
-        <p:nvSpPr>
-          <p:cNvPr id="2" name="Inhaltsplatzhalter 2">
-            <a:extLst>
-              <a:ext uri="{FF2B5EF4-FFF2-40B4-BE49-F238E27FC236}">
-                <a16:creationId xmlns:a16="http://schemas.microsoft.com/office/drawing/2014/main" id="{B01B59DC-1628-FE13-EF11-819526184801}"/>
-              </a:ext>
-            </a:extLst>
-          </p:cNvPr>
-          <p:cNvSpPr>
-            <a:spLocks noGrp="1"/>
-          </p:cNvSpPr>
-          <p:nvPr>
-            <p:ph type="body" sz="quarter" idx="13"/>
-          </p:nvPr>
-        </p:nvSpPr>
-        <p:spPr>
-          <a:xfrm>
-            <a:off x="4602510" y="1122202"/>
-            <a:ext cx="5433204" cy="5234147"/>
-          </a:xfrm>
-        </p:spPr>
-        <p:txBody>
-          <a:bodyPr vert="horz" lIns="91440" tIns="45720" rIns="91440" bIns="45720" rtlCol="0" anchor="t">
-            <a:normAutofit/>
-          </a:bodyPr>
-          <a:lstStyle/>
-          <a:p>
-            <a:pPr marL="342900" indent="-342900">
-              <a:buFont typeface="Arial" panose="020B0604020202020204" pitchFamily="34" charset="0"/>
-              <a:buChar char="•"/>
-            </a:pPr>
-            <a:r>
-              <a:rPr lang="de-DE" dirty="0" err="1"/>
-              <a:t>Datenstriping</a:t>
-            </a:r>
-            <a:endParaRPr lang="de-DE" dirty="0"/>
-          </a:p>
-          <a:p>
-            <a:pPr marL="342900" indent="-342900">
-              <a:buFont typeface="Arial" panose="020B0604020202020204" pitchFamily="34" charset="0"/>
-              <a:buChar char="•"/>
-            </a:pPr>
-            <a:endParaRPr lang="de-DE" dirty="0"/>
-          </a:p>
-          <a:p>
-            <a:pPr marL="342900" indent="-342900">
-              <a:buFont typeface="Arial" panose="020B0604020202020204" pitchFamily="34" charset="0"/>
-              <a:buChar char="•"/>
-            </a:pPr>
-            <a:endParaRPr lang="de-DE" dirty="0"/>
-          </a:p>
-          <a:p>
-            <a:pPr marL="342900" indent="-342900">
-              <a:buFont typeface="Arial" panose="020B0604020202020204" pitchFamily="34" charset="0"/>
-              <a:buChar char="•"/>
-            </a:pPr>
-            <a:endParaRPr lang="de-DE" dirty="0"/>
-          </a:p>
-          <a:p>
-            <a:pPr marL="342900" indent="-342900">
-              <a:buFont typeface="Arial" panose="020B0604020202020204" pitchFamily="34" charset="0"/>
-              <a:buChar char="•"/>
-            </a:pPr>
-            <a:endParaRPr lang="de-DE" dirty="0"/>
-          </a:p>
-          <a:p>
-            <a:pPr marL="342900" indent="-342900">
-              <a:buFont typeface="Arial" panose="020B0604020202020204" pitchFamily="34" charset="0"/>
-              <a:buChar char="•"/>
-            </a:pPr>
-            <a:r>
-              <a:rPr lang="de-DE" dirty="0"/>
-              <a:t>Spiegelung (</a:t>
-            </a:r>
-            <a:r>
-              <a:rPr lang="de-DE" dirty="0" err="1"/>
-              <a:t>Mirroring</a:t>
-            </a:r>
-            <a:r>
-              <a:rPr lang="de-DE" dirty="0"/>
-              <a:t>)</a:t>
-            </a:r>
-          </a:p>
-          <a:p>
-            <a:pPr marL="342900" indent="-342900">
-              <a:buFont typeface="Arial" panose="020B0604020202020204" pitchFamily="34" charset="0"/>
-              <a:buChar char="•"/>
-            </a:pPr>
-            <a:endParaRPr lang="de-DE" dirty="0"/>
-          </a:p>
-          <a:p>
-            <a:pPr marL="342900" indent="-342900">
-              <a:buFont typeface="Arial" panose="020B0604020202020204" pitchFamily="34" charset="0"/>
-              <a:buChar char="•"/>
-            </a:pPr>
-            <a:endParaRPr lang="de-DE" dirty="0"/>
-          </a:p>
-          <a:p>
-            <a:pPr marL="342900" indent="-342900">
-              <a:buFont typeface="Arial" panose="020B0604020202020204" pitchFamily="34" charset="0"/>
-              <a:buChar char="•"/>
-            </a:pPr>
-            <a:endParaRPr lang="de-DE" dirty="0"/>
-          </a:p>
-          <a:p>
-            <a:pPr marL="342900" indent="-342900">
-              <a:buFont typeface="Arial" panose="020B0604020202020204" pitchFamily="34" charset="0"/>
-              <a:buChar char="•"/>
-            </a:pPr>
-            <a:endParaRPr lang="de-DE" dirty="0"/>
-          </a:p>
-          <a:p>
-            <a:pPr marL="342900" indent="-342900">
-              <a:buFont typeface="Arial" panose="020B0604020202020204" pitchFamily="34" charset="0"/>
-              <a:buChar char="•"/>
-            </a:pPr>
-            <a:r>
-              <a:rPr lang="de-DE" dirty="0"/>
-              <a:t>Paritätsprüfung</a:t>
-            </a:r>
-          </a:p>
-          <a:p>
-            <a:pPr marL="342900" indent="-342900" rtl="0">
-              <a:buFont typeface="Arial" panose="020B0604020202020204" pitchFamily="34" charset="0"/>
-              <a:buChar char="•"/>
-            </a:pPr>
-            <a:endParaRPr lang="de-DE" dirty="0"/>
-          </a:p>
-        </p:txBody>
-      </p:sp>
-      <p:pic>
-        <p:nvPicPr>
-          <p:cNvPr id="7" name="Grafik 6">
-            <a:extLst>
-              <a:ext uri="{FF2B5EF4-FFF2-40B4-BE49-F238E27FC236}">
-                <a16:creationId xmlns:a16="http://schemas.microsoft.com/office/drawing/2014/main" id="{01C12E28-A6FB-4432-83D4-5EA67A587554}"/>
-              </a:ext>
-            </a:extLst>
-          </p:cNvPr>
-          <p:cNvPicPr>
-            <a:picLocks noChangeAspect="1"/>
-          </p:cNvPicPr>
-          <p:nvPr/>
-        </p:nvPicPr>
-        <p:blipFill>
-          <a:blip r:embed="rId3"/>
-          <a:stretch>
-            <a:fillRect/>
-          </a:stretch>
-        </p:blipFill>
-        <p:spPr>
-          <a:xfrm>
-            <a:off x="9281652" y="249460"/>
-            <a:ext cx="1425826" cy="2193990"/>
-          </a:xfrm>
-          <a:prstGeom prst="rect">
-            <a:avLst/>
-          </a:prstGeom>
-        </p:spPr>
-      </p:pic>
-      <p:pic>
-        <p:nvPicPr>
-          <p:cNvPr id="9" name="Grafik 8">
-            <a:extLst>
-              <a:ext uri="{FF2B5EF4-FFF2-40B4-BE49-F238E27FC236}">
-                <a16:creationId xmlns:a16="http://schemas.microsoft.com/office/drawing/2014/main" id="{905FE939-6FFA-41B3-85D6-4A4F4BD2D241}"/>
-              </a:ext>
-            </a:extLst>
-          </p:cNvPr>
-          <p:cNvPicPr>
-            <a:picLocks noChangeAspect="1"/>
-          </p:cNvPicPr>
-          <p:nvPr/>
-        </p:nvPicPr>
-        <p:blipFill>
-          <a:blip r:embed="rId4"/>
-          <a:stretch>
-            <a:fillRect/>
-          </a:stretch>
-        </p:blipFill>
-        <p:spPr>
-          <a:xfrm>
-            <a:off x="9281652" y="2325361"/>
-            <a:ext cx="1425826" cy="2193990"/>
-          </a:xfrm>
-          <a:prstGeom prst="rect">
-            <a:avLst/>
-          </a:prstGeom>
-        </p:spPr>
-      </p:pic>
-      <p:pic>
-        <p:nvPicPr>
-          <p:cNvPr id="11" name="Grafik 10">
-            <a:extLst>
-              <a:ext uri="{FF2B5EF4-FFF2-40B4-BE49-F238E27FC236}">
-                <a16:creationId xmlns:a16="http://schemas.microsoft.com/office/drawing/2014/main" id="{D263E0A9-A34B-4CA1-BA23-B261DAC2706E}"/>
-              </a:ext>
-            </a:extLst>
-          </p:cNvPr>
-          <p:cNvPicPr>
-            <a:picLocks noChangeAspect="1"/>
-          </p:cNvPicPr>
-          <p:nvPr/>
-        </p:nvPicPr>
-        <p:blipFill>
-          <a:blip r:embed="rId5"/>
-          <a:stretch>
-            <a:fillRect/>
-          </a:stretch>
-        </p:blipFill>
-        <p:spPr>
-          <a:xfrm>
-            <a:off x="8731045" y="4414550"/>
-            <a:ext cx="2621839" cy="1941799"/>
-          </a:xfrm>
-          <a:prstGeom prst="rect">
-            <a:avLst/>
-          </a:prstGeom>
-        </p:spPr>
-      </p:pic>
+            <a:r>
+              <a:rPr lang="de-DE" sz="3200" dirty="0"/>
+              <a:t>Agenda</a:t>
+            </a:r>
+          </a:p>
+        </p:txBody>
+      </p:sp>
     </p:spTree>
     <p:extLst>
       <p:ext uri="{BB962C8B-B14F-4D97-AF65-F5344CB8AC3E}">
-        <p14:creationId xmlns:p14="http://schemas.microsoft.com/office/powerpoint/2010/main" val="3476333381"/>
+        <p14:creationId xmlns:p14="http://schemas.microsoft.com/office/powerpoint/2010/main" val="3360792630"/>
       </p:ext>
     </p:extLst>
   </p:cSld>
@@ -19623,330 +19204,6 @@
       </p:grpSpPr>
       <p:sp>
         <p:nvSpPr>
-          <p:cNvPr id="3" name="Inhaltsplatzhalter 2">
-            <a:extLst>
-              <a:ext uri="{FF2B5EF4-FFF2-40B4-BE49-F238E27FC236}">
-                <a16:creationId xmlns:a16="http://schemas.microsoft.com/office/drawing/2014/main" id="{D4A2EB3F-4D60-451F-8F45-7D6654D2FCD9}"/>
-              </a:ext>
-            </a:extLst>
-          </p:cNvPr>
-          <p:cNvSpPr>
-            <a:spLocks noGrp="1"/>
-          </p:cNvSpPr>
-          <p:nvPr>
-            <p:ph type="body" sz="quarter" idx="13"/>
-          </p:nvPr>
-        </p:nvSpPr>
-        <p:spPr>
-          <a:xfrm>
-            <a:off x="4675182" y="1610641"/>
-            <a:ext cx="5433204" cy="4239553"/>
-          </a:xfrm>
-        </p:spPr>
-        <p:txBody>
-          <a:bodyPr vert="horz" lIns="91440" tIns="45720" rIns="91440" bIns="45720" rtlCol="0" anchor="t">
-            <a:normAutofit/>
-          </a:bodyPr>
-          <a:lstStyle/>
-          <a:p>
-            <a:r>
-              <a:rPr lang="de-DE" i="0" dirty="0">
-                <a:effectLst/>
-              </a:rPr>
-              <a:t>Einleitung und Grundlagen von RAID</a:t>
-            </a:r>
-          </a:p>
-          <a:p>
-            <a:pPr rtl="0"/>
-            <a:endParaRPr lang="de-DE" dirty="0"/>
-          </a:p>
-          <a:p>
-            <a:pPr rtl="0"/>
-            <a:r>
-              <a:rPr lang="de-DE" dirty="0"/>
-              <a:t>RAID – Level</a:t>
-            </a:r>
-          </a:p>
-          <a:p>
-            <a:pPr rtl="0"/>
-            <a:endParaRPr lang="de-DE" dirty="0"/>
-          </a:p>
-          <a:p>
-            <a:pPr rtl="0"/>
-            <a:r>
-              <a:rPr lang="de-DE" dirty="0"/>
-              <a:t>Funktionsweise von RAID Systemen</a:t>
-            </a:r>
-          </a:p>
-          <a:p>
-            <a:pPr rtl="0"/>
-            <a:endParaRPr lang="de-DE" dirty="0"/>
-          </a:p>
-          <a:p>
-            <a:pPr rtl="0"/>
-            <a:r>
-              <a:rPr lang="de-DE" dirty="0"/>
-              <a:t>Hardware </a:t>
-            </a:r>
-            <a:r>
-              <a:rPr lang="de-DE" dirty="0" err="1"/>
-              <a:t>vs</a:t>
-            </a:r>
-            <a:r>
-              <a:rPr lang="de-DE" dirty="0"/>
-              <a:t> Software RAID</a:t>
-            </a:r>
-          </a:p>
-          <a:p>
-            <a:pPr rtl="0"/>
-            <a:endParaRPr lang="de-DE" dirty="0"/>
-          </a:p>
-          <a:p>
-            <a:pPr rtl="0"/>
-            <a:r>
-              <a:rPr lang="de-DE" dirty="0"/>
-              <a:t>Einfluss von RAID auf Systemleistung und Datensicherheit</a:t>
-            </a:r>
-          </a:p>
-        </p:txBody>
-      </p:sp>
-      <p:sp>
-        <p:nvSpPr>
-          <p:cNvPr id="20" name="Datumsplatzhalter 19">
-            <a:extLst>
-              <a:ext uri="{FF2B5EF4-FFF2-40B4-BE49-F238E27FC236}">
-                <a16:creationId xmlns:a16="http://schemas.microsoft.com/office/drawing/2014/main" id="{A74D661B-510C-4CF2-BF77-3EAFB649883D}"/>
-              </a:ext>
-            </a:extLst>
-          </p:cNvPr>
-          <p:cNvSpPr>
-            <a:spLocks noGrp="1"/>
-          </p:cNvSpPr>
-          <p:nvPr>
-            <p:ph type="dt" sz="half" idx="20"/>
-          </p:nvPr>
-        </p:nvSpPr>
-        <p:spPr>
-          <a:xfrm>
-            <a:off x="5919680" y="6356350"/>
-            <a:ext cx="947516" cy="365125"/>
-          </a:xfrm>
-        </p:spPr>
-        <p:txBody>
-          <a:bodyPr rtlCol="0"/>
-          <a:lstStyle/>
-          <a:p>
-            <a:pPr rtl="0"/>
-            <a:r>
-              <a:rPr lang="de-DE" dirty="0"/>
-              <a:t>2023</a:t>
-            </a:r>
-          </a:p>
-        </p:txBody>
-      </p:sp>
-      <p:sp>
-        <p:nvSpPr>
-          <p:cNvPr id="21" name="Fußzeilenplatzhalter 20">
-            <a:extLst>
-              <a:ext uri="{FF2B5EF4-FFF2-40B4-BE49-F238E27FC236}">
-                <a16:creationId xmlns:a16="http://schemas.microsoft.com/office/drawing/2014/main" id="{7E44CAC0-3B5A-49F6-A2CB-0BC80D111A87}"/>
-              </a:ext>
-            </a:extLst>
-          </p:cNvPr>
-          <p:cNvSpPr>
-            <a:spLocks noGrp="1"/>
-          </p:cNvSpPr>
-          <p:nvPr>
-            <p:ph type="ftr" sz="quarter" idx="21"/>
-          </p:nvPr>
-        </p:nvSpPr>
-        <p:spPr>
-          <a:xfrm>
-            <a:off x="7161955" y="6356350"/>
-            <a:ext cx="3243942" cy="365125"/>
-          </a:xfrm>
-        </p:spPr>
-        <p:txBody>
-          <a:bodyPr rtlCol="0"/>
-          <a:lstStyle/>
-          <a:p>
-            <a:pPr rtl="0"/>
-            <a:r>
-              <a:rPr lang="de-DE" dirty="0"/>
-              <a:t>RAID</a:t>
-            </a:r>
-          </a:p>
-        </p:txBody>
-      </p:sp>
-      <p:sp>
-        <p:nvSpPr>
-          <p:cNvPr id="22" name="Foliennummernplatzhalter 21">
-            <a:extLst>
-              <a:ext uri="{FF2B5EF4-FFF2-40B4-BE49-F238E27FC236}">
-                <a16:creationId xmlns:a16="http://schemas.microsoft.com/office/drawing/2014/main" id="{5D1BD041-3428-4D62-934F-F3FF6D36F90F}"/>
-              </a:ext>
-            </a:extLst>
-          </p:cNvPr>
-          <p:cNvSpPr>
-            <a:spLocks noGrp="1"/>
-          </p:cNvSpPr>
-          <p:nvPr>
-            <p:ph type="sldNum" sz="quarter" idx="22"/>
-          </p:nvPr>
-        </p:nvSpPr>
-        <p:spPr>
-          <a:xfrm>
-            <a:off x="10700656" y="6356350"/>
-            <a:ext cx="653143" cy="365125"/>
-          </a:xfrm>
-        </p:spPr>
-        <p:txBody>
-          <a:bodyPr rtlCol="0"/>
-          <a:lstStyle/>
-          <a:p>
-            <a:pPr rtl="0"/>
-            <a:r>
-              <a:rPr lang="de-DE" dirty="0"/>
-              <a:t>13/19</a:t>
-            </a:r>
-          </a:p>
-        </p:txBody>
-      </p:sp>
-      <p:sp>
-        <p:nvSpPr>
-          <p:cNvPr id="2" name="Pfeil: nach rechts 1">
-            <a:extLst>
-              <a:ext uri="{FF2B5EF4-FFF2-40B4-BE49-F238E27FC236}">
-                <a16:creationId xmlns:a16="http://schemas.microsoft.com/office/drawing/2014/main" id="{797947D7-087B-402B-9CC1-96B23314C48A}"/>
-              </a:ext>
-            </a:extLst>
-          </p:cNvPr>
-          <p:cNvSpPr/>
-          <p:nvPr/>
-        </p:nvSpPr>
-        <p:spPr>
-          <a:xfrm>
-            <a:off x="4043025" y="4029376"/>
-            <a:ext cx="632157" cy="330139"/>
-          </a:xfrm>
-          <a:prstGeom prst="rightArrow">
-            <a:avLst/>
-          </a:prstGeom>
-          <a:solidFill>
-            <a:schemeClr val="accent2"/>
-          </a:solidFill>
-        </p:spPr>
-        <p:style>
-          <a:lnRef idx="2">
-            <a:schemeClr val="accent1">
-              <a:shade val="50000"/>
-            </a:schemeClr>
-          </a:lnRef>
-          <a:fillRef idx="1">
-            <a:schemeClr val="accent1"/>
-          </a:fillRef>
-          <a:effectRef idx="0">
-            <a:schemeClr val="accent1"/>
-          </a:effectRef>
-          <a:fontRef idx="minor">
-            <a:schemeClr val="lt1"/>
-          </a:fontRef>
-        </p:style>
-        <p:txBody>
-          <a:bodyPr rtlCol="0" anchor="ctr"/>
-          <a:lstStyle/>
-          <a:p>
-            <a:pPr algn="ctr"/>
-            <a:endParaRPr lang="de-DE"/>
-          </a:p>
-        </p:txBody>
-      </p:sp>
-      <p:sp>
-        <p:nvSpPr>
-          <p:cNvPr id="11" name="Titel 1">
-            <a:extLst>
-              <a:ext uri="{FF2B5EF4-FFF2-40B4-BE49-F238E27FC236}">
-                <a16:creationId xmlns:a16="http://schemas.microsoft.com/office/drawing/2014/main" id="{BCBBE72B-1CD7-4827-95DC-F77D27D4663C}"/>
-              </a:ext>
-            </a:extLst>
-          </p:cNvPr>
-          <p:cNvSpPr txBox="1">
-            <a:spLocks/>
-          </p:cNvSpPr>
-          <p:nvPr/>
-        </p:nvSpPr>
-        <p:spPr>
-          <a:xfrm>
-            <a:off x="4663383" y="136525"/>
-            <a:ext cx="5211184" cy="1122202"/>
-          </a:xfrm>
-          <a:prstGeom prst="rect">
-            <a:avLst/>
-          </a:prstGeom>
-        </p:spPr>
-        <p:txBody>
-          <a:bodyPr vert="horz" lIns="91440" tIns="45720" rIns="91440" bIns="45720" rtlCol="0" anchor="b">
-            <a:normAutofit/>
-          </a:bodyPr>
-          <a:lstStyle>
-            <a:lvl1pPr algn="l" defTabSz="914400" rtl="0" eaLnBrk="1" latinLnBrk="0" hangingPunct="1">
-              <a:lnSpc>
-                <a:spcPct val="90000"/>
-              </a:lnSpc>
-              <a:spcBef>
-                <a:spcPct val="0"/>
-              </a:spcBef>
-              <a:buNone/>
-              <a:defRPr lang="en-US" sz="2800" kern="1200" cap="all" spc="150" baseline="0" dirty="0">
-                <a:solidFill>
-                  <a:schemeClr val="tx1"/>
-                </a:solidFill>
-                <a:latin typeface="+mj-lt"/>
-                <a:ea typeface="+mj-ea"/>
-                <a:cs typeface="+mj-cs"/>
-              </a:defRPr>
-            </a:lvl1pPr>
-          </a:lstStyle>
-          <a:p>
-            <a:r>
-              <a:rPr lang="de-DE" sz="3200" dirty="0"/>
-              <a:t>Agenda</a:t>
-            </a:r>
-          </a:p>
-        </p:txBody>
-      </p:sp>
-    </p:spTree>
-    <p:extLst>
-      <p:ext uri="{BB962C8B-B14F-4D97-AF65-F5344CB8AC3E}">
-        <p14:creationId xmlns:p14="http://schemas.microsoft.com/office/powerpoint/2010/main" val="3360792630"/>
-      </p:ext>
-    </p:extLst>
-  </p:cSld>
-  <p:clrMapOvr>
-    <a:masterClrMapping/>
-  </p:clrMapOvr>
-</p:sld>
-</file>
-
-<file path=ppt/slides/slide15.xml><?xml version="1.0" encoding="utf-8"?>
-<p:sld xmlns:a="http://schemas.openxmlformats.org/drawingml/2006/main" xmlns:r="http://schemas.openxmlformats.org/officeDocument/2006/relationships" xmlns:p="http://schemas.openxmlformats.org/presentationml/2006/main">
-  <p:cSld>
-    <p:spTree>
-      <p:nvGrpSpPr>
-        <p:cNvPr id="1" name=""/>
-        <p:cNvGrpSpPr/>
-        <p:nvPr/>
-      </p:nvGrpSpPr>
-      <p:grpSpPr>
-        <a:xfrm>
-          <a:off x="0" y="0"/>
-          <a:ext cx="0" cy="0"/>
-          <a:chOff x="0" y="0"/>
-          <a:chExt cx="0" cy="0"/>
-        </a:xfrm>
-      </p:grpSpPr>
-      <p:sp>
-        <p:nvSpPr>
           <p:cNvPr id="20" name="Datumsplatzhalter 19">
             <a:extLst>
               <a:ext uri="{FF2B5EF4-FFF2-40B4-BE49-F238E27FC236}">
@@ -20135,11 +19392,11 @@
                 <a:ea typeface="+mn-ea"/>
                 <a:cs typeface="+mn-cs"/>
               </a:rPr>
-              <a:t>14</a:t>
+              <a:t>13</a:t>
             </a:r>
             <a:r>
               <a:rPr lang="de-DE" dirty="0"/>
-              <a:t>/19</a:t>
+              <a:t>/18</a:t>
             </a:r>
             <a:endParaRPr kumimoji="0" lang="de-DE" sz="900" b="0" i="0" u="none" strike="noStrike" kern="1200" cap="none" spc="0" normalizeH="0" baseline="0" noProof="0" dirty="0">
               <a:ln>
@@ -20539,6 +19796,330 @@
 </p:sld>
 </file>
 
+<file path=ppt/slides/slide15.xml><?xml version="1.0" encoding="utf-8"?>
+<p:sld xmlns:a="http://schemas.openxmlformats.org/drawingml/2006/main" xmlns:r="http://schemas.openxmlformats.org/officeDocument/2006/relationships" xmlns:p="http://schemas.openxmlformats.org/presentationml/2006/main">
+  <p:cSld>
+    <p:spTree>
+      <p:nvGrpSpPr>
+        <p:cNvPr id="1" name=""/>
+        <p:cNvGrpSpPr/>
+        <p:nvPr/>
+      </p:nvGrpSpPr>
+      <p:grpSpPr>
+        <a:xfrm>
+          <a:off x="0" y="0"/>
+          <a:ext cx="0" cy="0"/>
+          <a:chOff x="0" y="0"/>
+          <a:chExt cx="0" cy="0"/>
+        </a:xfrm>
+      </p:grpSpPr>
+      <p:sp>
+        <p:nvSpPr>
+          <p:cNvPr id="3" name="Inhaltsplatzhalter 2">
+            <a:extLst>
+              <a:ext uri="{FF2B5EF4-FFF2-40B4-BE49-F238E27FC236}">
+                <a16:creationId xmlns:a16="http://schemas.microsoft.com/office/drawing/2014/main" id="{D4A2EB3F-4D60-451F-8F45-7D6654D2FCD9}"/>
+              </a:ext>
+            </a:extLst>
+          </p:cNvPr>
+          <p:cNvSpPr>
+            <a:spLocks noGrp="1"/>
+          </p:cNvSpPr>
+          <p:nvPr>
+            <p:ph type="body" sz="quarter" idx="13"/>
+          </p:nvPr>
+        </p:nvSpPr>
+        <p:spPr>
+          <a:xfrm>
+            <a:off x="4675182" y="1610641"/>
+            <a:ext cx="5433204" cy="4239553"/>
+          </a:xfrm>
+        </p:spPr>
+        <p:txBody>
+          <a:bodyPr vert="horz" lIns="91440" tIns="45720" rIns="91440" bIns="45720" rtlCol="0" anchor="t">
+            <a:normAutofit/>
+          </a:bodyPr>
+          <a:lstStyle/>
+          <a:p>
+            <a:r>
+              <a:rPr lang="de-DE" i="0" dirty="0">
+                <a:effectLst/>
+              </a:rPr>
+              <a:t>Einleitung und Grundlagen von RAID</a:t>
+            </a:r>
+          </a:p>
+          <a:p>
+            <a:pPr rtl="0"/>
+            <a:endParaRPr lang="de-DE" dirty="0"/>
+          </a:p>
+          <a:p>
+            <a:pPr rtl="0"/>
+            <a:r>
+              <a:rPr lang="de-DE" dirty="0"/>
+              <a:t>Funktionsweise von RAID Systemen</a:t>
+            </a:r>
+          </a:p>
+          <a:p>
+            <a:pPr rtl="0"/>
+            <a:endParaRPr lang="de-DE" dirty="0"/>
+          </a:p>
+          <a:p>
+            <a:pPr rtl="0"/>
+            <a:r>
+              <a:rPr lang="de-DE" dirty="0"/>
+              <a:t>RAID – Level</a:t>
+            </a:r>
+          </a:p>
+          <a:p>
+            <a:pPr rtl="0"/>
+            <a:endParaRPr lang="de-DE" dirty="0"/>
+          </a:p>
+          <a:p>
+            <a:pPr rtl="0"/>
+            <a:r>
+              <a:rPr lang="de-DE" dirty="0"/>
+              <a:t>Hardware </a:t>
+            </a:r>
+            <a:r>
+              <a:rPr lang="de-DE" dirty="0" err="1"/>
+              <a:t>vs</a:t>
+            </a:r>
+            <a:r>
+              <a:rPr lang="de-DE" dirty="0"/>
+              <a:t> Software RAID</a:t>
+            </a:r>
+          </a:p>
+          <a:p>
+            <a:pPr rtl="0"/>
+            <a:endParaRPr lang="de-DE" dirty="0"/>
+          </a:p>
+          <a:p>
+            <a:pPr rtl="0"/>
+            <a:r>
+              <a:rPr lang="de-DE" dirty="0"/>
+              <a:t>Einfluss von RAID auf Systemleistung und Datensicherheit</a:t>
+            </a:r>
+          </a:p>
+        </p:txBody>
+      </p:sp>
+      <p:sp>
+        <p:nvSpPr>
+          <p:cNvPr id="20" name="Datumsplatzhalter 19">
+            <a:extLst>
+              <a:ext uri="{FF2B5EF4-FFF2-40B4-BE49-F238E27FC236}">
+                <a16:creationId xmlns:a16="http://schemas.microsoft.com/office/drawing/2014/main" id="{A74D661B-510C-4CF2-BF77-3EAFB649883D}"/>
+              </a:ext>
+            </a:extLst>
+          </p:cNvPr>
+          <p:cNvSpPr>
+            <a:spLocks noGrp="1"/>
+          </p:cNvSpPr>
+          <p:nvPr>
+            <p:ph type="dt" sz="half" idx="20"/>
+          </p:nvPr>
+        </p:nvSpPr>
+        <p:spPr>
+          <a:xfrm>
+            <a:off x="5919680" y="6356350"/>
+            <a:ext cx="947516" cy="365125"/>
+          </a:xfrm>
+        </p:spPr>
+        <p:txBody>
+          <a:bodyPr rtlCol="0"/>
+          <a:lstStyle/>
+          <a:p>
+            <a:pPr rtl="0"/>
+            <a:r>
+              <a:rPr lang="de-DE" dirty="0"/>
+              <a:t>2023</a:t>
+            </a:r>
+          </a:p>
+        </p:txBody>
+      </p:sp>
+      <p:sp>
+        <p:nvSpPr>
+          <p:cNvPr id="21" name="Fußzeilenplatzhalter 20">
+            <a:extLst>
+              <a:ext uri="{FF2B5EF4-FFF2-40B4-BE49-F238E27FC236}">
+                <a16:creationId xmlns:a16="http://schemas.microsoft.com/office/drawing/2014/main" id="{7E44CAC0-3B5A-49F6-A2CB-0BC80D111A87}"/>
+              </a:ext>
+            </a:extLst>
+          </p:cNvPr>
+          <p:cNvSpPr>
+            <a:spLocks noGrp="1"/>
+          </p:cNvSpPr>
+          <p:nvPr>
+            <p:ph type="ftr" sz="quarter" idx="21"/>
+          </p:nvPr>
+        </p:nvSpPr>
+        <p:spPr>
+          <a:xfrm>
+            <a:off x="7161955" y="6356350"/>
+            <a:ext cx="3243942" cy="365125"/>
+          </a:xfrm>
+        </p:spPr>
+        <p:txBody>
+          <a:bodyPr rtlCol="0"/>
+          <a:lstStyle/>
+          <a:p>
+            <a:pPr rtl="0"/>
+            <a:r>
+              <a:rPr lang="de-DE" dirty="0"/>
+              <a:t>RAID</a:t>
+            </a:r>
+          </a:p>
+        </p:txBody>
+      </p:sp>
+      <p:sp>
+        <p:nvSpPr>
+          <p:cNvPr id="22" name="Foliennummernplatzhalter 21">
+            <a:extLst>
+              <a:ext uri="{FF2B5EF4-FFF2-40B4-BE49-F238E27FC236}">
+                <a16:creationId xmlns:a16="http://schemas.microsoft.com/office/drawing/2014/main" id="{5D1BD041-3428-4D62-934F-F3FF6D36F90F}"/>
+              </a:ext>
+            </a:extLst>
+          </p:cNvPr>
+          <p:cNvSpPr>
+            <a:spLocks noGrp="1"/>
+          </p:cNvSpPr>
+          <p:nvPr>
+            <p:ph type="sldNum" sz="quarter" idx="22"/>
+          </p:nvPr>
+        </p:nvSpPr>
+        <p:spPr>
+          <a:xfrm>
+            <a:off x="10700656" y="6356350"/>
+            <a:ext cx="653143" cy="365125"/>
+          </a:xfrm>
+        </p:spPr>
+        <p:txBody>
+          <a:bodyPr rtlCol="0"/>
+          <a:lstStyle/>
+          <a:p>
+            <a:pPr rtl="0"/>
+            <a:r>
+              <a:rPr lang="de-DE" dirty="0"/>
+              <a:t>14/18</a:t>
+            </a:r>
+          </a:p>
+        </p:txBody>
+      </p:sp>
+      <p:sp>
+        <p:nvSpPr>
+          <p:cNvPr id="2" name="Pfeil: nach rechts 1">
+            <a:extLst>
+              <a:ext uri="{FF2B5EF4-FFF2-40B4-BE49-F238E27FC236}">
+                <a16:creationId xmlns:a16="http://schemas.microsoft.com/office/drawing/2014/main" id="{797947D7-087B-402B-9CC1-96B23314C48A}"/>
+              </a:ext>
+            </a:extLst>
+          </p:cNvPr>
+          <p:cNvSpPr/>
+          <p:nvPr/>
+        </p:nvSpPr>
+        <p:spPr>
+          <a:xfrm>
+            <a:off x="4031226" y="4825789"/>
+            <a:ext cx="632157" cy="330139"/>
+          </a:xfrm>
+          <a:prstGeom prst="rightArrow">
+            <a:avLst/>
+          </a:prstGeom>
+          <a:solidFill>
+            <a:schemeClr val="accent2"/>
+          </a:solidFill>
+        </p:spPr>
+        <p:style>
+          <a:lnRef idx="2">
+            <a:schemeClr val="accent1">
+              <a:shade val="50000"/>
+            </a:schemeClr>
+          </a:lnRef>
+          <a:fillRef idx="1">
+            <a:schemeClr val="accent1"/>
+          </a:fillRef>
+          <a:effectRef idx="0">
+            <a:schemeClr val="accent1"/>
+          </a:effectRef>
+          <a:fontRef idx="minor">
+            <a:schemeClr val="lt1"/>
+          </a:fontRef>
+        </p:style>
+        <p:txBody>
+          <a:bodyPr rtlCol="0" anchor="ctr"/>
+          <a:lstStyle/>
+          <a:p>
+            <a:pPr algn="ctr"/>
+            <a:endParaRPr lang="de-DE"/>
+          </a:p>
+        </p:txBody>
+      </p:sp>
+      <p:sp>
+        <p:nvSpPr>
+          <p:cNvPr id="11" name="Titel 1">
+            <a:extLst>
+              <a:ext uri="{FF2B5EF4-FFF2-40B4-BE49-F238E27FC236}">
+                <a16:creationId xmlns:a16="http://schemas.microsoft.com/office/drawing/2014/main" id="{BCBBE72B-1CD7-4827-95DC-F77D27D4663C}"/>
+              </a:ext>
+            </a:extLst>
+          </p:cNvPr>
+          <p:cNvSpPr txBox="1">
+            <a:spLocks/>
+          </p:cNvSpPr>
+          <p:nvPr/>
+        </p:nvSpPr>
+        <p:spPr>
+          <a:xfrm>
+            <a:off x="4663383" y="136525"/>
+            <a:ext cx="5211184" cy="1122202"/>
+          </a:xfrm>
+          <a:prstGeom prst="rect">
+            <a:avLst/>
+          </a:prstGeom>
+        </p:spPr>
+        <p:txBody>
+          <a:bodyPr vert="horz" lIns="91440" tIns="45720" rIns="91440" bIns="45720" rtlCol="0" anchor="b">
+            <a:normAutofit/>
+          </a:bodyPr>
+          <a:lstStyle>
+            <a:lvl1pPr algn="l" defTabSz="914400" rtl="0" eaLnBrk="1" latinLnBrk="0" hangingPunct="1">
+              <a:lnSpc>
+                <a:spcPct val="90000"/>
+              </a:lnSpc>
+              <a:spcBef>
+                <a:spcPct val="0"/>
+              </a:spcBef>
+              <a:buNone/>
+              <a:defRPr lang="en-US" sz="2800" kern="1200" cap="all" spc="150" baseline="0" dirty="0">
+                <a:solidFill>
+                  <a:schemeClr val="tx1"/>
+                </a:solidFill>
+                <a:latin typeface="+mj-lt"/>
+                <a:ea typeface="+mj-ea"/>
+                <a:cs typeface="+mj-cs"/>
+              </a:defRPr>
+            </a:lvl1pPr>
+          </a:lstStyle>
+          <a:p>
+            <a:r>
+              <a:rPr lang="de-DE" sz="3200" dirty="0"/>
+              <a:t>Agenda</a:t>
+            </a:r>
+          </a:p>
+        </p:txBody>
+      </p:sp>
+    </p:spTree>
+    <p:extLst>
+      <p:ext uri="{BB962C8B-B14F-4D97-AF65-F5344CB8AC3E}">
+        <p14:creationId xmlns:p14="http://schemas.microsoft.com/office/powerpoint/2010/main" val="1585678460"/>
+      </p:ext>
+    </p:extLst>
+  </p:cSld>
+  <p:clrMapOvr>
+    <a:masterClrMapping/>
+  </p:clrMapOvr>
+</p:sld>
+</file>
+
 <file path=ppt/slides/slide16.xml><?xml version="1.0" encoding="utf-8"?>
 <p:sld xmlns:a="http://schemas.openxmlformats.org/drawingml/2006/main" xmlns:r="http://schemas.openxmlformats.org/officeDocument/2006/relationships" xmlns:p="http://schemas.openxmlformats.org/presentationml/2006/main">
   <p:cSld>
@@ -20558,95 +20139,6 @@
       </p:grpSpPr>
       <p:sp>
         <p:nvSpPr>
-          <p:cNvPr id="3" name="Inhaltsplatzhalter 2">
-            <a:extLst>
-              <a:ext uri="{FF2B5EF4-FFF2-40B4-BE49-F238E27FC236}">
-                <a16:creationId xmlns:a16="http://schemas.microsoft.com/office/drawing/2014/main" id="{D4A2EB3F-4D60-451F-8F45-7D6654D2FCD9}"/>
-              </a:ext>
-            </a:extLst>
-          </p:cNvPr>
-          <p:cNvSpPr>
-            <a:spLocks noGrp="1"/>
-          </p:cNvSpPr>
-          <p:nvPr>
-            <p:ph type="body" sz="quarter" idx="13"/>
-          </p:nvPr>
-        </p:nvSpPr>
-        <p:spPr>
-          <a:xfrm>
-            <a:off x="4675182" y="1610641"/>
-            <a:ext cx="5433204" cy="4239553"/>
-          </a:xfrm>
-        </p:spPr>
-        <p:txBody>
-          <a:bodyPr vert="horz" lIns="91440" tIns="45720" rIns="91440" bIns="45720" rtlCol="0" anchor="t">
-            <a:normAutofit/>
-          </a:bodyPr>
-          <a:lstStyle/>
-          <a:p>
-            <a:r>
-              <a:rPr lang="de-DE" i="0" dirty="0">
-                <a:effectLst/>
-              </a:rPr>
-              <a:t>Einleitung und Grundlagen von RAID</a:t>
-            </a:r>
-          </a:p>
-          <a:p>
-            <a:pPr rtl="0"/>
-            <a:endParaRPr lang="de-DE" dirty="0"/>
-          </a:p>
-          <a:p>
-            <a:pPr rtl="0"/>
-            <a:r>
-              <a:rPr lang="de-DE" dirty="0"/>
-              <a:t>RAID – Level</a:t>
-            </a:r>
-          </a:p>
-          <a:p>
-            <a:pPr rtl="0"/>
-            <a:endParaRPr lang="de-DE" dirty="0"/>
-          </a:p>
-          <a:p>
-            <a:pPr rtl="0"/>
-            <a:r>
-              <a:rPr lang="de-DE" dirty="0"/>
-              <a:t>Funktionsweise von RAID Systemen</a:t>
-            </a:r>
-          </a:p>
-          <a:p>
-            <a:pPr rtl="0"/>
-            <a:endParaRPr lang="de-DE" dirty="0"/>
-          </a:p>
-          <a:p>
-            <a:pPr rtl="0"/>
-            <a:r>
-              <a:rPr lang="de-DE" dirty="0"/>
-              <a:t>Hardware </a:t>
-            </a:r>
-            <a:r>
-              <a:rPr lang="de-DE" dirty="0" err="1"/>
-              <a:t>vs</a:t>
-            </a:r>
-            <a:r>
-              <a:rPr lang="de-DE" dirty="0"/>
-              <a:t> Software RAID</a:t>
-            </a:r>
-          </a:p>
-          <a:p>
-            <a:pPr rtl="0"/>
-            <a:endParaRPr lang="de-DE" dirty="0"/>
-          </a:p>
-          <a:p>
-            <a:pPr rtl="0"/>
-            <a:r>
-              <a:rPr lang="de-DE" dirty="0"/>
-              <a:t>Einfluss von RAID auf Systemleistung und Datensicherheit</a:t>
-            </a:r>
-          </a:p>
-        </p:txBody>
-      </p:sp>
-      <p:sp>
-        <p:nvSpPr>
           <p:cNvPr id="20" name="Datumsplatzhalter 19">
             <a:extLst>
               <a:ext uri="{FF2B5EF4-FFF2-40B4-BE49-F238E27FC236}">
@@ -20671,9 +20163,40 @@
           <a:bodyPr rtlCol="0"/>
           <a:lstStyle/>
           <a:p>
-            <a:pPr rtl="0"/>
-            <a:r>
-              <a:rPr lang="de-DE" dirty="0"/>
+            <a:pPr marL="0" marR="0" lvl="0" indent="0" algn="l" defTabSz="914400" rtl="0" eaLnBrk="1" fontAlgn="auto" latinLnBrk="0" hangingPunct="1">
+              <a:lnSpc>
+                <a:spcPct val="100000"/>
+              </a:lnSpc>
+              <a:spcBef>
+                <a:spcPts val="0"/>
+              </a:spcBef>
+              <a:spcAft>
+                <a:spcPts val="0"/>
+              </a:spcAft>
+              <a:buClrTx/>
+              <a:buSzTx/>
+              <a:buFontTx/>
+              <a:buNone/>
+              <a:tabLst/>
+              <a:defRPr/>
+            </a:pPr>
+            <a:r>
+              <a:rPr kumimoji="0" lang="de-DE" sz="900" b="0" i="0" u="none" strike="noStrike" kern="1200" cap="none" spc="0" normalizeH="0" baseline="0" noProof="0" dirty="0">
+                <a:ln>
+                  <a:noFill/>
+                </a:ln>
+                <a:solidFill>
+                  <a:prstClr val="black">
+                    <a:tint val="75000"/>
+                  </a:prstClr>
+                </a:solidFill>
+                <a:effectLst/>
+                <a:uLnTx/>
+                <a:uFillTx/>
+                <a:latin typeface="Tenorite"/>
+                <a:ea typeface="+mn-ea"/>
+                <a:cs typeface="+mn-cs"/>
+              </a:rPr>
               <a:t>2023</a:t>
             </a:r>
           </a:p>
@@ -20705,9 +20228,40 @@
           <a:bodyPr rtlCol="0"/>
           <a:lstStyle/>
           <a:p>
-            <a:pPr rtl="0"/>
-            <a:r>
-              <a:rPr lang="de-DE" dirty="0"/>
+            <a:pPr marL="0" marR="0" lvl="0" indent="0" algn="ctr" defTabSz="914400" rtl="0" eaLnBrk="1" fontAlgn="auto" latinLnBrk="0" hangingPunct="1">
+              <a:lnSpc>
+                <a:spcPct val="100000"/>
+              </a:lnSpc>
+              <a:spcBef>
+                <a:spcPts val="0"/>
+              </a:spcBef>
+              <a:spcAft>
+                <a:spcPts val="0"/>
+              </a:spcAft>
+              <a:buClrTx/>
+              <a:buSzTx/>
+              <a:buFontTx/>
+              <a:buNone/>
+              <a:tabLst/>
+              <a:defRPr/>
+            </a:pPr>
+            <a:r>
+              <a:rPr kumimoji="0" lang="de-DE" sz="900" b="0" i="0" u="none" strike="noStrike" kern="1200" cap="none" spc="0" normalizeH="0" baseline="0" noProof="0" dirty="0">
+                <a:ln>
+                  <a:noFill/>
+                </a:ln>
+                <a:solidFill>
+                  <a:prstClr val="black">
+                    <a:tint val="75000"/>
+                  </a:prstClr>
+                </a:solidFill>
+                <a:effectLst/>
+                <a:uLnTx/>
+                <a:uFillTx/>
+                <a:latin typeface="Tenorite"/>
+                <a:ea typeface="+mn-ea"/>
+                <a:cs typeface="+mn-cs"/>
+              </a:rPr>
               <a:t>RAID</a:t>
             </a:r>
           </a:p>
@@ -20739,69 +20293,63 @@
           <a:bodyPr rtlCol="0"/>
           <a:lstStyle/>
           <a:p>
-            <a:pPr rtl="0"/>
+            <a:pPr marL="0" marR="0" lvl="0" indent="0" algn="r" defTabSz="914400" rtl="0" eaLnBrk="1" fontAlgn="auto" latinLnBrk="0" hangingPunct="1">
+              <a:lnSpc>
+                <a:spcPct val="100000"/>
+              </a:lnSpc>
+              <a:spcBef>
+                <a:spcPts val="0"/>
+              </a:spcBef>
+              <a:spcAft>
+                <a:spcPts val="0"/>
+              </a:spcAft>
+              <a:buClrTx/>
+              <a:buSzTx/>
+              <a:buFontTx/>
+              <a:buNone/>
+              <a:tabLst/>
+              <a:defRPr/>
+            </a:pPr>
+            <a:r>
+              <a:rPr lang="de-DE" dirty="0">
+                <a:solidFill>
+                  <a:prstClr val="black">
+                    <a:tint val="75000"/>
+                  </a:prstClr>
+                </a:solidFill>
+                <a:latin typeface="Tenorite"/>
+              </a:rPr>
+              <a:t>15</a:t>
+            </a:r>
             <a:r>
               <a:rPr lang="de-DE" dirty="0"/>
-              <a:t>15/19</a:t>
-            </a:r>
-          </a:p>
-        </p:txBody>
-      </p:sp>
-      <p:sp>
-        <p:nvSpPr>
-          <p:cNvPr id="2" name="Pfeil: nach rechts 1">
-            <a:extLst>
-              <a:ext uri="{FF2B5EF4-FFF2-40B4-BE49-F238E27FC236}">
-                <a16:creationId xmlns:a16="http://schemas.microsoft.com/office/drawing/2014/main" id="{797947D7-087B-402B-9CC1-96B23314C48A}"/>
-              </a:ext>
-            </a:extLst>
-          </p:cNvPr>
-          <p:cNvSpPr/>
-          <p:nvPr/>
-        </p:nvSpPr>
-        <p:spPr>
-          <a:xfrm>
-            <a:off x="4031226" y="4825789"/>
-            <a:ext cx="632157" cy="330139"/>
-          </a:xfrm>
-          <a:prstGeom prst="rightArrow">
-            <a:avLst/>
-          </a:prstGeom>
-          <a:solidFill>
-            <a:schemeClr val="accent2"/>
-          </a:solidFill>
-        </p:spPr>
-        <p:style>
-          <a:lnRef idx="2">
-            <a:schemeClr val="accent1">
-              <a:shade val="50000"/>
-            </a:schemeClr>
-          </a:lnRef>
-          <a:fillRef idx="1">
-            <a:schemeClr val="accent1"/>
-          </a:fillRef>
-          <a:effectRef idx="0">
-            <a:schemeClr val="accent1"/>
-          </a:effectRef>
-          <a:fontRef idx="minor">
-            <a:schemeClr val="lt1"/>
-          </a:fontRef>
-        </p:style>
-        <p:txBody>
-          <a:bodyPr rtlCol="0" anchor="ctr"/>
-          <a:lstStyle/>
-          <a:p>
-            <a:pPr algn="ctr"/>
-            <a:endParaRPr lang="de-DE"/>
-          </a:p>
-        </p:txBody>
-      </p:sp>
-      <p:sp>
-        <p:nvSpPr>
-          <p:cNvPr id="11" name="Titel 1">
-            <a:extLst>
-              <a:ext uri="{FF2B5EF4-FFF2-40B4-BE49-F238E27FC236}">
-                <a16:creationId xmlns:a16="http://schemas.microsoft.com/office/drawing/2014/main" id="{BCBBE72B-1CD7-4827-95DC-F77D27D4663C}"/>
+              <a:t>/18</a:t>
+            </a:r>
+            <a:endParaRPr kumimoji="0" lang="de-DE" sz="900" b="0" i="0" u="none" strike="noStrike" kern="1200" cap="none" spc="0" normalizeH="0" baseline="0" noProof="0" dirty="0">
+              <a:ln>
+                <a:noFill/>
+              </a:ln>
+              <a:solidFill>
+                <a:prstClr val="black">
+                  <a:tint val="75000"/>
+                </a:prstClr>
+              </a:solidFill>
+              <a:effectLst/>
+              <a:uLnTx/>
+              <a:uFillTx/>
+              <a:latin typeface="Tenorite"/>
+              <a:ea typeface="+mn-ea"/>
+              <a:cs typeface="+mn-cs"/>
+            </a:endParaRPr>
+          </a:p>
+        </p:txBody>
+      </p:sp>
+      <p:sp>
+        <p:nvSpPr>
+          <p:cNvPr id="5" name="Titel 1">
+            <a:extLst>
+              <a:ext uri="{FF2B5EF4-FFF2-40B4-BE49-F238E27FC236}">
+                <a16:creationId xmlns:a16="http://schemas.microsoft.com/office/drawing/2014/main" id="{55DBED79-4C43-459F-3C6C-ECEE3774EC55}"/>
               </a:ext>
             </a:extLst>
           </p:cNvPr>
@@ -20812,8 +20360,8 @@
         </p:nvSpPr>
         <p:spPr>
           <a:xfrm>
-            <a:off x="4663383" y="136525"/>
-            <a:ext cx="5211184" cy="1122202"/>
+            <a:off x="4602510" y="105066"/>
+            <a:ext cx="6250544" cy="1340276"/>
           </a:xfrm>
           <a:prstGeom prst="rect">
             <a:avLst/>
@@ -20821,7 +20369,7 @@
         </p:spPr>
         <p:txBody>
           <a:bodyPr vert="horz" lIns="91440" tIns="45720" rIns="91440" bIns="45720" rtlCol="0" anchor="b">
-            <a:normAutofit/>
+            <a:normAutofit lnSpcReduction="10000"/>
           </a:bodyPr>
           <a:lstStyle>
             <a:lvl1pPr algn="l" defTabSz="914400" rtl="0" eaLnBrk="1" latinLnBrk="0" hangingPunct="1">
@@ -20843,9 +20391,268 @@
             </a:lvl1pPr>
           </a:lstStyle>
           <a:p>
-            <a:r>
-              <a:rPr lang="de-DE" sz="3200" dirty="0"/>
-              <a:t>Agenda</a:t>
+            <a:pPr marL="0" marR="0" lvl="0" indent="0" algn="l" defTabSz="914400" rtl="0" eaLnBrk="1" fontAlgn="auto" latinLnBrk="0" hangingPunct="1">
+              <a:lnSpc>
+                <a:spcPct val="90000"/>
+              </a:lnSpc>
+              <a:spcBef>
+                <a:spcPct val="0"/>
+              </a:spcBef>
+              <a:spcAft>
+                <a:spcPts val="0"/>
+              </a:spcAft>
+              <a:buClrTx/>
+              <a:buSzTx/>
+              <a:buFontTx/>
+              <a:buNone/>
+              <a:tabLst/>
+              <a:defRPr/>
+            </a:pPr>
+            <a:r>
+              <a:rPr kumimoji="0" lang="de-DE" sz="3200" b="0" i="0" u="none" strike="noStrike" kern="1200" cap="all" spc="150" normalizeH="0" baseline="0" noProof="0" dirty="0">
+                <a:ln>
+                  <a:noFill/>
+                </a:ln>
+                <a:solidFill>
+                  <a:prstClr val="black"/>
+                </a:solidFill>
+                <a:effectLst/>
+                <a:uLnTx/>
+                <a:uFillTx/>
+                <a:latin typeface="Tenorite"/>
+                <a:ea typeface="+mj-ea"/>
+                <a:cs typeface="+mj-cs"/>
+              </a:rPr>
+              <a:t>Einfluss von Raid auf Systemleistung und Datensicherheit</a:t>
+            </a:r>
+          </a:p>
+        </p:txBody>
+      </p:sp>
+      <p:sp>
+        <p:nvSpPr>
+          <p:cNvPr id="7" name="TextBox 6">
+            <a:extLst>
+              <a:ext uri="{FF2B5EF4-FFF2-40B4-BE49-F238E27FC236}">
+                <a16:creationId xmlns:a16="http://schemas.microsoft.com/office/drawing/2014/main" id="{1DB5C10C-139C-FFFA-BC74-0F4FA8586D68}"/>
+              </a:ext>
+            </a:extLst>
+          </p:cNvPr>
+          <p:cNvSpPr txBox="1"/>
+          <p:nvPr/>
+        </p:nvSpPr>
+        <p:spPr>
+          <a:xfrm>
+            <a:off x="4600423" y="1518410"/>
+            <a:ext cx="6252631" cy="707886"/>
+          </a:xfrm>
+          <a:prstGeom prst="rect">
+            <a:avLst/>
+          </a:prstGeom>
+          <a:noFill/>
+        </p:spPr>
+        <p:txBody>
+          <a:bodyPr wrap="square">
+            <a:spAutoFit/>
+          </a:bodyPr>
+          <a:lstStyle/>
+          <a:p>
+            <a:pPr marL="0" marR="0" lvl="0" indent="0" algn="l" defTabSz="914400" rtl="0" eaLnBrk="1" fontAlgn="auto" latinLnBrk="0" hangingPunct="1">
+              <a:lnSpc>
+                <a:spcPct val="100000"/>
+              </a:lnSpc>
+              <a:spcBef>
+                <a:spcPts val="0"/>
+              </a:spcBef>
+              <a:spcAft>
+                <a:spcPts val="0"/>
+              </a:spcAft>
+              <a:buClrTx/>
+              <a:buSzTx/>
+              <a:buFontTx/>
+              <a:buNone/>
+              <a:tabLst/>
+              <a:defRPr/>
+            </a:pPr>
+            <a:r>
+              <a:rPr kumimoji="0" lang="de-DE" sz="2000" b="0" i="0" u="none" strike="noStrike" kern="1200" cap="none" spc="0" normalizeH="0" baseline="0" noProof="0" dirty="0">
+                <a:ln>
+                  <a:noFill/>
+                </a:ln>
+                <a:solidFill>
+                  <a:prstClr val="black"/>
+                </a:solidFill>
+                <a:effectLst/>
+                <a:uLnTx/>
+                <a:uFillTx/>
+                <a:latin typeface="Tenorite"/>
+                <a:ea typeface="+mn-ea"/>
+                <a:cs typeface="+mn-cs"/>
+              </a:rPr>
+              <a:t>RAID 0: RAID 0 verbessert die Leistung durch </a:t>
+            </a:r>
+            <a:r>
+              <a:rPr kumimoji="0" lang="de-DE" sz="2000" b="0" i="0" u="none" strike="noStrike" kern="1200" cap="none" spc="0" normalizeH="0" baseline="0" noProof="0" dirty="0" err="1">
+                <a:ln>
+                  <a:noFill/>
+                </a:ln>
+                <a:solidFill>
+                  <a:prstClr val="black"/>
+                </a:solidFill>
+                <a:effectLst/>
+                <a:uLnTx/>
+                <a:uFillTx/>
+                <a:latin typeface="Tenorite"/>
+                <a:ea typeface="+mn-ea"/>
+                <a:cs typeface="+mn-cs"/>
+              </a:rPr>
+              <a:t>Datenstriping</a:t>
+            </a:r>
+            <a:r>
+              <a:rPr kumimoji="0" lang="de-DE" sz="2000" b="0" i="0" u="none" strike="noStrike" kern="1200" cap="none" spc="0" normalizeH="0" baseline="0" noProof="0" dirty="0">
+                <a:ln>
+                  <a:noFill/>
+                </a:ln>
+                <a:solidFill>
+                  <a:prstClr val="black"/>
+                </a:solidFill>
+                <a:effectLst/>
+                <a:uLnTx/>
+                <a:uFillTx/>
+                <a:latin typeface="Tenorite"/>
+                <a:ea typeface="+mn-ea"/>
+                <a:cs typeface="+mn-cs"/>
+              </a:rPr>
+              <a:t> über mehrere Laufwerke</a:t>
+            </a:r>
+          </a:p>
+        </p:txBody>
+      </p:sp>
+      <p:sp>
+        <p:nvSpPr>
+          <p:cNvPr id="9" name="TextBox 8">
+            <a:extLst>
+              <a:ext uri="{FF2B5EF4-FFF2-40B4-BE49-F238E27FC236}">
+                <a16:creationId xmlns:a16="http://schemas.microsoft.com/office/drawing/2014/main" id="{643A3093-7683-D8CB-1172-DA7C66C38AB7}"/>
+              </a:ext>
+            </a:extLst>
+          </p:cNvPr>
+          <p:cNvSpPr txBox="1"/>
+          <p:nvPr/>
+        </p:nvSpPr>
+        <p:spPr>
+          <a:xfrm>
+            <a:off x="4600424" y="4319320"/>
+            <a:ext cx="6100232" cy="1015663"/>
+          </a:xfrm>
+          <a:prstGeom prst="rect">
+            <a:avLst/>
+          </a:prstGeom>
+          <a:noFill/>
+        </p:spPr>
+        <p:txBody>
+          <a:bodyPr wrap="square">
+            <a:spAutoFit/>
+          </a:bodyPr>
+          <a:lstStyle/>
+          <a:p>
+            <a:pPr marL="0" marR="0" lvl="0" indent="0" algn="l" defTabSz="914400" rtl="0" eaLnBrk="1" fontAlgn="auto" latinLnBrk="0" hangingPunct="1">
+              <a:lnSpc>
+                <a:spcPct val="100000"/>
+              </a:lnSpc>
+              <a:spcBef>
+                <a:spcPts val="0"/>
+              </a:spcBef>
+              <a:spcAft>
+                <a:spcPts val="0"/>
+              </a:spcAft>
+              <a:buClrTx/>
+              <a:buSzTx/>
+              <a:buFontTx/>
+              <a:buNone/>
+              <a:tabLst/>
+              <a:defRPr/>
+            </a:pPr>
+            <a:r>
+              <a:rPr kumimoji="0" lang="de-DE" sz="2000" b="0" i="0" u="none" strike="noStrike" kern="1200" cap="none" spc="0" normalizeH="0" baseline="0" noProof="0" dirty="0">
+                <a:ln>
+                  <a:noFill/>
+                </a:ln>
+                <a:solidFill>
+                  <a:prstClr val="black"/>
+                </a:solidFill>
+                <a:effectLst/>
+                <a:uLnTx/>
+                <a:uFillTx/>
+                <a:latin typeface="Tenorite"/>
+                <a:ea typeface="+mn-ea"/>
+                <a:cs typeface="+mn-cs"/>
+              </a:rPr>
+              <a:t>RAID 5, RAID 6 und RAID 10: Diese RAID-Level bieten sowohl Leistungsverbesserungen als auch Datensicherheit.</a:t>
+            </a:r>
+          </a:p>
+        </p:txBody>
+      </p:sp>
+      <p:sp>
+        <p:nvSpPr>
+          <p:cNvPr id="10" name="TextBox 6">
+            <a:extLst>
+              <a:ext uri="{FF2B5EF4-FFF2-40B4-BE49-F238E27FC236}">
+                <a16:creationId xmlns:a16="http://schemas.microsoft.com/office/drawing/2014/main" id="{DC30F717-9E7E-467D-8BCC-6E871C6DEA89}"/>
+              </a:ext>
+            </a:extLst>
+          </p:cNvPr>
+          <p:cNvSpPr txBox="1"/>
+          <p:nvPr/>
+        </p:nvSpPr>
+        <p:spPr>
+          <a:xfrm>
+            <a:off x="4600424" y="2942521"/>
+            <a:ext cx="6252632" cy="707886"/>
+          </a:xfrm>
+          <a:prstGeom prst="rect">
+            <a:avLst/>
+          </a:prstGeom>
+          <a:noFill/>
+        </p:spPr>
+        <p:txBody>
+          <a:bodyPr wrap="square">
+            <a:spAutoFit/>
+          </a:bodyPr>
+          <a:lstStyle/>
+          <a:p>
+            <a:pPr marL="0" marR="0" lvl="0" indent="0" algn="l" defTabSz="914400" rtl="0" eaLnBrk="1" fontAlgn="auto" latinLnBrk="0" hangingPunct="1">
+              <a:lnSpc>
+                <a:spcPct val="100000"/>
+              </a:lnSpc>
+              <a:spcBef>
+                <a:spcPts val="0"/>
+              </a:spcBef>
+              <a:spcAft>
+                <a:spcPts val="0"/>
+              </a:spcAft>
+              <a:buClrTx/>
+              <a:buSzTx/>
+              <a:buFontTx/>
+              <a:buNone/>
+              <a:tabLst/>
+              <a:defRPr/>
+            </a:pPr>
+            <a:r>
+              <a:rPr kumimoji="0" lang="de-DE" sz="2000" b="0" i="0" u="none" strike="noStrike" kern="1200" cap="none" spc="0" normalizeH="0" baseline="0" noProof="0" dirty="0">
+                <a:ln>
+                  <a:noFill/>
+                </a:ln>
+                <a:solidFill>
+                  <a:prstClr val="black"/>
+                </a:solidFill>
+                <a:effectLst/>
+                <a:uLnTx/>
+                <a:uFillTx/>
+                <a:latin typeface="Tenorite"/>
+                <a:ea typeface="+mn-ea"/>
+                <a:cs typeface="+mn-cs"/>
+              </a:rPr>
+              <a:t>RAID 1: RAID 1 hat eine höhere Datensicherheit es kann jedoch zu geringfügigen Leistungseinbußen kommen.</a:t>
             </a:r>
           </a:p>
         </p:txBody>
@@ -20853,7 +20660,7 @@
     </p:spTree>
     <p:extLst>
       <p:ext uri="{BB962C8B-B14F-4D97-AF65-F5344CB8AC3E}">
-        <p14:creationId xmlns:p14="http://schemas.microsoft.com/office/powerpoint/2010/main" val="1585678460"/>
+        <p14:creationId xmlns:p14="http://schemas.microsoft.com/office/powerpoint/2010/main" val="1110752942"/>
       </p:ext>
     </p:extLst>
   </p:cSld>
@@ -21054,19 +20861,27 @@
               <a:defRPr/>
             </a:pPr>
             <a:r>
-              <a:rPr lang="de-DE" dirty="0">
+              <a:rPr kumimoji="0" lang="de-DE" sz="900" b="0" i="0" u="none" strike="noStrike" kern="1200" cap="none" spc="0" normalizeH="0" baseline="0" noProof="0" dirty="0">
+                <a:ln>
+                  <a:noFill/>
+                </a:ln>
                 <a:solidFill>
                   <a:prstClr val="black">
                     <a:tint val="75000"/>
                   </a:prstClr>
                 </a:solidFill>
+                <a:effectLst/>
+                <a:uLnTx/>
+                <a:uFillTx/>
                 <a:latin typeface="Tenorite"/>
+                <a:ea typeface="+mn-ea"/>
+                <a:cs typeface="+mn-cs"/>
               </a:rPr>
               <a:t>16</a:t>
             </a:r>
             <a:r>
               <a:rPr lang="de-DE" dirty="0"/>
-              <a:t>/19</a:t>
+              <a:t>/18</a:t>
             </a:r>
             <a:endParaRPr kumimoji="0" lang="de-DE" sz="900" b="0" i="0" u="none" strike="noStrike" kern="1200" cap="none" spc="0" normalizeH="0" baseline="0" noProof="0" dirty="0">
               <a:ln>
@@ -21104,7 +20919,7 @@
         <p:spPr>
           <a:xfrm>
             <a:off x="4602510" y="105066"/>
-            <a:ext cx="6250544" cy="1340276"/>
+            <a:ext cx="5211184" cy="563528"/>
           </a:xfrm>
           <a:prstGeom prst="rect">
             <a:avLst/>
@@ -21112,7 +20927,7 @@
         </p:spPr>
         <p:txBody>
           <a:bodyPr vert="horz" lIns="91440" tIns="45720" rIns="91440" bIns="45720" rtlCol="0" anchor="b">
-            <a:normAutofit lnSpcReduction="10000"/>
+            <a:normAutofit/>
           </a:bodyPr>
           <a:lstStyle>
             <a:lvl1pPr algn="l" defTabSz="914400" rtl="0" eaLnBrk="1" latinLnBrk="0" hangingPunct="1">
@@ -21166,7 +20981,7 @@
                 <a:ea typeface="+mj-ea"/>
                 <a:cs typeface="+mj-cs"/>
               </a:rPr>
-              <a:t>Einfluss von Raid auf Systemleistung und Datensicherheit</a:t>
+              <a:t>Fazit</a:t>
             </a:r>
           </a:p>
         </p:txBody>
@@ -21231,51 +21046,17 @@
                 <a:ea typeface="+mn-ea"/>
                 <a:cs typeface="+mn-cs"/>
               </a:rPr>
-              <a:t>RAID 0: RAID 0 verbessert die Leistung durch </a:t>
-            </a:r>
-            <a:r>
-              <a:rPr kumimoji="0" lang="de-DE" sz="2000" b="0" i="0" u="none" strike="noStrike" kern="1200" cap="none" spc="0" normalizeH="0" baseline="0" noProof="0" dirty="0" err="1">
-                <a:ln>
-                  <a:noFill/>
-                </a:ln>
-                <a:solidFill>
-                  <a:prstClr val="black"/>
-                </a:solidFill>
-                <a:effectLst/>
-                <a:uLnTx/>
-                <a:uFillTx/>
-                <a:latin typeface="Tenorite"/>
-                <a:ea typeface="+mn-ea"/>
-                <a:cs typeface="+mn-cs"/>
-              </a:rPr>
-              <a:t>Datenstriping</a:t>
-            </a:r>
-            <a:r>
-              <a:rPr kumimoji="0" lang="de-DE" sz="2000" b="0" i="0" u="none" strike="noStrike" kern="1200" cap="none" spc="0" normalizeH="0" baseline="0" noProof="0" dirty="0">
-                <a:ln>
-                  <a:noFill/>
-                </a:ln>
-                <a:solidFill>
-                  <a:prstClr val="black"/>
-                </a:solidFill>
-                <a:effectLst/>
-                <a:uLnTx/>
-                <a:uFillTx/>
-                <a:latin typeface="Tenorite"/>
-                <a:ea typeface="+mn-ea"/>
-                <a:cs typeface="+mn-cs"/>
-              </a:rPr>
-              <a:t> über mehrere Laufwerke</a:t>
-            </a:r>
-          </a:p>
-        </p:txBody>
-      </p:sp>
-      <p:sp>
-        <p:nvSpPr>
-          <p:cNvPr id="9" name="TextBox 8">
-            <a:extLst>
-              <a:ext uri="{FF2B5EF4-FFF2-40B4-BE49-F238E27FC236}">
-                <a16:creationId xmlns:a16="http://schemas.microsoft.com/office/drawing/2014/main" id="{643A3093-7683-D8CB-1172-DA7C66C38AB7}"/>
+              <a:t>RAID ist ein robustes System um mehrere Datenträger gemeinsam als eine logische Einheit zu verwenden</a:t>
+            </a:r>
+          </a:p>
+        </p:txBody>
+      </p:sp>
+      <p:sp>
+        <p:nvSpPr>
+          <p:cNvPr id="11" name="TextBox 6">
+            <a:extLst>
+              <a:ext uri="{FF2B5EF4-FFF2-40B4-BE49-F238E27FC236}">
+                <a16:creationId xmlns:a16="http://schemas.microsoft.com/office/drawing/2014/main" id="{1625C599-1FA0-4B06-850B-DA012CD6543B}"/>
               </a:ext>
             </a:extLst>
           </p:cNvPr>
@@ -21284,8 +21065,8 @@
         </p:nvSpPr>
         <p:spPr>
           <a:xfrm>
-            <a:off x="4600424" y="4319320"/>
-            <a:ext cx="6100232" cy="1015663"/>
+            <a:off x="4600422" y="2721114"/>
+            <a:ext cx="6252631" cy="1015663"/>
           </a:xfrm>
           <a:prstGeom prst="rect">
             <a:avLst/>
@@ -21330,17 +21111,17 @@
                 <a:ea typeface="+mn-ea"/>
                 <a:cs typeface="+mn-cs"/>
               </a:rPr>
-              <a:t>RAID 5, RAID 6 und RAID 10: Diese RAID-Level bieten sowohl Leistungsverbesserungen als auch Datensicherheit.</a:t>
-            </a:r>
-          </a:p>
-        </p:txBody>
-      </p:sp>
-      <p:sp>
-        <p:nvSpPr>
-          <p:cNvPr id="10" name="TextBox 6">
-            <a:extLst>
-              <a:ext uri="{FF2B5EF4-FFF2-40B4-BE49-F238E27FC236}">
-                <a16:creationId xmlns:a16="http://schemas.microsoft.com/office/drawing/2014/main" id="{DC30F717-9E7E-467D-8BCC-6E871C6DEA89}"/>
+              <a:t>RAID kann zur Datensicherung, Geschwindigkeitsoptimierung oder für beide Zwecke verwendet werden</a:t>
+            </a:r>
+          </a:p>
+        </p:txBody>
+      </p:sp>
+      <p:sp>
+        <p:nvSpPr>
+          <p:cNvPr id="12" name="TextBox 6">
+            <a:extLst>
+              <a:ext uri="{FF2B5EF4-FFF2-40B4-BE49-F238E27FC236}">
+                <a16:creationId xmlns:a16="http://schemas.microsoft.com/office/drawing/2014/main" id="{B5DA35AB-0BF9-480F-89D7-2D715169EE6A}"/>
               </a:ext>
             </a:extLst>
           </p:cNvPr>
@@ -21349,8 +21130,8 @@
         </p:nvSpPr>
         <p:spPr>
           <a:xfrm>
-            <a:off x="4600424" y="2942521"/>
-            <a:ext cx="6252632" cy="707886"/>
+            <a:off x="4600421" y="4231595"/>
+            <a:ext cx="6252631" cy="707886"/>
           </a:xfrm>
           <a:prstGeom prst="rect">
             <a:avLst/>
@@ -21395,7 +21176,7 @@
                 <a:ea typeface="+mn-ea"/>
                 <a:cs typeface="+mn-cs"/>
               </a:rPr>
-              <a:t>RAID 1: RAID 1 hat eine höhere Datensicherheit es kann jedoch zu geringfügigen Leistungseinbußen kommen.</a:t>
+              <a:t>RAID kann auf verschiedene Arten genutzt und konfiguriert werden</a:t>
             </a:r>
           </a:p>
         </p:txBody>
@@ -21403,7 +21184,7 @@
     </p:spTree>
     <p:extLst>
       <p:ext uri="{BB962C8B-B14F-4D97-AF65-F5344CB8AC3E}">
-        <p14:creationId xmlns:p14="http://schemas.microsoft.com/office/powerpoint/2010/main" val="1110752942"/>
+        <p14:creationId xmlns:p14="http://schemas.microsoft.com/office/powerpoint/2010/main" val="3243846298"/>
       </p:ext>
     </p:extLst>
   </p:cSld>
@@ -21624,7 +21405,7 @@
             </a:r>
             <a:r>
               <a:rPr lang="de-DE" dirty="0"/>
-              <a:t>/19</a:t>
+              <a:t>/18</a:t>
             </a:r>
             <a:endParaRPr kumimoji="0" lang="de-DE" sz="900" b="0" i="0" u="none" strike="noStrike" kern="1200" cap="none" spc="0" normalizeH="0" baseline="0" noProof="0" dirty="0">
               <a:ln>
@@ -21724,7 +21505,7 @@
                 <a:ea typeface="+mj-ea"/>
                 <a:cs typeface="+mj-cs"/>
               </a:rPr>
-              <a:t>Fazit</a:t>
+              <a:t>Quellenverzeichnis</a:t>
             </a:r>
           </a:p>
         </p:txBody>
@@ -21744,7 +21525,7 @@
         <p:spPr>
           <a:xfrm>
             <a:off x="4600423" y="1518410"/>
-            <a:ext cx="6252631" cy="707886"/>
+            <a:ext cx="6252631" cy="3785652"/>
           </a:xfrm>
           <a:prstGeom prst="rect">
             <a:avLst/>
@@ -21757,177 +21538,158 @@
           </a:bodyPr>
           <a:lstStyle/>
           <a:p>
-            <a:pPr marL="0" marR="0" lvl="0" indent="0" algn="l" defTabSz="914400" rtl="0" eaLnBrk="1" fontAlgn="auto" latinLnBrk="0" hangingPunct="1">
-              <a:lnSpc>
-                <a:spcPct val="100000"/>
-              </a:lnSpc>
-              <a:spcBef>
-                <a:spcPts val="0"/>
-              </a:spcBef>
-              <a:spcAft>
-                <a:spcPts val="0"/>
-              </a:spcAft>
-              <a:buClrTx/>
-              <a:buSzTx/>
-              <a:buFontTx/>
-              <a:buNone/>
-              <a:tabLst/>
+            <a:pPr lvl="0">
               <a:defRPr/>
             </a:pPr>
             <a:r>
-              <a:rPr kumimoji="0" lang="de-DE" sz="2000" b="0" i="0" u="none" strike="noStrike" kern="1200" cap="none" spc="0" normalizeH="0" baseline="0" noProof="0" dirty="0">
-                <a:ln>
-                  <a:noFill/>
-                </a:ln>
+              <a:rPr lang="de-DE" sz="2000" dirty="0">
                 <a:solidFill>
                   <a:prstClr val="black"/>
                 </a:solidFill>
-                <a:effectLst/>
-                <a:uLnTx/>
-                <a:uFillTx/>
-                <a:latin typeface="Tenorite"/>
-                <a:ea typeface="+mn-ea"/>
-                <a:cs typeface="+mn-cs"/>
+                <a:hlinkClick r:id="rId3"/>
               </a:rPr>
-              <a:t>RAID ist ein robustes System um mehrere Datenträger gemeinsam als eine logische Einheit zu verwenden</a:t>
-            </a:r>
-          </a:p>
-        </p:txBody>
-      </p:sp>
-      <p:sp>
-        <p:nvSpPr>
-          <p:cNvPr id="11" name="TextBox 6">
-            <a:extLst>
-              <a:ext uri="{FF2B5EF4-FFF2-40B4-BE49-F238E27FC236}">
-                <a16:creationId xmlns:a16="http://schemas.microsoft.com/office/drawing/2014/main" id="{1625C599-1FA0-4B06-850B-DA012CD6543B}"/>
-              </a:ext>
-            </a:extLst>
-          </p:cNvPr>
-          <p:cNvSpPr txBox="1"/>
-          <p:nvPr/>
-        </p:nvSpPr>
-        <p:spPr>
-          <a:xfrm>
-            <a:off x="4600422" y="2721114"/>
-            <a:ext cx="6252631" cy="1015663"/>
-          </a:xfrm>
-          <a:prstGeom prst="rect">
-            <a:avLst/>
-          </a:prstGeom>
-          <a:noFill/>
-        </p:spPr>
-        <p:txBody>
-          <a:bodyPr wrap="square">
-            <a:spAutoFit/>
-          </a:bodyPr>
-          <a:lstStyle/>
-          <a:p>
-            <a:pPr marL="0" marR="0" lvl="0" indent="0" algn="l" defTabSz="914400" rtl="0" eaLnBrk="1" fontAlgn="auto" latinLnBrk="0" hangingPunct="1">
-              <a:lnSpc>
-                <a:spcPct val="100000"/>
-              </a:lnSpc>
-              <a:spcBef>
-                <a:spcPts val="0"/>
-              </a:spcBef>
-              <a:spcAft>
-                <a:spcPts val="0"/>
-              </a:spcAft>
-              <a:buClrTx/>
-              <a:buSzTx/>
-              <a:buFontTx/>
-              <a:buNone/>
-              <a:tabLst/>
+              <a:t>https://www.globalsystem.ch/ratgeber/raid-systeme-erklaert/</a:t>
+            </a:r>
+            <a:r>
+              <a:rPr lang="de-DE" sz="2000" dirty="0">
+                <a:solidFill>
+                  <a:prstClr val="black"/>
+                </a:solidFill>
+              </a:rPr>
+              <a:t> </a:t>
+            </a:r>
+          </a:p>
+          <a:p>
+            <a:pPr lvl="0">
               <a:defRPr/>
             </a:pPr>
             <a:r>
-              <a:rPr kumimoji="0" lang="de-DE" sz="2000" b="0" i="0" u="none" strike="noStrike" kern="1200" cap="none" spc="0" normalizeH="0" baseline="0" noProof="0" dirty="0">
-                <a:ln>
-                  <a:noFill/>
-                </a:ln>
+              <a:rPr lang="de-DE" sz="2000" dirty="0">
                 <a:solidFill>
                   <a:prstClr val="black"/>
                 </a:solidFill>
-                <a:effectLst/>
-                <a:uLnTx/>
-                <a:uFillTx/>
-                <a:latin typeface="Tenorite"/>
-                <a:ea typeface="+mn-ea"/>
-                <a:cs typeface="+mn-cs"/>
               </a:rPr>
-              <a:t>RAID kann zur Datensicherung, Geschwindigkeitsoptimierung oder für beide Zwecke verwendet werden</a:t>
-            </a:r>
-          </a:p>
-        </p:txBody>
-      </p:sp>
-      <p:sp>
-        <p:nvSpPr>
-          <p:cNvPr id="12" name="TextBox 6">
-            <a:extLst>
-              <a:ext uri="{FF2B5EF4-FFF2-40B4-BE49-F238E27FC236}">
-                <a16:creationId xmlns:a16="http://schemas.microsoft.com/office/drawing/2014/main" id="{B5DA35AB-0BF9-480F-89D7-2D715169EE6A}"/>
-              </a:ext>
-            </a:extLst>
-          </p:cNvPr>
-          <p:cNvSpPr txBox="1"/>
-          <p:nvPr/>
-        </p:nvSpPr>
-        <p:spPr>
-          <a:xfrm>
-            <a:off x="4600421" y="4231595"/>
-            <a:ext cx="6252631" cy="707886"/>
-          </a:xfrm>
-          <a:prstGeom prst="rect">
-            <a:avLst/>
-          </a:prstGeom>
-          <a:noFill/>
-        </p:spPr>
-        <p:txBody>
-          <a:bodyPr wrap="square">
-            <a:spAutoFit/>
-          </a:bodyPr>
-          <a:lstStyle/>
-          <a:p>
-            <a:pPr marL="0" marR="0" lvl="0" indent="0" algn="l" defTabSz="914400" rtl="0" eaLnBrk="1" fontAlgn="auto" latinLnBrk="0" hangingPunct="1">
-              <a:lnSpc>
-                <a:spcPct val="100000"/>
-              </a:lnSpc>
-              <a:spcBef>
-                <a:spcPts val="0"/>
-              </a:spcBef>
-              <a:spcAft>
-                <a:spcPts val="0"/>
-              </a:spcAft>
-              <a:buClrTx/>
-              <a:buSzTx/>
-              <a:buFontTx/>
-              <a:buNone/>
-              <a:tabLst/>
+              <a:t>Bild und Informationsquelle</a:t>
+            </a:r>
+          </a:p>
+          <a:p>
+            <a:pPr lvl="0">
               <a:defRPr/>
             </a:pPr>
-            <a:r>
-              <a:rPr kumimoji="0" lang="de-DE" sz="2000" b="0" i="0" u="none" strike="noStrike" kern="1200" cap="none" spc="0" normalizeH="0" baseline="0" noProof="0" dirty="0">
-                <a:ln>
-                  <a:noFill/>
-                </a:ln>
+            <a:endParaRPr lang="de-DE" sz="2000" dirty="0">
+              <a:solidFill>
+                <a:prstClr val="black"/>
+              </a:solidFill>
+            </a:endParaRPr>
+          </a:p>
+          <a:p>
+            <a:pPr lvl="0">
+              <a:defRPr/>
+            </a:pPr>
+            <a:r>
+              <a:rPr lang="de-DE" sz="2000" dirty="0">
                 <a:solidFill>
                   <a:prstClr val="black"/>
                 </a:solidFill>
-                <a:effectLst/>
-                <a:uLnTx/>
-                <a:uFillTx/>
-                <a:latin typeface="Tenorite"/>
-                <a:ea typeface="+mn-ea"/>
-                <a:cs typeface="+mn-cs"/>
+                <a:hlinkClick r:id="rId4"/>
               </a:rPr>
-              <a:t>RAID kann auf verschiedene Arten genutzt und konfiguriert werden</a:t>
-            </a:r>
+              <a:t>https://premioinc.com/blogs/blog/hardware-vs-software-raid-differences-pros-cons</a:t>
+            </a:r>
+            <a:endParaRPr lang="de-DE" sz="2000" dirty="0">
+              <a:solidFill>
+                <a:prstClr val="black"/>
+              </a:solidFill>
+            </a:endParaRPr>
+          </a:p>
+          <a:p>
+            <a:pPr lvl="0">
+              <a:defRPr/>
+            </a:pPr>
+            <a:r>
+              <a:rPr lang="de-DE" sz="2000" dirty="0">
+                <a:solidFill>
+                  <a:prstClr val="black"/>
+                </a:solidFill>
+              </a:rPr>
+              <a:t>Informationsquelle</a:t>
+            </a:r>
+          </a:p>
+          <a:p>
+            <a:pPr lvl="0">
+              <a:defRPr/>
+            </a:pPr>
+            <a:endParaRPr lang="de-DE" sz="2000" dirty="0">
+              <a:solidFill>
+                <a:prstClr val="black"/>
+              </a:solidFill>
+            </a:endParaRPr>
+          </a:p>
+          <a:p>
+            <a:pPr lvl="0">
+              <a:defRPr/>
+            </a:pPr>
+            <a:r>
+              <a:rPr lang="de-DE" sz="2000" dirty="0">
+                <a:solidFill>
+                  <a:prstClr val="black"/>
+                </a:solidFill>
+                <a:hlinkClick r:id="rId5"/>
+              </a:rPr>
+              <a:t>https://en.wikipedia.org/wiki/Standard_RAID_levels</a:t>
+            </a:r>
+            <a:r>
+              <a:rPr lang="de-DE" sz="2000" dirty="0">
+                <a:solidFill>
+                  <a:prstClr val="black"/>
+                </a:solidFill>
+              </a:rPr>
+              <a:t> Bildquelle</a:t>
+            </a:r>
+          </a:p>
+          <a:p>
+            <a:pPr lvl="0">
+              <a:defRPr/>
+            </a:pPr>
+            <a:endParaRPr kumimoji="0" lang="de-DE" sz="2000" b="0" i="0" u="none" strike="noStrike" kern="1200" cap="none" spc="0" normalizeH="0" baseline="0" noProof="0" dirty="0">
+              <a:ln>
+                <a:noFill/>
+              </a:ln>
+              <a:solidFill>
+                <a:prstClr val="black"/>
+              </a:solidFill>
+              <a:effectLst/>
+              <a:uLnTx/>
+              <a:uFillTx/>
+              <a:latin typeface="Tenorite"/>
+              <a:ea typeface="+mn-ea"/>
+              <a:cs typeface="+mn-cs"/>
+            </a:endParaRPr>
+          </a:p>
+          <a:p>
+            <a:pPr lvl="0">
+              <a:defRPr/>
+            </a:pPr>
+            <a:endParaRPr kumimoji="0" lang="de-DE" sz="2000" b="0" i="0" u="none" strike="noStrike" kern="1200" cap="none" spc="0" normalizeH="0" baseline="0" noProof="0" dirty="0">
+              <a:ln>
+                <a:noFill/>
+              </a:ln>
+              <a:solidFill>
+                <a:prstClr val="black"/>
+              </a:solidFill>
+              <a:effectLst/>
+              <a:uLnTx/>
+              <a:uFillTx/>
+              <a:latin typeface="Tenorite"/>
+              <a:ea typeface="+mn-ea"/>
+              <a:cs typeface="+mn-cs"/>
+            </a:endParaRPr>
           </a:p>
         </p:txBody>
       </p:sp>
     </p:spTree>
     <p:extLst>
       <p:ext uri="{BB962C8B-B14F-4D97-AF65-F5344CB8AC3E}">
-        <p14:creationId xmlns:p14="http://schemas.microsoft.com/office/powerpoint/2010/main" val="3243846298"/>
+        <p14:creationId xmlns:p14="http://schemas.microsoft.com/office/powerpoint/2010/main" val="975249408"/>
       </p:ext>
     </p:extLst>
   </p:cSld>
@@ -21956,225 +21718,231 @@
       </p:grpSpPr>
       <p:sp>
         <p:nvSpPr>
-          <p:cNvPr id="20" name="Datumsplatzhalter 19">
-            <a:extLst>
-              <a:ext uri="{FF2B5EF4-FFF2-40B4-BE49-F238E27FC236}">
-                <a16:creationId xmlns:a16="http://schemas.microsoft.com/office/drawing/2014/main" id="{A74D661B-510C-4CF2-BF77-3EAFB649883D}"/>
-              </a:ext>
-            </a:extLst>
-          </p:cNvPr>
-          <p:cNvSpPr>
-            <a:spLocks noGrp="1"/>
-          </p:cNvSpPr>
-          <p:nvPr>
-            <p:ph type="dt" sz="half" idx="20"/>
-          </p:nvPr>
-        </p:nvSpPr>
-        <p:spPr>
-          <a:xfrm>
-            <a:off x="5919680" y="6356350"/>
-            <a:ext cx="947516" cy="365125"/>
+          <p:cNvPr id="2" name="Titel 1">
+            <a:extLst>
+              <a:ext uri="{FF2B5EF4-FFF2-40B4-BE49-F238E27FC236}">
+                <a16:creationId xmlns:a16="http://schemas.microsoft.com/office/drawing/2014/main" id="{39605AF1-623C-4E09-AB5D-8DD0571489F6}"/>
+              </a:ext>
+            </a:extLst>
+          </p:cNvPr>
+          <p:cNvSpPr>
+            <a:spLocks noGrp="1"/>
+          </p:cNvSpPr>
+          <p:nvPr>
+            <p:ph type="title"/>
+          </p:nvPr>
+        </p:nvSpPr>
+        <p:spPr>
+          <a:xfrm>
+            <a:off x="5309419" y="3215149"/>
+            <a:ext cx="6597446" cy="766916"/>
+          </a:xfrm>
+        </p:spPr>
+        <p:txBody>
+          <a:bodyPr rtlCol="0">
+            <a:normAutofit fontScale="90000"/>
+          </a:bodyPr>
+          <a:lstStyle/>
+          <a:p>
+            <a:pPr rtl="0"/>
+            <a:r>
+              <a:rPr lang="de-DE" dirty="0"/>
+              <a:t>Danke für ihre </a:t>
+            </a:r>
+            <a:r>
+              <a:rPr lang="de-DE" sz="3200" dirty="0"/>
+              <a:t>Aufmerksamkeit</a:t>
+            </a:r>
+            <a:endParaRPr lang="de-DE" dirty="0"/>
+          </a:p>
+        </p:txBody>
+      </p:sp>
+      <p:sp>
+        <p:nvSpPr>
+          <p:cNvPr id="6" name="Foliennummernplatzhalter 5">
+            <a:extLst>
+              <a:ext uri="{FF2B5EF4-FFF2-40B4-BE49-F238E27FC236}">
+                <a16:creationId xmlns:a16="http://schemas.microsoft.com/office/drawing/2014/main" id="{BA32F697-D1D4-4B0A-B960-D1869BF8607A}"/>
+              </a:ext>
+            </a:extLst>
+          </p:cNvPr>
+          <p:cNvSpPr>
+            <a:spLocks noGrp="1"/>
+          </p:cNvSpPr>
+          <p:nvPr>
+            <p:ph type="sldNum" sz="quarter" idx="12"/>
+          </p:nvPr>
+        </p:nvSpPr>
+        <p:spPr>
+          <a:xfrm>
+            <a:off x="8610600" y="6356350"/>
+            <a:ext cx="2743200" cy="365125"/>
           </a:xfrm>
         </p:spPr>
         <p:txBody>
           <a:bodyPr rtlCol="0"/>
           <a:lstStyle/>
           <a:p>
-            <a:pPr marL="0" marR="0" lvl="0" indent="0" algn="l" defTabSz="914400" rtl="0" eaLnBrk="1" fontAlgn="auto" latinLnBrk="0" hangingPunct="1">
-              <a:lnSpc>
-                <a:spcPct val="100000"/>
-              </a:lnSpc>
-              <a:spcBef>
-                <a:spcPts val="0"/>
-              </a:spcBef>
-              <a:spcAft>
-                <a:spcPts val="0"/>
-              </a:spcAft>
-              <a:buClrTx/>
-              <a:buSzTx/>
-              <a:buFontTx/>
-              <a:buNone/>
-              <a:tabLst/>
+            <a:pPr rtl="0"/>
+            <a:r>
+              <a:rPr lang="de-DE" dirty="0"/>
+              <a:t>18/18</a:t>
+            </a:r>
+          </a:p>
+        </p:txBody>
+      </p:sp>
+      <p:sp>
+        <p:nvSpPr>
+          <p:cNvPr id="3" name="Datumsplatzhalter 19">
+            <a:extLst>
+              <a:ext uri="{FF2B5EF4-FFF2-40B4-BE49-F238E27FC236}">
+                <a16:creationId xmlns:a16="http://schemas.microsoft.com/office/drawing/2014/main" id="{5832FA3A-6247-E200-8EDE-96D070180875}"/>
+              </a:ext>
+            </a:extLst>
+          </p:cNvPr>
+          <p:cNvSpPr txBox="1">
+            <a:spLocks/>
+          </p:cNvSpPr>
+          <p:nvPr/>
+        </p:nvSpPr>
+        <p:spPr>
+          <a:xfrm>
+            <a:off x="5919680" y="6425800"/>
+            <a:ext cx="947516" cy="365125"/>
+          </a:xfrm>
+          <a:prstGeom prst="rect">
+            <a:avLst/>
+          </a:prstGeom>
+        </p:spPr>
+        <p:txBody>
+          <a:bodyPr rtlCol="0"/>
+          <a:lstStyle>
+            <a:defPPr rtl="0">
+              <a:defRPr lang="de-DE"/>
+            </a:defPPr>
+            <a:lvl1pPr marL="0" algn="l" defTabSz="914400" rtl="0" eaLnBrk="1" latinLnBrk="0" hangingPunct="1">
+              <a:defRPr sz="1800" kern="1200">
+                <a:solidFill>
+                  <a:schemeClr val="tx1"/>
+                </a:solidFill>
+                <a:latin typeface="+mn-lt"/>
+                <a:ea typeface="+mn-ea"/>
+                <a:cs typeface="+mn-cs"/>
+              </a:defRPr>
+            </a:lvl1pPr>
+            <a:lvl2pPr marL="457200" algn="l" defTabSz="914400" rtl="0" eaLnBrk="1" latinLnBrk="0" hangingPunct="1">
+              <a:defRPr sz="1800" kern="1200">
+                <a:solidFill>
+                  <a:schemeClr val="tx1"/>
+                </a:solidFill>
+                <a:latin typeface="+mn-lt"/>
+                <a:ea typeface="+mn-ea"/>
+                <a:cs typeface="+mn-cs"/>
+              </a:defRPr>
+            </a:lvl2pPr>
+            <a:lvl3pPr marL="914400" algn="l" defTabSz="914400" rtl="0" eaLnBrk="1" latinLnBrk="0" hangingPunct="1">
+              <a:defRPr sz="1800" kern="1200">
+                <a:solidFill>
+                  <a:schemeClr val="tx1"/>
+                </a:solidFill>
+                <a:latin typeface="+mn-lt"/>
+                <a:ea typeface="+mn-ea"/>
+                <a:cs typeface="+mn-cs"/>
+              </a:defRPr>
+            </a:lvl3pPr>
+            <a:lvl4pPr marL="1371600" algn="l" defTabSz="914400" rtl="0" eaLnBrk="1" latinLnBrk="0" hangingPunct="1">
+              <a:defRPr sz="1800" kern="1200">
+                <a:solidFill>
+                  <a:schemeClr val="tx1"/>
+                </a:solidFill>
+                <a:latin typeface="+mn-lt"/>
+                <a:ea typeface="+mn-ea"/>
+                <a:cs typeface="+mn-cs"/>
+              </a:defRPr>
+            </a:lvl4pPr>
+            <a:lvl5pPr marL="1828800" algn="l" defTabSz="914400" rtl="0" eaLnBrk="1" latinLnBrk="0" hangingPunct="1">
+              <a:defRPr sz="1800" kern="1200">
+                <a:solidFill>
+                  <a:schemeClr val="tx1"/>
+                </a:solidFill>
+                <a:latin typeface="+mn-lt"/>
+                <a:ea typeface="+mn-ea"/>
+                <a:cs typeface="+mn-cs"/>
+              </a:defRPr>
+            </a:lvl5pPr>
+            <a:lvl6pPr marL="2286000" algn="l" defTabSz="914400" rtl="0" eaLnBrk="1" latinLnBrk="0" hangingPunct="1">
+              <a:defRPr sz="1800" kern="1200">
+                <a:solidFill>
+                  <a:schemeClr val="tx1"/>
+                </a:solidFill>
+                <a:latin typeface="+mn-lt"/>
+                <a:ea typeface="+mn-ea"/>
+                <a:cs typeface="+mn-cs"/>
+              </a:defRPr>
+            </a:lvl6pPr>
+            <a:lvl7pPr marL="2743200" algn="l" defTabSz="914400" rtl="0" eaLnBrk="1" latinLnBrk="0" hangingPunct="1">
+              <a:defRPr sz="1800" kern="1200">
+                <a:solidFill>
+                  <a:schemeClr val="tx1"/>
+                </a:solidFill>
+                <a:latin typeface="+mn-lt"/>
+                <a:ea typeface="+mn-ea"/>
+                <a:cs typeface="+mn-cs"/>
+              </a:defRPr>
+            </a:lvl7pPr>
+            <a:lvl8pPr marL="3200400" algn="l" defTabSz="914400" rtl="0" eaLnBrk="1" latinLnBrk="0" hangingPunct="1">
+              <a:defRPr sz="1800" kern="1200">
+                <a:solidFill>
+                  <a:schemeClr val="tx1"/>
+                </a:solidFill>
+                <a:latin typeface="+mn-lt"/>
+                <a:ea typeface="+mn-ea"/>
+                <a:cs typeface="+mn-cs"/>
+              </a:defRPr>
+            </a:lvl8pPr>
+            <a:lvl9pPr marL="3657600" algn="l" defTabSz="914400" rtl="0" eaLnBrk="1" latinLnBrk="0" hangingPunct="1">
+              <a:defRPr sz="1800" kern="1200">
+                <a:solidFill>
+                  <a:schemeClr val="tx1"/>
+                </a:solidFill>
+                <a:latin typeface="+mn-lt"/>
+                <a:ea typeface="+mn-ea"/>
+                <a:cs typeface="+mn-cs"/>
+              </a:defRPr>
+            </a:lvl9pPr>
+          </a:lstStyle>
+          <a:p>
+            <a:pPr>
               <a:defRPr/>
             </a:pPr>
             <a:r>
-              <a:rPr kumimoji="0" lang="de-DE" sz="900" b="0" i="0" u="none" strike="noStrike" kern="1200" cap="none" spc="0" normalizeH="0" baseline="0" noProof="0" dirty="0">
-                <a:ln>
-                  <a:noFill/>
-                </a:ln>
+              <a:rPr lang="de-DE" sz="900">
                 <a:solidFill>
                   <a:prstClr val="black">
                     <a:tint val="75000"/>
                   </a:prstClr>
                 </a:solidFill>
-                <a:effectLst/>
-                <a:uLnTx/>
-                <a:uFillTx/>
                 <a:latin typeface="Tenorite"/>
-                <a:ea typeface="+mn-ea"/>
-                <a:cs typeface="+mn-cs"/>
               </a:rPr>
               <a:t>2023</a:t>
             </a:r>
-          </a:p>
-        </p:txBody>
-      </p:sp>
-      <p:sp>
-        <p:nvSpPr>
-          <p:cNvPr id="21" name="Fußzeilenplatzhalter 20">
-            <a:extLst>
-              <a:ext uri="{FF2B5EF4-FFF2-40B4-BE49-F238E27FC236}">
-                <a16:creationId xmlns:a16="http://schemas.microsoft.com/office/drawing/2014/main" id="{7E44CAC0-3B5A-49F6-A2CB-0BC80D111A87}"/>
-              </a:ext>
-            </a:extLst>
-          </p:cNvPr>
-          <p:cNvSpPr>
-            <a:spLocks noGrp="1"/>
-          </p:cNvSpPr>
-          <p:nvPr>
-            <p:ph type="ftr" sz="quarter" idx="21"/>
-          </p:nvPr>
-        </p:nvSpPr>
-        <p:spPr>
-          <a:xfrm>
-            <a:off x="7161955" y="6356350"/>
-            <a:ext cx="3243942" cy="365125"/>
-          </a:xfrm>
-        </p:spPr>
-        <p:txBody>
-          <a:bodyPr rtlCol="0"/>
-          <a:lstStyle/>
-          <a:p>
-            <a:pPr marL="0" marR="0" lvl="0" indent="0" algn="ctr" defTabSz="914400" rtl="0" eaLnBrk="1" fontAlgn="auto" latinLnBrk="0" hangingPunct="1">
-              <a:lnSpc>
-                <a:spcPct val="100000"/>
-              </a:lnSpc>
-              <a:spcBef>
-                <a:spcPts val="0"/>
-              </a:spcBef>
-              <a:spcAft>
-                <a:spcPts val="0"/>
-              </a:spcAft>
-              <a:buClrTx/>
-              <a:buSzTx/>
-              <a:buFontTx/>
-              <a:buNone/>
-              <a:tabLst/>
-              <a:defRPr/>
-            </a:pPr>
-            <a:r>
-              <a:rPr kumimoji="0" lang="de-DE" sz="900" b="0" i="0" u="none" strike="noStrike" kern="1200" cap="none" spc="0" normalizeH="0" baseline="0" noProof="0" dirty="0">
-                <a:ln>
-                  <a:noFill/>
-                </a:ln>
-                <a:solidFill>
-                  <a:prstClr val="black">
-                    <a:tint val="75000"/>
-                  </a:prstClr>
-                </a:solidFill>
-                <a:effectLst/>
-                <a:uLnTx/>
-                <a:uFillTx/>
-                <a:latin typeface="Tenorite"/>
-                <a:ea typeface="+mn-ea"/>
-                <a:cs typeface="+mn-cs"/>
-              </a:rPr>
-              <a:t>RAID</a:t>
-            </a:r>
-          </a:p>
-        </p:txBody>
-      </p:sp>
-      <p:sp>
-        <p:nvSpPr>
-          <p:cNvPr id="22" name="Foliennummernplatzhalter 21">
-            <a:extLst>
-              <a:ext uri="{FF2B5EF4-FFF2-40B4-BE49-F238E27FC236}">
-                <a16:creationId xmlns:a16="http://schemas.microsoft.com/office/drawing/2014/main" id="{5D1BD041-3428-4D62-934F-F3FF6D36F90F}"/>
-              </a:ext>
-            </a:extLst>
-          </p:cNvPr>
-          <p:cNvSpPr>
-            <a:spLocks noGrp="1"/>
-          </p:cNvSpPr>
-          <p:nvPr>
-            <p:ph type="sldNum" sz="quarter" idx="22"/>
-          </p:nvPr>
-        </p:nvSpPr>
-        <p:spPr>
-          <a:xfrm>
-            <a:off x="10700656" y="6356350"/>
-            <a:ext cx="653143" cy="365125"/>
-          </a:xfrm>
-        </p:spPr>
-        <p:txBody>
-          <a:bodyPr rtlCol="0"/>
-          <a:lstStyle/>
-          <a:p>
-            <a:pPr marL="0" marR="0" lvl="0" indent="0" algn="r" defTabSz="914400" rtl="0" eaLnBrk="1" fontAlgn="auto" latinLnBrk="0" hangingPunct="1">
-              <a:lnSpc>
-                <a:spcPct val="100000"/>
-              </a:lnSpc>
-              <a:spcBef>
-                <a:spcPts val="0"/>
-              </a:spcBef>
-              <a:spcAft>
-                <a:spcPts val="0"/>
-              </a:spcAft>
-              <a:buClrTx/>
-              <a:buSzTx/>
-              <a:buFontTx/>
-              <a:buNone/>
-              <a:tabLst/>
-              <a:defRPr/>
-            </a:pPr>
-            <a:r>
-              <a:rPr kumimoji="0" lang="de-DE" sz="900" b="0" i="0" u="none" strike="noStrike" kern="1200" cap="none" spc="0" normalizeH="0" baseline="0" noProof="0" dirty="0">
-                <a:ln>
-                  <a:noFill/>
-                </a:ln>
-                <a:solidFill>
-                  <a:prstClr val="black">
-                    <a:tint val="75000"/>
-                  </a:prstClr>
-                </a:solidFill>
-                <a:effectLst/>
-                <a:uLnTx/>
-                <a:uFillTx/>
-                <a:latin typeface="Tenorite"/>
-                <a:ea typeface="+mn-ea"/>
-                <a:cs typeface="+mn-cs"/>
-              </a:rPr>
-              <a:t>18</a:t>
-            </a:r>
-            <a:r>
-              <a:rPr lang="de-DE" dirty="0"/>
-              <a:t>/19</a:t>
-            </a:r>
-            <a:endParaRPr kumimoji="0" lang="de-DE" sz="900" b="0" i="0" u="none" strike="noStrike" kern="1200" cap="none" spc="0" normalizeH="0" baseline="0" noProof="0" dirty="0">
-              <a:ln>
-                <a:noFill/>
-              </a:ln>
+            <a:endParaRPr lang="de-DE" sz="900" dirty="0">
               <a:solidFill>
                 <a:prstClr val="black">
                   <a:tint val="75000"/>
                 </a:prstClr>
               </a:solidFill>
-              <a:effectLst/>
-              <a:uLnTx/>
-              <a:uFillTx/>
               <a:latin typeface="Tenorite"/>
-              <a:ea typeface="+mn-ea"/>
-              <a:cs typeface="+mn-cs"/>
             </a:endParaRPr>
           </a:p>
         </p:txBody>
       </p:sp>
       <p:sp>
         <p:nvSpPr>
-          <p:cNvPr id="5" name="Titel 1">
-            <a:extLst>
-              <a:ext uri="{FF2B5EF4-FFF2-40B4-BE49-F238E27FC236}">
-                <a16:creationId xmlns:a16="http://schemas.microsoft.com/office/drawing/2014/main" id="{55DBED79-4C43-459F-3C6C-ECEE3774EC55}"/>
+          <p:cNvPr id="7" name="Fußzeilenplatzhalter 20">
+            <a:extLst>
+              <a:ext uri="{FF2B5EF4-FFF2-40B4-BE49-F238E27FC236}">
+                <a16:creationId xmlns:a16="http://schemas.microsoft.com/office/drawing/2014/main" id="{C7A18921-BE22-2882-DDD4-E70BB6762FA0}"/>
               </a:ext>
             </a:extLst>
           </p:cNvPr>
@@ -22185,246 +21953,132 @@
         </p:nvSpPr>
         <p:spPr>
           <a:xfrm>
-            <a:off x="4602510" y="105066"/>
-            <a:ext cx="5211184" cy="563528"/>
+            <a:off x="7161955" y="6425800"/>
+            <a:ext cx="3243942" cy="365125"/>
           </a:xfrm>
           <a:prstGeom prst="rect">
             <a:avLst/>
           </a:prstGeom>
         </p:spPr>
         <p:txBody>
-          <a:bodyPr vert="horz" lIns="91440" tIns="45720" rIns="91440" bIns="45720" rtlCol="0" anchor="b">
-            <a:normAutofit/>
-          </a:bodyPr>
+          <a:bodyPr rtlCol="0"/>
           <a:lstStyle>
-            <a:lvl1pPr algn="l" defTabSz="914400" rtl="0" eaLnBrk="1" latinLnBrk="0" hangingPunct="1">
-              <a:lnSpc>
-                <a:spcPct val="90000"/>
-              </a:lnSpc>
-              <a:spcBef>
-                <a:spcPct val="0"/>
-              </a:spcBef>
-              <a:buNone/>
-              <a:defRPr lang="en-US" sz="2800" kern="1200" cap="all" spc="150" baseline="0" dirty="0">
+            <a:defPPr rtl="0">
+              <a:defRPr lang="de-DE"/>
+            </a:defPPr>
+            <a:lvl1pPr marL="0" algn="l" defTabSz="914400" rtl="0" eaLnBrk="1" latinLnBrk="0" hangingPunct="1">
+              <a:defRPr sz="1800" kern="1200">
                 <a:solidFill>
                   <a:schemeClr val="tx1"/>
                 </a:solidFill>
-                <a:latin typeface="+mj-lt"/>
-                <a:ea typeface="+mj-ea"/>
-                <a:cs typeface="+mj-cs"/>
+                <a:latin typeface="+mn-lt"/>
+                <a:ea typeface="+mn-ea"/>
+                <a:cs typeface="+mn-cs"/>
               </a:defRPr>
             </a:lvl1pPr>
+            <a:lvl2pPr marL="457200" algn="l" defTabSz="914400" rtl="0" eaLnBrk="1" latinLnBrk="0" hangingPunct="1">
+              <a:defRPr sz="1800" kern="1200">
+                <a:solidFill>
+                  <a:schemeClr val="tx1"/>
+                </a:solidFill>
+                <a:latin typeface="+mn-lt"/>
+                <a:ea typeface="+mn-ea"/>
+                <a:cs typeface="+mn-cs"/>
+              </a:defRPr>
+            </a:lvl2pPr>
+            <a:lvl3pPr marL="914400" algn="l" defTabSz="914400" rtl="0" eaLnBrk="1" latinLnBrk="0" hangingPunct="1">
+              <a:defRPr sz="1800" kern="1200">
+                <a:solidFill>
+                  <a:schemeClr val="tx1"/>
+                </a:solidFill>
+                <a:latin typeface="+mn-lt"/>
+                <a:ea typeface="+mn-ea"/>
+                <a:cs typeface="+mn-cs"/>
+              </a:defRPr>
+            </a:lvl3pPr>
+            <a:lvl4pPr marL="1371600" algn="l" defTabSz="914400" rtl="0" eaLnBrk="1" latinLnBrk="0" hangingPunct="1">
+              <a:defRPr sz="1800" kern="1200">
+                <a:solidFill>
+                  <a:schemeClr val="tx1"/>
+                </a:solidFill>
+                <a:latin typeface="+mn-lt"/>
+                <a:ea typeface="+mn-ea"/>
+                <a:cs typeface="+mn-cs"/>
+              </a:defRPr>
+            </a:lvl4pPr>
+            <a:lvl5pPr marL="1828800" algn="l" defTabSz="914400" rtl="0" eaLnBrk="1" latinLnBrk="0" hangingPunct="1">
+              <a:defRPr sz="1800" kern="1200">
+                <a:solidFill>
+                  <a:schemeClr val="tx1"/>
+                </a:solidFill>
+                <a:latin typeface="+mn-lt"/>
+                <a:ea typeface="+mn-ea"/>
+                <a:cs typeface="+mn-cs"/>
+              </a:defRPr>
+            </a:lvl5pPr>
+            <a:lvl6pPr marL="2286000" algn="l" defTabSz="914400" rtl="0" eaLnBrk="1" latinLnBrk="0" hangingPunct="1">
+              <a:defRPr sz="1800" kern="1200">
+                <a:solidFill>
+                  <a:schemeClr val="tx1"/>
+                </a:solidFill>
+                <a:latin typeface="+mn-lt"/>
+                <a:ea typeface="+mn-ea"/>
+                <a:cs typeface="+mn-cs"/>
+              </a:defRPr>
+            </a:lvl6pPr>
+            <a:lvl7pPr marL="2743200" algn="l" defTabSz="914400" rtl="0" eaLnBrk="1" latinLnBrk="0" hangingPunct="1">
+              <a:defRPr sz="1800" kern="1200">
+                <a:solidFill>
+                  <a:schemeClr val="tx1"/>
+                </a:solidFill>
+                <a:latin typeface="+mn-lt"/>
+                <a:ea typeface="+mn-ea"/>
+                <a:cs typeface="+mn-cs"/>
+              </a:defRPr>
+            </a:lvl7pPr>
+            <a:lvl8pPr marL="3200400" algn="l" defTabSz="914400" rtl="0" eaLnBrk="1" latinLnBrk="0" hangingPunct="1">
+              <a:defRPr sz="1800" kern="1200">
+                <a:solidFill>
+                  <a:schemeClr val="tx1"/>
+                </a:solidFill>
+                <a:latin typeface="+mn-lt"/>
+                <a:ea typeface="+mn-ea"/>
+                <a:cs typeface="+mn-cs"/>
+              </a:defRPr>
+            </a:lvl8pPr>
+            <a:lvl9pPr marL="3657600" algn="l" defTabSz="914400" rtl="0" eaLnBrk="1" latinLnBrk="0" hangingPunct="1">
+              <a:defRPr sz="1800" kern="1200">
+                <a:solidFill>
+                  <a:schemeClr val="tx1"/>
+                </a:solidFill>
+                <a:latin typeface="+mn-lt"/>
+                <a:ea typeface="+mn-ea"/>
+                <a:cs typeface="+mn-cs"/>
+              </a:defRPr>
+            </a:lvl9pPr>
           </a:lstStyle>
           <a:p>
-            <a:pPr marL="0" marR="0" lvl="0" indent="0" algn="l" defTabSz="914400" rtl="0" eaLnBrk="1" fontAlgn="auto" latinLnBrk="0" hangingPunct="1">
-              <a:lnSpc>
-                <a:spcPct val="90000"/>
-              </a:lnSpc>
-              <a:spcBef>
-                <a:spcPct val="0"/>
-              </a:spcBef>
-              <a:spcAft>
-                <a:spcPts val="0"/>
-              </a:spcAft>
-              <a:buClrTx/>
-              <a:buSzTx/>
-              <a:buFontTx/>
-              <a:buNone/>
-              <a:tabLst/>
+            <a:pPr algn="ctr">
               <a:defRPr/>
             </a:pPr>
             <a:r>
-              <a:rPr kumimoji="0" lang="de-DE" sz="3200" b="0" i="0" u="none" strike="noStrike" kern="1200" cap="all" spc="150" normalizeH="0" baseline="0" noProof="0" dirty="0">
-                <a:ln>
-                  <a:noFill/>
-                </a:ln>
-                <a:solidFill>
-                  <a:prstClr val="black"/>
-                </a:solidFill>
-                <a:effectLst/>
-                <a:uLnTx/>
-                <a:uFillTx/>
+              <a:rPr lang="de-DE" sz="900">
+                <a:solidFill>
+                  <a:prstClr val="black">
+                    <a:tint val="75000"/>
+                  </a:prstClr>
+                </a:solidFill>
                 <a:latin typeface="Tenorite"/>
-                <a:ea typeface="+mj-ea"/>
-                <a:cs typeface="+mj-cs"/>
               </a:rPr>
-              <a:t>Quellenverzeichnis</a:t>
-            </a:r>
-          </a:p>
-        </p:txBody>
-      </p:sp>
-      <p:sp>
-        <p:nvSpPr>
-          <p:cNvPr id="7" name="TextBox 6">
-            <a:extLst>
-              <a:ext uri="{FF2B5EF4-FFF2-40B4-BE49-F238E27FC236}">
-                <a16:creationId xmlns:a16="http://schemas.microsoft.com/office/drawing/2014/main" id="{1DB5C10C-139C-FFFA-BC74-0F4FA8586D68}"/>
-              </a:ext>
-            </a:extLst>
-          </p:cNvPr>
-          <p:cNvSpPr txBox="1"/>
-          <p:nvPr/>
-        </p:nvSpPr>
-        <p:spPr>
-          <a:xfrm>
-            <a:off x="4600423" y="1518410"/>
-            <a:ext cx="6252631" cy="3785652"/>
-          </a:xfrm>
-          <a:prstGeom prst="rect">
-            <a:avLst/>
-          </a:prstGeom>
-          <a:noFill/>
-        </p:spPr>
-        <p:txBody>
-          <a:bodyPr wrap="square">
-            <a:spAutoFit/>
-          </a:bodyPr>
-          <a:lstStyle/>
-          <a:p>
-            <a:pPr lvl="0">
-              <a:defRPr/>
-            </a:pPr>
-            <a:r>
-              <a:rPr lang="de-DE" sz="2000" dirty="0">
-                <a:solidFill>
-                  <a:prstClr val="black"/>
-                </a:solidFill>
-                <a:hlinkClick r:id="rId3"/>
-              </a:rPr>
-              <a:t>https://www.globalsystem.ch/ratgeber/raid-systeme-erklaert/</a:t>
-            </a:r>
-            <a:r>
-              <a:rPr lang="de-DE" sz="2000" dirty="0">
-                <a:solidFill>
-                  <a:prstClr val="black"/>
-                </a:solidFill>
-              </a:rPr>
-              <a:t> </a:t>
-            </a:r>
-          </a:p>
-          <a:p>
-            <a:pPr lvl="0">
-              <a:defRPr/>
-            </a:pPr>
-            <a:r>
-              <a:rPr lang="de-DE" sz="2000" dirty="0">
-                <a:solidFill>
-                  <a:prstClr val="black"/>
-                </a:solidFill>
-              </a:rPr>
-              <a:t>Bild und Informationsquelle</a:t>
-            </a:r>
-          </a:p>
-          <a:p>
-            <a:pPr lvl="0">
-              <a:defRPr/>
-            </a:pPr>
-            <a:endParaRPr lang="de-DE" sz="2000" dirty="0">
+              <a:t>RAID</a:t>
+            </a:r>
+            <a:endParaRPr lang="de-DE" sz="900" dirty="0">
               <a:solidFill>
-                <a:prstClr val="black"/>
+                <a:prstClr val="black">
+                  <a:tint val="75000"/>
+                </a:prstClr>
               </a:solidFill>
-            </a:endParaRPr>
-          </a:p>
-          <a:p>
-            <a:pPr lvl="0">
-              <a:defRPr/>
-            </a:pPr>
-            <a:r>
-              <a:rPr lang="de-DE" sz="2000" dirty="0">
-                <a:solidFill>
-                  <a:prstClr val="black"/>
-                </a:solidFill>
-                <a:hlinkClick r:id="rId4"/>
-              </a:rPr>
-              <a:t>https://premioinc.com/blogs/blog/hardware-vs-software-raid-differences-pros-cons</a:t>
-            </a:r>
-            <a:endParaRPr lang="de-DE" sz="2000" dirty="0">
-              <a:solidFill>
-                <a:prstClr val="black"/>
-              </a:solidFill>
-            </a:endParaRPr>
-          </a:p>
-          <a:p>
-            <a:pPr lvl="0">
-              <a:defRPr/>
-            </a:pPr>
-            <a:r>
-              <a:rPr lang="de-DE" sz="2000" dirty="0">
-                <a:solidFill>
-                  <a:prstClr val="black"/>
-                </a:solidFill>
-              </a:rPr>
-              <a:t>Informationsquelle</a:t>
-            </a:r>
-          </a:p>
-          <a:p>
-            <a:pPr lvl="0">
-              <a:defRPr/>
-            </a:pPr>
-            <a:endParaRPr lang="de-DE" sz="2000" dirty="0">
-              <a:solidFill>
-                <a:prstClr val="black"/>
-              </a:solidFill>
-            </a:endParaRPr>
-          </a:p>
-          <a:p>
-            <a:pPr lvl="0">
-              <a:defRPr/>
-            </a:pPr>
-            <a:r>
-              <a:rPr lang="de-DE" sz="2000" dirty="0">
-                <a:solidFill>
-                  <a:prstClr val="black"/>
-                </a:solidFill>
-                <a:hlinkClick r:id="rId5"/>
-              </a:rPr>
-              <a:t>https://en.wikipedia.org/wiki/Standard_RAID_levels</a:t>
-            </a:r>
-            <a:r>
-              <a:rPr lang="de-DE" sz="2000" dirty="0">
-                <a:solidFill>
-                  <a:prstClr val="black"/>
-                </a:solidFill>
-              </a:rPr>
-              <a:t> Bildquelle</a:t>
-            </a:r>
-          </a:p>
-          <a:p>
-            <a:pPr lvl="0">
-              <a:defRPr/>
-            </a:pPr>
-            <a:endParaRPr kumimoji="0" lang="de-DE" sz="2000" b="0" i="0" u="none" strike="noStrike" kern="1200" cap="none" spc="0" normalizeH="0" baseline="0" noProof="0" dirty="0">
-              <a:ln>
-                <a:noFill/>
-              </a:ln>
-              <a:solidFill>
-                <a:prstClr val="black"/>
-              </a:solidFill>
-              <a:effectLst/>
-              <a:uLnTx/>
-              <a:uFillTx/>
               <a:latin typeface="Tenorite"/>
-              <a:ea typeface="+mn-ea"/>
-              <a:cs typeface="+mn-cs"/>
-            </a:endParaRPr>
-          </a:p>
-          <a:p>
-            <a:pPr lvl="0">
-              <a:defRPr/>
-            </a:pPr>
-            <a:endParaRPr kumimoji="0" lang="de-DE" sz="2000" b="0" i="0" u="none" strike="noStrike" kern="1200" cap="none" spc="0" normalizeH="0" baseline="0" noProof="0" dirty="0">
-              <a:ln>
-                <a:noFill/>
-              </a:ln>
-              <a:solidFill>
-                <a:prstClr val="black"/>
-              </a:solidFill>
-              <a:effectLst/>
-              <a:uLnTx/>
-              <a:uFillTx/>
-              <a:latin typeface="Tenorite"/>
-              <a:ea typeface="+mn-ea"/>
-              <a:cs typeface="+mn-cs"/>
             </a:endParaRPr>
           </a:p>
         </p:txBody>
@@ -22432,7 +22086,7 @@
     </p:spTree>
     <p:extLst>
       <p:ext uri="{BB962C8B-B14F-4D97-AF65-F5344CB8AC3E}">
-        <p14:creationId xmlns:p14="http://schemas.microsoft.com/office/powerpoint/2010/main" val="975249408"/>
+        <p14:creationId xmlns:p14="http://schemas.microsoft.com/office/powerpoint/2010/main" val="1472106130"/>
       </p:ext>
     </p:extLst>
   </p:cSld>
@@ -22645,7 +22299,7 @@
             <a:pPr rtl="0"/>
             <a:r>
               <a:rPr lang="de-DE" dirty="0"/>
-              <a:t>1/19</a:t>
+              <a:t>1/18</a:t>
             </a:r>
           </a:p>
         </p:txBody>
@@ -22757,403 +22411,6 @@
     <p:extLst>
       <p:ext uri="{BB962C8B-B14F-4D97-AF65-F5344CB8AC3E}">
         <p14:creationId xmlns:p14="http://schemas.microsoft.com/office/powerpoint/2010/main" val="1844941827"/>
-      </p:ext>
-    </p:extLst>
-  </p:cSld>
-  <p:clrMapOvr>
-    <a:masterClrMapping/>
-  </p:clrMapOvr>
-</p:sld>
-</file>
-
-<file path=ppt/slides/slide20.xml><?xml version="1.0" encoding="utf-8"?>
-<p:sld xmlns:a="http://schemas.openxmlformats.org/drawingml/2006/main" xmlns:r="http://schemas.openxmlformats.org/officeDocument/2006/relationships" xmlns:p="http://schemas.openxmlformats.org/presentationml/2006/main">
-  <p:cSld>
-    <p:spTree>
-      <p:nvGrpSpPr>
-        <p:cNvPr id="1" name=""/>
-        <p:cNvGrpSpPr/>
-        <p:nvPr/>
-      </p:nvGrpSpPr>
-      <p:grpSpPr>
-        <a:xfrm>
-          <a:off x="0" y="0"/>
-          <a:ext cx="0" cy="0"/>
-          <a:chOff x="0" y="0"/>
-          <a:chExt cx="0" cy="0"/>
-        </a:xfrm>
-      </p:grpSpPr>
-      <p:sp>
-        <p:nvSpPr>
-          <p:cNvPr id="2" name="Titel 1">
-            <a:extLst>
-              <a:ext uri="{FF2B5EF4-FFF2-40B4-BE49-F238E27FC236}">
-                <a16:creationId xmlns:a16="http://schemas.microsoft.com/office/drawing/2014/main" id="{39605AF1-623C-4E09-AB5D-8DD0571489F6}"/>
-              </a:ext>
-            </a:extLst>
-          </p:cNvPr>
-          <p:cNvSpPr>
-            <a:spLocks noGrp="1"/>
-          </p:cNvSpPr>
-          <p:nvPr>
-            <p:ph type="title"/>
-          </p:nvPr>
-        </p:nvSpPr>
-        <p:spPr>
-          <a:xfrm>
-            <a:off x="5309419" y="3215149"/>
-            <a:ext cx="6597446" cy="766916"/>
-          </a:xfrm>
-        </p:spPr>
-        <p:txBody>
-          <a:bodyPr rtlCol="0">
-            <a:normAutofit fontScale="90000"/>
-          </a:bodyPr>
-          <a:lstStyle/>
-          <a:p>
-            <a:pPr rtl="0"/>
-            <a:r>
-              <a:rPr lang="de-DE" dirty="0"/>
-              <a:t>Danke für ihre </a:t>
-            </a:r>
-            <a:r>
-              <a:rPr lang="de-DE" sz="3200" dirty="0"/>
-              <a:t>Aufmerksamkeit</a:t>
-            </a:r>
-            <a:endParaRPr lang="de-DE" dirty="0"/>
-          </a:p>
-        </p:txBody>
-      </p:sp>
-      <p:sp>
-        <p:nvSpPr>
-          <p:cNvPr id="6" name="Foliennummernplatzhalter 5">
-            <a:extLst>
-              <a:ext uri="{FF2B5EF4-FFF2-40B4-BE49-F238E27FC236}">
-                <a16:creationId xmlns:a16="http://schemas.microsoft.com/office/drawing/2014/main" id="{BA32F697-D1D4-4B0A-B960-D1869BF8607A}"/>
-              </a:ext>
-            </a:extLst>
-          </p:cNvPr>
-          <p:cNvSpPr>
-            <a:spLocks noGrp="1"/>
-          </p:cNvSpPr>
-          <p:nvPr>
-            <p:ph type="sldNum" sz="quarter" idx="12"/>
-          </p:nvPr>
-        </p:nvSpPr>
-        <p:spPr>
-          <a:xfrm>
-            <a:off x="8610600" y="6356350"/>
-            <a:ext cx="2743200" cy="365125"/>
-          </a:xfrm>
-        </p:spPr>
-        <p:txBody>
-          <a:bodyPr rtlCol="0"/>
-          <a:lstStyle/>
-          <a:p>
-            <a:pPr rtl="0"/>
-            <a:r>
-              <a:rPr lang="de-DE" dirty="0"/>
-              <a:t>19/19</a:t>
-            </a:r>
-          </a:p>
-        </p:txBody>
-      </p:sp>
-      <p:sp>
-        <p:nvSpPr>
-          <p:cNvPr id="3" name="Datumsplatzhalter 19">
-            <a:extLst>
-              <a:ext uri="{FF2B5EF4-FFF2-40B4-BE49-F238E27FC236}">
-                <a16:creationId xmlns:a16="http://schemas.microsoft.com/office/drawing/2014/main" id="{5832FA3A-6247-E200-8EDE-96D070180875}"/>
-              </a:ext>
-            </a:extLst>
-          </p:cNvPr>
-          <p:cNvSpPr txBox="1">
-            <a:spLocks/>
-          </p:cNvSpPr>
-          <p:nvPr/>
-        </p:nvSpPr>
-        <p:spPr>
-          <a:xfrm>
-            <a:off x="5919680" y="6425800"/>
-            <a:ext cx="947516" cy="365125"/>
-          </a:xfrm>
-          <a:prstGeom prst="rect">
-            <a:avLst/>
-          </a:prstGeom>
-        </p:spPr>
-        <p:txBody>
-          <a:bodyPr rtlCol="0"/>
-          <a:lstStyle>
-            <a:defPPr rtl="0">
-              <a:defRPr lang="de-DE"/>
-            </a:defPPr>
-            <a:lvl1pPr marL="0" algn="l" defTabSz="914400" rtl="0" eaLnBrk="1" latinLnBrk="0" hangingPunct="1">
-              <a:defRPr sz="1800" kern="1200">
-                <a:solidFill>
-                  <a:schemeClr val="tx1"/>
-                </a:solidFill>
-                <a:latin typeface="+mn-lt"/>
-                <a:ea typeface="+mn-ea"/>
-                <a:cs typeface="+mn-cs"/>
-              </a:defRPr>
-            </a:lvl1pPr>
-            <a:lvl2pPr marL="457200" algn="l" defTabSz="914400" rtl="0" eaLnBrk="1" latinLnBrk="0" hangingPunct="1">
-              <a:defRPr sz="1800" kern="1200">
-                <a:solidFill>
-                  <a:schemeClr val="tx1"/>
-                </a:solidFill>
-                <a:latin typeface="+mn-lt"/>
-                <a:ea typeface="+mn-ea"/>
-                <a:cs typeface="+mn-cs"/>
-              </a:defRPr>
-            </a:lvl2pPr>
-            <a:lvl3pPr marL="914400" algn="l" defTabSz="914400" rtl="0" eaLnBrk="1" latinLnBrk="0" hangingPunct="1">
-              <a:defRPr sz="1800" kern="1200">
-                <a:solidFill>
-                  <a:schemeClr val="tx1"/>
-                </a:solidFill>
-                <a:latin typeface="+mn-lt"/>
-                <a:ea typeface="+mn-ea"/>
-                <a:cs typeface="+mn-cs"/>
-              </a:defRPr>
-            </a:lvl3pPr>
-            <a:lvl4pPr marL="1371600" algn="l" defTabSz="914400" rtl="0" eaLnBrk="1" latinLnBrk="0" hangingPunct="1">
-              <a:defRPr sz="1800" kern="1200">
-                <a:solidFill>
-                  <a:schemeClr val="tx1"/>
-                </a:solidFill>
-                <a:latin typeface="+mn-lt"/>
-                <a:ea typeface="+mn-ea"/>
-                <a:cs typeface="+mn-cs"/>
-              </a:defRPr>
-            </a:lvl4pPr>
-            <a:lvl5pPr marL="1828800" algn="l" defTabSz="914400" rtl="0" eaLnBrk="1" latinLnBrk="0" hangingPunct="1">
-              <a:defRPr sz="1800" kern="1200">
-                <a:solidFill>
-                  <a:schemeClr val="tx1"/>
-                </a:solidFill>
-                <a:latin typeface="+mn-lt"/>
-                <a:ea typeface="+mn-ea"/>
-                <a:cs typeface="+mn-cs"/>
-              </a:defRPr>
-            </a:lvl5pPr>
-            <a:lvl6pPr marL="2286000" algn="l" defTabSz="914400" rtl="0" eaLnBrk="1" latinLnBrk="0" hangingPunct="1">
-              <a:defRPr sz="1800" kern="1200">
-                <a:solidFill>
-                  <a:schemeClr val="tx1"/>
-                </a:solidFill>
-                <a:latin typeface="+mn-lt"/>
-                <a:ea typeface="+mn-ea"/>
-                <a:cs typeface="+mn-cs"/>
-              </a:defRPr>
-            </a:lvl6pPr>
-            <a:lvl7pPr marL="2743200" algn="l" defTabSz="914400" rtl="0" eaLnBrk="1" latinLnBrk="0" hangingPunct="1">
-              <a:defRPr sz="1800" kern="1200">
-                <a:solidFill>
-                  <a:schemeClr val="tx1"/>
-                </a:solidFill>
-                <a:latin typeface="+mn-lt"/>
-                <a:ea typeface="+mn-ea"/>
-                <a:cs typeface="+mn-cs"/>
-              </a:defRPr>
-            </a:lvl7pPr>
-            <a:lvl8pPr marL="3200400" algn="l" defTabSz="914400" rtl="0" eaLnBrk="1" latinLnBrk="0" hangingPunct="1">
-              <a:defRPr sz="1800" kern="1200">
-                <a:solidFill>
-                  <a:schemeClr val="tx1"/>
-                </a:solidFill>
-                <a:latin typeface="+mn-lt"/>
-                <a:ea typeface="+mn-ea"/>
-                <a:cs typeface="+mn-cs"/>
-              </a:defRPr>
-            </a:lvl8pPr>
-            <a:lvl9pPr marL="3657600" algn="l" defTabSz="914400" rtl="0" eaLnBrk="1" latinLnBrk="0" hangingPunct="1">
-              <a:defRPr sz="1800" kern="1200">
-                <a:solidFill>
-                  <a:schemeClr val="tx1"/>
-                </a:solidFill>
-                <a:latin typeface="+mn-lt"/>
-                <a:ea typeface="+mn-ea"/>
-                <a:cs typeface="+mn-cs"/>
-              </a:defRPr>
-            </a:lvl9pPr>
-          </a:lstStyle>
-          <a:p>
-            <a:pPr>
-              <a:defRPr/>
-            </a:pPr>
-            <a:r>
-              <a:rPr lang="de-DE" sz="900">
-                <a:solidFill>
-                  <a:prstClr val="black">
-                    <a:tint val="75000"/>
-                  </a:prstClr>
-                </a:solidFill>
-                <a:latin typeface="Tenorite"/>
-              </a:rPr>
-              <a:t>2023</a:t>
-            </a:r>
-            <a:endParaRPr lang="de-DE" sz="900" dirty="0">
-              <a:solidFill>
-                <a:prstClr val="black">
-                  <a:tint val="75000"/>
-                </a:prstClr>
-              </a:solidFill>
-              <a:latin typeface="Tenorite"/>
-            </a:endParaRPr>
-          </a:p>
-        </p:txBody>
-      </p:sp>
-      <p:sp>
-        <p:nvSpPr>
-          <p:cNvPr id="7" name="Fußzeilenplatzhalter 20">
-            <a:extLst>
-              <a:ext uri="{FF2B5EF4-FFF2-40B4-BE49-F238E27FC236}">
-                <a16:creationId xmlns:a16="http://schemas.microsoft.com/office/drawing/2014/main" id="{C7A18921-BE22-2882-DDD4-E70BB6762FA0}"/>
-              </a:ext>
-            </a:extLst>
-          </p:cNvPr>
-          <p:cNvSpPr txBox="1">
-            <a:spLocks/>
-          </p:cNvSpPr>
-          <p:nvPr/>
-        </p:nvSpPr>
-        <p:spPr>
-          <a:xfrm>
-            <a:off x="7161955" y="6425800"/>
-            <a:ext cx="3243942" cy="365125"/>
-          </a:xfrm>
-          <a:prstGeom prst="rect">
-            <a:avLst/>
-          </a:prstGeom>
-        </p:spPr>
-        <p:txBody>
-          <a:bodyPr rtlCol="0"/>
-          <a:lstStyle>
-            <a:defPPr rtl="0">
-              <a:defRPr lang="de-DE"/>
-            </a:defPPr>
-            <a:lvl1pPr marL="0" algn="l" defTabSz="914400" rtl="0" eaLnBrk="1" latinLnBrk="0" hangingPunct="1">
-              <a:defRPr sz="1800" kern="1200">
-                <a:solidFill>
-                  <a:schemeClr val="tx1"/>
-                </a:solidFill>
-                <a:latin typeface="+mn-lt"/>
-                <a:ea typeface="+mn-ea"/>
-                <a:cs typeface="+mn-cs"/>
-              </a:defRPr>
-            </a:lvl1pPr>
-            <a:lvl2pPr marL="457200" algn="l" defTabSz="914400" rtl="0" eaLnBrk="1" latinLnBrk="0" hangingPunct="1">
-              <a:defRPr sz="1800" kern="1200">
-                <a:solidFill>
-                  <a:schemeClr val="tx1"/>
-                </a:solidFill>
-                <a:latin typeface="+mn-lt"/>
-                <a:ea typeface="+mn-ea"/>
-                <a:cs typeface="+mn-cs"/>
-              </a:defRPr>
-            </a:lvl2pPr>
-            <a:lvl3pPr marL="914400" algn="l" defTabSz="914400" rtl="0" eaLnBrk="1" latinLnBrk="0" hangingPunct="1">
-              <a:defRPr sz="1800" kern="1200">
-                <a:solidFill>
-                  <a:schemeClr val="tx1"/>
-                </a:solidFill>
-                <a:latin typeface="+mn-lt"/>
-                <a:ea typeface="+mn-ea"/>
-                <a:cs typeface="+mn-cs"/>
-              </a:defRPr>
-            </a:lvl3pPr>
-            <a:lvl4pPr marL="1371600" algn="l" defTabSz="914400" rtl="0" eaLnBrk="1" latinLnBrk="0" hangingPunct="1">
-              <a:defRPr sz="1800" kern="1200">
-                <a:solidFill>
-                  <a:schemeClr val="tx1"/>
-                </a:solidFill>
-                <a:latin typeface="+mn-lt"/>
-                <a:ea typeface="+mn-ea"/>
-                <a:cs typeface="+mn-cs"/>
-              </a:defRPr>
-            </a:lvl4pPr>
-            <a:lvl5pPr marL="1828800" algn="l" defTabSz="914400" rtl="0" eaLnBrk="1" latinLnBrk="0" hangingPunct="1">
-              <a:defRPr sz="1800" kern="1200">
-                <a:solidFill>
-                  <a:schemeClr val="tx1"/>
-                </a:solidFill>
-                <a:latin typeface="+mn-lt"/>
-                <a:ea typeface="+mn-ea"/>
-                <a:cs typeface="+mn-cs"/>
-              </a:defRPr>
-            </a:lvl5pPr>
-            <a:lvl6pPr marL="2286000" algn="l" defTabSz="914400" rtl="0" eaLnBrk="1" latinLnBrk="0" hangingPunct="1">
-              <a:defRPr sz="1800" kern="1200">
-                <a:solidFill>
-                  <a:schemeClr val="tx1"/>
-                </a:solidFill>
-                <a:latin typeface="+mn-lt"/>
-                <a:ea typeface="+mn-ea"/>
-                <a:cs typeface="+mn-cs"/>
-              </a:defRPr>
-            </a:lvl6pPr>
-            <a:lvl7pPr marL="2743200" algn="l" defTabSz="914400" rtl="0" eaLnBrk="1" latinLnBrk="0" hangingPunct="1">
-              <a:defRPr sz="1800" kern="1200">
-                <a:solidFill>
-                  <a:schemeClr val="tx1"/>
-                </a:solidFill>
-                <a:latin typeface="+mn-lt"/>
-                <a:ea typeface="+mn-ea"/>
-                <a:cs typeface="+mn-cs"/>
-              </a:defRPr>
-            </a:lvl7pPr>
-            <a:lvl8pPr marL="3200400" algn="l" defTabSz="914400" rtl="0" eaLnBrk="1" latinLnBrk="0" hangingPunct="1">
-              <a:defRPr sz="1800" kern="1200">
-                <a:solidFill>
-                  <a:schemeClr val="tx1"/>
-                </a:solidFill>
-                <a:latin typeface="+mn-lt"/>
-                <a:ea typeface="+mn-ea"/>
-                <a:cs typeface="+mn-cs"/>
-              </a:defRPr>
-            </a:lvl8pPr>
-            <a:lvl9pPr marL="3657600" algn="l" defTabSz="914400" rtl="0" eaLnBrk="1" latinLnBrk="0" hangingPunct="1">
-              <a:defRPr sz="1800" kern="1200">
-                <a:solidFill>
-                  <a:schemeClr val="tx1"/>
-                </a:solidFill>
-                <a:latin typeface="+mn-lt"/>
-                <a:ea typeface="+mn-ea"/>
-                <a:cs typeface="+mn-cs"/>
-              </a:defRPr>
-            </a:lvl9pPr>
-          </a:lstStyle>
-          <a:p>
-            <a:pPr algn="ctr">
-              <a:defRPr/>
-            </a:pPr>
-            <a:r>
-              <a:rPr lang="de-DE" sz="900">
-                <a:solidFill>
-                  <a:prstClr val="black">
-                    <a:tint val="75000"/>
-                  </a:prstClr>
-                </a:solidFill>
-                <a:latin typeface="Tenorite"/>
-              </a:rPr>
-              <a:t>RAID</a:t>
-            </a:r>
-            <a:endParaRPr lang="de-DE" sz="900" dirty="0">
-              <a:solidFill>
-                <a:prstClr val="black">
-                  <a:tint val="75000"/>
-                </a:prstClr>
-              </a:solidFill>
-              <a:latin typeface="Tenorite"/>
-            </a:endParaRPr>
-          </a:p>
-        </p:txBody>
-      </p:sp>
-    </p:spTree>
-    <p:extLst>
-      <p:ext uri="{BB962C8B-B14F-4D97-AF65-F5344CB8AC3E}">
-        <p14:creationId xmlns:p14="http://schemas.microsoft.com/office/powerpoint/2010/main" val="1472106130"/>
       </p:ext>
     </p:extLst>
   </p:cSld>
@@ -23606,7 +22863,7 @@
             </a:r>
             <a:r>
               <a:rPr lang="de-DE" dirty="0"/>
-              <a:t>/19</a:t>
+              <a:t>/18</a:t>
             </a:r>
             <a:endParaRPr kumimoji="0" lang="de-DE" sz="900" b="0" i="0" u="none" strike="noStrike" kern="1200" cap="none" spc="0" normalizeH="0" baseline="0" noProof="0" dirty="0">
               <a:ln>
@@ -24225,7 +23482,7 @@
             </a:r>
             <a:r>
               <a:rPr lang="de-DE" dirty="0"/>
-              <a:t>/19</a:t>
+              <a:t>/18</a:t>
             </a:r>
             <a:endParaRPr kumimoji="0" lang="de-DE" sz="900" b="0" i="0" u="none" strike="noStrike" kern="1200" cap="none" spc="0" normalizeH="0" baseline="0" noProof="0" dirty="0">
               <a:ln>
@@ -24970,7 +24227,7 @@
             </a:r>
             <a:r>
               <a:rPr lang="de-DE" dirty="0"/>
-              <a:t>/19</a:t>
+              <a:t>/18</a:t>
             </a:r>
             <a:endParaRPr lang="de-DE" dirty="0">
               <a:solidFill>
@@ -25335,7 +24592,7 @@
             <a:pPr rtl="0"/>
             <a:r>
               <a:rPr lang="de-DE" dirty="0"/>
-              <a:t>RAID – Level</a:t>
+              <a:t>Funktionsweise von RAID Systemen</a:t>
             </a:r>
           </a:p>
           <a:p>
@@ -25346,7 +24603,7 @@
             <a:pPr rtl="0"/>
             <a:r>
               <a:rPr lang="de-DE" dirty="0"/>
-              <a:t>Funktionsweise von RAID Systemen</a:t>
+              <a:t>RAID – Level</a:t>
             </a:r>
           </a:p>
           <a:p>
@@ -25478,7 +24735,7 @@
             <a:pPr rtl="0"/>
             <a:r>
               <a:rPr lang="de-DE" dirty="0"/>
-              <a:t>5/19</a:t>
+              <a:t>5/18</a:t>
             </a:r>
           </a:p>
         </p:txBody>
@@ -25497,7 +24754,7 @@
         </p:nvSpPr>
         <p:spPr>
           <a:xfrm>
-            <a:off x="4043025" y="2416886"/>
+            <a:off x="4031226" y="2413049"/>
             <a:ext cx="632157" cy="330139"/>
           </a:xfrm>
           <a:prstGeom prst="rightArrow">
@@ -25589,7 +24846,7 @@
     </p:spTree>
     <p:extLst>
       <p:ext uri="{BB962C8B-B14F-4D97-AF65-F5344CB8AC3E}">
-        <p14:creationId xmlns:p14="http://schemas.microsoft.com/office/powerpoint/2010/main" val="1956180076"/>
+        <p14:creationId xmlns:p14="http://schemas.microsoft.com/office/powerpoint/2010/main" val="2034053601"/>
       </p:ext>
     </p:extLst>
   </p:cSld>
@@ -25618,127 +24875,6 @@
       </p:grpSpPr>
       <p:sp>
         <p:nvSpPr>
-          <p:cNvPr id="16" name="Textplatzhalter 15">
-            <a:extLst>
-              <a:ext uri="{FF2B5EF4-FFF2-40B4-BE49-F238E27FC236}">
-                <a16:creationId xmlns:a16="http://schemas.microsoft.com/office/drawing/2014/main" id="{31BDB7EA-134C-47BC-93C7-682974C59D68}"/>
-              </a:ext>
-            </a:extLst>
-          </p:cNvPr>
-          <p:cNvSpPr>
-            <a:spLocks noGrp="1"/>
-          </p:cNvSpPr>
-          <p:nvPr>
-            <p:ph type="body" sz="quarter" idx="13"/>
-          </p:nvPr>
-        </p:nvSpPr>
-        <p:spPr/>
-        <p:txBody>
-          <a:bodyPr>
-            <a:normAutofit lnSpcReduction="10000"/>
-          </a:bodyPr>
-          <a:lstStyle/>
-          <a:p>
-            <a:r>
-              <a:rPr lang="de-DE" dirty="0" err="1"/>
-              <a:t>Striping</a:t>
-            </a:r>
-            <a:endParaRPr lang="de-DE" dirty="0"/>
-          </a:p>
-        </p:txBody>
-      </p:sp>
-      <p:sp>
-        <p:nvSpPr>
-          <p:cNvPr id="17" name="Textplatzhalter 16">
-            <a:extLst>
-              <a:ext uri="{FF2B5EF4-FFF2-40B4-BE49-F238E27FC236}">
-                <a16:creationId xmlns:a16="http://schemas.microsoft.com/office/drawing/2014/main" id="{DE4E2CA8-368B-4C8C-B4C2-01A9A7C5C227}"/>
-              </a:ext>
-            </a:extLst>
-          </p:cNvPr>
-          <p:cNvSpPr>
-            <a:spLocks noGrp="1"/>
-          </p:cNvSpPr>
-          <p:nvPr>
-            <p:ph type="body" sz="quarter" idx="15"/>
-          </p:nvPr>
-        </p:nvSpPr>
-        <p:spPr>
-          <a:xfrm>
-            <a:off x="5921828" y="1860060"/>
-            <a:ext cx="5431971" cy="3862314"/>
-          </a:xfrm>
-        </p:spPr>
-        <p:txBody>
-          <a:bodyPr>
-            <a:normAutofit fontScale="92500" lnSpcReduction="10000"/>
-          </a:bodyPr>
-          <a:lstStyle/>
-          <a:p>
-            <a:pPr marL="285750" indent="-285750">
-              <a:buFont typeface="Arial" panose="020B0604020202020204" pitchFamily="34" charset="0"/>
-              <a:buChar char="•"/>
-            </a:pPr>
-            <a:r>
-              <a:rPr lang="de-DE" sz="2000" dirty="0"/>
-              <a:t>RAID 0 verteilt Daten gleichmäßig über zwei oder mehrere Festplatten</a:t>
-            </a:r>
-          </a:p>
-          <a:p>
-            <a:pPr marL="285750" indent="-285750">
-              <a:buFont typeface="Arial" panose="020B0604020202020204" pitchFamily="34" charset="0"/>
-              <a:buChar char="•"/>
-            </a:pPr>
-            <a:endParaRPr lang="de-DE" sz="2000" dirty="0"/>
-          </a:p>
-          <a:p>
-            <a:pPr marL="285750" indent="-285750">
-              <a:buFont typeface="Arial" panose="020B0604020202020204" pitchFamily="34" charset="0"/>
-              <a:buChar char="•"/>
-            </a:pPr>
-            <a:r>
-              <a:rPr lang="de-DE" sz="2000" dirty="0"/>
-              <a:t>Dieses RAID Level verfügt über keine Redundanz oder Fehlerkorrektur</a:t>
-            </a:r>
-          </a:p>
-          <a:p>
-            <a:pPr marL="285750" indent="-285750">
-              <a:buFont typeface="Arial" panose="020B0604020202020204" pitchFamily="34" charset="0"/>
-              <a:buChar char="•"/>
-            </a:pPr>
-            <a:endParaRPr lang="de-DE" sz="2000" dirty="0"/>
-          </a:p>
-          <a:p>
-            <a:pPr marL="285750" indent="-285750">
-              <a:buFont typeface="Arial" panose="020B0604020202020204" pitchFamily="34" charset="0"/>
-              <a:buChar char="•"/>
-            </a:pPr>
-            <a:r>
-              <a:rPr lang="de-DE" sz="2000" dirty="0"/>
-              <a:t>Die Geschwindigkeit wird auf diesem RAID Level erhöht</a:t>
-            </a:r>
-          </a:p>
-          <a:p>
-            <a:pPr marL="285750" indent="-285750">
-              <a:buFont typeface="Arial" panose="020B0604020202020204" pitchFamily="34" charset="0"/>
-              <a:buChar char="•"/>
-            </a:pPr>
-            <a:endParaRPr lang="de-DE" sz="2000" dirty="0"/>
-          </a:p>
-          <a:p>
-            <a:pPr marL="285750" indent="-285750">
-              <a:buFont typeface="Arial" panose="020B0604020202020204" pitchFamily="34" charset="0"/>
-              <a:buChar char="•"/>
-            </a:pPr>
-            <a:r>
-              <a:rPr lang="de-DE" sz="2000" dirty="0"/>
-              <a:t>Fällt eine Festplatte aus, gehen alle Daten verloren</a:t>
-            </a:r>
-          </a:p>
-        </p:txBody>
-      </p:sp>
-      <p:sp>
-        <p:nvSpPr>
           <p:cNvPr id="20" name="Datumsplatzhalter 19">
             <a:extLst>
               <a:ext uri="{FF2B5EF4-FFF2-40B4-BE49-F238E27FC236}">
@@ -25753,14 +24889,50 @@
             <p:ph type="dt" sz="half" idx="20"/>
           </p:nvPr>
         </p:nvSpPr>
-        <p:spPr/>
+        <p:spPr>
+          <a:xfrm>
+            <a:off x="5919680" y="6356350"/>
+            <a:ext cx="947516" cy="365125"/>
+          </a:xfrm>
+        </p:spPr>
         <p:txBody>
           <a:bodyPr rtlCol="0"/>
           <a:lstStyle/>
           <a:p>
-            <a:pPr rtl="0"/>
-            <a:r>
-              <a:rPr lang="de-DE" dirty="0"/>
+            <a:pPr marL="0" marR="0" lvl="0" indent="0" algn="l" defTabSz="914400" rtl="0" eaLnBrk="1" fontAlgn="auto" latinLnBrk="0" hangingPunct="1">
+              <a:lnSpc>
+                <a:spcPct val="100000"/>
+              </a:lnSpc>
+              <a:spcBef>
+                <a:spcPts val="0"/>
+              </a:spcBef>
+              <a:spcAft>
+                <a:spcPts val="0"/>
+              </a:spcAft>
+              <a:buClrTx/>
+              <a:buSzTx/>
+              <a:buFontTx/>
+              <a:buNone/>
+              <a:tabLst/>
+              <a:defRPr/>
+            </a:pPr>
+            <a:r>
+              <a:rPr kumimoji="0" lang="de-DE" sz="900" b="0" i="0" u="none" strike="noStrike" kern="1200" cap="none" spc="0" normalizeH="0" baseline="0" noProof="0" dirty="0">
+                <a:ln>
+                  <a:noFill/>
+                </a:ln>
+                <a:solidFill>
+                  <a:prstClr val="black">
+                    <a:tint val="75000"/>
+                  </a:prstClr>
+                </a:solidFill>
+                <a:effectLst/>
+                <a:uLnTx/>
+                <a:uFillTx/>
+                <a:latin typeface="Tenorite"/>
+                <a:ea typeface="+mn-ea"/>
+                <a:cs typeface="+mn-cs"/>
+              </a:rPr>
               <a:t>2023</a:t>
             </a:r>
           </a:p>
@@ -25782,14 +24954,50 @@
             <p:ph type="ftr" sz="quarter" idx="21"/>
           </p:nvPr>
         </p:nvSpPr>
-        <p:spPr/>
+        <p:spPr>
+          <a:xfrm>
+            <a:off x="7161955" y="6356350"/>
+            <a:ext cx="3243942" cy="365125"/>
+          </a:xfrm>
+        </p:spPr>
         <p:txBody>
           <a:bodyPr rtlCol="0"/>
           <a:lstStyle/>
           <a:p>
-            <a:pPr rtl="0"/>
-            <a:r>
-              <a:rPr lang="de-DE" dirty="0"/>
+            <a:pPr marL="0" marR="0" lvl="0" indent="0" algn="ctr" defTabSz="914400" rtl="0" eaLnBrk="1" fontAlgn="auto" latinLnBrk="0" hangingPunct="1">
+              <a:lnSpc>
+                <a:spcPct val="100000"/>
+              </a:lnSpc>
+              <a:spcBef>
+                <a:spcPts val="0"/>
+              </a:spcBef>
+              <a:spcAft>
+                <a:spcPts val="0"/>
+              </a:spcAft>
+              <a:buClrTx/>
+              <a:buSzTx/>
+              <a:buFontTx/>
+              <a:buNone/>
+              <a:tabLst/>
+              <a:defRPr/>
+            </a:pPr>
+            <a:r>
+              <a:rPr kumimoji="0" lang="de-DE" sz="900" b="0" i="0" u="none" strike="noStrike" kern="1200" cap="none" spc="0" normalizeH="0" baseline="0" noProof="0" dirty="0">
+                <a:ln>
+                  <a:noFill/>
+                </a:ln>
+                <a:solidFill>
+                  <a:prstClr val="black">
+                    <a:tint val="75000"/>
+                  </a:prstClr>
+                </a:solidFill>
+                <a:effectLst/>
+                <a:uLnTx/>
+                <a:uFillTx/>
+                <a:latin typeface="Tenorite"/>
+                <a:ea typeface="+mn-ea"/>
+                <a:cs typeface="+mn-cs"/>
+              </a:rPr>
               <a:t>RAID</a:t>
             </a:r>
           </a:p>
@@ -25821,11 +25029,54 @@
           <a:bodyPr rtlCol="0"/>
           <a:lstStyle/>
           <a:p>
-            <a:pPr rtl="0"/>
+            <a:pPr marL="0" marR="0" lvl="0" indent="0" algn="r" defTabSz="914400" rtl="0" eaLnBrk="1" fontAlgn="auto" latinLnBrk="0" hangingPunct="1">
+              <a:lnSpc>
+                <a:spcPct val="100000"/>
+              </a:lnSpc>
+              <a:spcBef>
+                <a:spcPts val="0"/>
+              </a:spcBef>
+              <a:spcAft>
+                <a:spcPts val="0"/>
+              </a:spcAft>
+              <a:buClrTx/>
+              <a:buSzTx/>
+              <a:buFontTx/>
+              <a:buNone/>
+              <a:tabLst/>
+              <a:defRPr/>
+            </a:pPr>
+            <a:r>
+              <a:rPr lang="de-DE" dirty="0">
+                <a:solidFill>
+                  <a:prstClr val="black">
+                    <a:tint val="75000"/>
+                  </a:prstClr>
+                </a:solidFill>
+                <a:latin typeface="Tenorite"/>
+              </a:rPr>
+              <a:t>6</a:t>
+            </a:r>
             <a:r>
               <a:rPr lang="de-DE" dirty="0"/>
-              <a:t>6/19</a:t>
-            </a:r>
+              <a:t>/18</a:t>
+            </a:r>
+            <a:endParaRPr kumimoji="0" lang="de-DE" sz="900" b="0" i="0" u="none" strike="noStrike" kern="1200" cap="none" spc="0" normalizeH="0" baseline="0" noProof="0" dirty="0">
+              <a:ln>
+                <a:noFill/>
+              </a:ln>
+              <a:solidFill>
+                <a:prstClr val="black">
+                  <a:tint val="75000"/>
+                </a:prstClr>
+              </a:solidFill>
+              <a:effectLst/>
+              <a:uLnTx/>
+              <a:uFillTx/>
+              <a:latin typeface="Tenorite"/>
+              <a:ea typeface="+mn-ea"/>
+              <a:cs typeface="+mn-cs"/>
+            </a:endParaRPr>
           </a:p>
         </p:txBody>
       </p:sp>
@@ -25845,7 +25096,7 @@
         </p:nvSpPr>
         <p:spPr>
           <a:xfrm>
-            <a:off x="4698031" y="-172568"/>
+            <a:off x="4602510" y="0"/>
             <a:ext cx="5211184" cy="1122202"/>
           </a:xfrm>
           <a:prstGeom prst="rect">
@@ -25876,19 +25127,211 @@
             </a:lvl1pPr>
           </a:lstStyle>
           <a:p>
-            <a:r>
-              <a:rPr lang="de-DE" sz="3200" dirty="0"/>
-              <a:t>RAID – LEVEL 0</a:t>
-            </a:r>
+            <a:pPr marL="0" marR="0" lvl="0" indent="0" algn="l" defTabSz="914400" rtl="0" eaLnBrk="1" fontAlgn="auto" latinLnBrk="0" hangingPunct="1">
+              <a:lnSpc>
+                <a:spcPct val="90000"/>
+              </a:lnSpc>
+              <a:spcBef>
+                <a:spcPct val="0"/>
+              </a:spcBef>
+              <a:spcAft>
+                <a:spcPts val="0"/>
+              </a:spcAft>
+              <a:buClrTx/>
+              <a:buSzTx/>
+              <a:buFontTx/>
+              <a:buNone/>
+              <a:tabLst/>
+              <a:defRPr/>
+            </a:pPr>
+            <a:r>
+              <a:rPr kumimoji="0" lang="de-DE" sz="3200" b="0" i="0" u="none" strike="noStrike" kern="1200" cap="all" spc="150" normalizeH="0" baseline="0" noProof="0" dirty="0">
+                <a:ln>
+                  <a:noFill/>
+                </a:ln>
+                <a:solidFill>
+                  <a:prstClr val="black"/>
+                </a:solidFill>
+                <a:effectLst/>
+                <a:uLnTx/>
+                <a:uFillTx/>
+                <a:latin typeface="Tenorite"/>
+                <a:ea typeface="+mj-ea"/>
+                <a:cs typeface="+mj-cs"/>
+              </a:rPr>
+              <a:t>Funktionsweise von Raid </a:t>
+            </a:r>
+            <a:r>
+              <a:rPr kumimoji="0" lang="de-DE" sz="3200" b="0" i="0" u="none" strike="noStrike" kern="1200" cap="all" spc="150" normalizeH="0" baseline="0" noProof="0" dirty="0" err="1">
+                <a:ln>
+                  <a:noFill/>
+                </a:ln>
+                <a:solidFill>
+                  <a:prstClr val="black"/>
+                </a:solidFill>
+                <a:effectLst/>
+                <a:uLnTx/>
+                <a:uFillTx/>
+                <a:latin typeface="Tenorite"/>
+                <a:ea typeface="+mj-ea"/>
+                <a:cs typeface="+mj-cs"/>
+              </a:rPr>
+              <a:t>systemen</a:t>
+            </a:r>
+            <a:endParaRPr kumimoji="0" lang="de-DE" sz="3200" b="0" i="0" u="none" strike="noStrike" kern="1200" cap="all" spc="150" normalizeH="0" baseline="0" noProof="0" dirty="0">
+              <a:ln>
+                <a:noFill/>
+              </a:ln>
+              <a:solidFill>
+                <a:prstClr val="black"/>
+              </a:solidFill>
+              <a:effectLst/>
+              <a:uLnTx/>
+              <a:uFillTx/>
+              <a:latin typeface="Tenorite"/>
+              <a:ea typeface="+mj-ea"/>
+              <a:cs typeface="+mj-cs"/>
+            </a:endParaRPr>
+          </a:p>
+        </p:txBody>
+      </p:sp>
+      <p:sp>
+        <p:nvSpPr>
+          <p:cNvPr id="2" name="Inhaltsplatzhalter 2">
+            <a:extLst>
+              <a:ext uri="{FF2B5EF4-FFF2-40B4-BE49-F238E27FC236}">
+                <a16:creationId xmlns:a16="http://schemas.microsoft.com/office/drawing/2014/main" id="{B01B59DC-1628-FE13-EF11-819526184801}"/>
+              </a:ext>
+            </a:extLst>
+          </p:cNvPr>
+          <p:cNvSpPr>
+            <a:spLocks noGrp="1"/>
+          </p:cNvSpPr>
+          <p:nvPr>
+            <p:ph type="body" sz="quarter" idx="13"/>
+          </p:nvPr>
+        </p:nvSpPr>
+        <p:spPr>
+          <a:xfrm>
+            <a:off x="4602510" y="1122202"/>
+            <a:ext cx="5433204" cy="5234147"/>
+          </a:xfrm>
+        </p:spPr>
+        <p:txBody>
+          <a:bodyPr vert="horz" lIns="91440" tIns="45720" rIns="91440" bIns="45720" rtlCol="0" anchor="t">
+            <a:normAutofit/>
+          </a:bodyPr>
+          <a:lstStyle/>
+          <a:p>
+            <a:pPr marL="342900" indent="-342900">
+              <a:buFont typeface="Arial" panose="020B0604020202020204" pitchFamily="34" charset="0"/>
+              <a:buChar char="•"/>
+            </a:pPr>
+            <a:r>
+              <a:rPr lang="de-DE" dirty="0" err="1"/>
+              <a:t>Datenstriping</a:t>
+            </a:r>
+            <a:endParaRPr lang="de-DE" dirty="0"/>
+          </a:p>
+          <a:p>
+            <a:pPr marL="342900" indent="-342900">
+              <a:buFont typeface="Arial" panose="020B0604020202020204" pitchFamily="34" charset="0"/>
+              <a:buChar char="•"/>
+            </a:pPr>
+            <a:endParaRPr lang="de-DE" dirty="0"/>
+          </a:p>
+          <a:p>
+            <a:pPr marL="342900" indent="-342900">
+              <a:buFont typeface="Arial" panose="020B0604020202020204" pitchFamily="34" charset="0"/>
+              <a:buChar char="•"/>
+            </a:pPr>
+            <a:endParaRPr lang="de-DE" dirty="0"/>
+          </a:p>
+          <a:p>
+            <a:pPr marL="342900" indent="-342900">
+              <a:buFont typeface="Arial" panose="020B0604020202020204" pitchFamily="34" charset="0"/>
+              <a:buChar char="•"/>
+            </a:pPr>
+            <a:endParaRPr lang="de-DE" dirty="0"/>
+          </a:p>
+          <a:p>
+            <a:pPr marL="342900" indent="-342900">
+              <a:buFont typeface="Arial" panose="020B0604020202020204" pitchFamily="34" charset="0"/>
+              <a:buChar char="•"/>
+            </a:pPr>
+            <a:endParaRPr lang="de-DE" dirty="0"/>
+          </a:p>
+          <a:p>
+            <a:pPr marL="342900" indent="-342900">
+              <a:buFont typeface="Arial" panose="020B0604020202020204" pitchFamily="34" charset="0"/>
+              <a:buChar char="•"/>
+            </a:pPr>
+            <a:r>
+              <a:rPr lang="de-DE" dirty="0"/>
+              <a:t>Spiegelung (</a:t>
+            </a:r>
+            <a:r>
+              <a:rPr lang="de-DE" dirty="0" err="1"/>
+              <a:t>Mirroring</a:t>
+            </a:r>
+            <a:r>
+              <a:rPr lang="de-DE" dirty="0"/>
+              <a:t>)</a:t>
+            </a:r>
+          </a:p>
+          <a:p>
+            <a:pPr marL="342900" indent="-342900">
+              <a:buFont typeface="Arial" panose="020B0604020202020204" pitchFamily="34" charset="0"/>
+              <a:buChar char="•"/>
+            </a:pPr>
+            <a:endParaRPr lang="de-DE" dirty="0"/>
+          </a:p>
+          <a:p>
+            <a:pPr marL="342900" indent="-342900">
+              <a:buFont typeface="Arial" panose="020B0604020202020204" pitchFamily="34" charset="0"/>
+              <a:buChar char="•"/>
+            </a:pPr>
+            <a:endParaRPr lang="de-DE" dirty="0"/>
+          </a:p>
+          <a:p>
+            <a:pPr marL="342900" indent="-342900">
+              <a:buFont typeface="Arial" panose="020B0604020202020204" pitchFamily="34" charset="0"/>
+              <a:buChar char="•"/>
+            </a:pPr>
+            <a:endParaRPr lang="de-DE" dirty="0"/>
+          </a:p>
+          <a:p>
+            <a:pPr marL="342900" indent="-342900">
+              <a:buFont typeface="Arial" panose="020B0604020202020204" pitchFamily="34" charset="0"/>
+              <a:buChar char="•"/>
+            </a:pPr>
+            <a:endParaRPr lang="de-DE" dirty="0"/>
+          </a:p>
+          <a:p>
+            <a:pPr marL="342900" indent="-342900">
+              <a:buFont typeface="Arial" panose="020B0604020202020204" pitchFamily="34" charset="0"/>
+              <a:buChar char="•"/>
+            </a:pPr>
+            <a:r>
+              <a:rPr lang="de-DE" dirty="0"/>
+              <a:t>Paritätsprüfung</a:t>
+            </a:r>
+          </a:p>
+          <a:p>
+            <a:pPr marL="342900" indent="-342900" rtl="0">
+              <a:buFont typeface="Arial" panose="020B0604020202020204" pitchFamily="34" charset="0"/>
+              <a:buChar char="•"/>
+            </a:pPr>
+            <a:endParaRPr lang="de-DE" dirty="0"/>
           </a:p>
         </p:txBody>
       </p:sp>
       <p:pic>
         <p:nvPicPr>
-          <p:cNvPr id="28" name="Grafik 27">
-            <a:extLst>
-              <a:ext uri="{FF2B5EF4-FFF2-40B4-BE49-F238E27FC236}">
-                <a16:creationId xmlns:a16="http://schemas.microsoft.com/office/drawing/2014/main" id="{2DB0BAFB-D28B-4595-A956-3D45CC8CD806}"/>
+          <p:cNvPr id="7" name="Grafik 6">
+            <a:extLst>
+              <a:ext uri="{FF2B5EF4-FFF2-40B4-BE49-F238E27FC236}">
+                <a16:creationId xmlns:a16="http://schemas.microsoft.com/office/drawing/2014/main" id="{01C12E28-A6FB-4432-83D4-5EA67A587554}"/>
               </a:ext>
             </a:extLst>
           </p:cNvPr>
@@ -25905,8 +25348,68 @@
         </p:blipFill>
         <p:spPr>
           <a:xfrm>
-            <a:off x="2555115" y="949634"/>
-            <a:ext cx="2474931" cy="5692341"/>
+            <a:off x="9281652" y="249460"/>
+            <a:ext cx="1425826" cy="2193990"/>
+          </a:xfrm>
+          <a:prstGeom prst="rect">
+            <a:avLst/>
+          </a:prstGeom>
+        </p:spPr>
+      </p:pic>
+      <p:pic>
+        <p:nvPicPr>
+          <p:cNvPr id="9" name="Grafik 8">
+            <a:extLst>
+              <a:ext uri="{FF2B5EF4-FFF2-40B4-BE49-F238E27FC236}">
+                <a16:creationId xmlns:a16="http://schemas.microsoft.com/office/drawing/2014/main" id="{905FE939-6FFA-41B3-85D6-4A4F4BD2D241}"/>
+              </a:ext>
+            </a:extLst>
+          </p:cNvPr>
+          <p:cNvPicPr>
+            <a:picLocks noChangeAspect="1"/>
+          </p:cNvPicPr>
+          <p:nvPr/>
+        </p:nvPicPr>
+        <p:blipFill>
+          <a:blip r:embed="rId4"/>
+          <a:stretch>
+            <a:fillRect/>
+          </a:stretch>
+        </p:blipFill>
+        <p:spPr>
+          <a:xfrm>
+            <a:off x="9281652" y="2325361"/>
+            <a:ext cx="1425826" cy="2193990"/>
+          </a:xfrm>
+          <a:prstGeom prst="rect">
+            <a:avLst/>
+          </a:prstGeom>
+        </p:spPr>
+      </p:pic>
+      <p:pic>
+        <p:nvPicPr>
+          <p:cNvPr id="11" name="Grafik 10">
+            <a:extLst>
+              <a:ext uri="{FF2B5EF4-FFF2-40B4-BE49-F238E27FC236}">
+                <a16:creationId xmlns:a16="http://schemas.microsoft.com/office/drawing/2014/main" id="{D263E0A9-A34B-4CA1-BA23-B261DAC2706E}"/>
+              </a:ext>
+            </a:extLst>
+          </p:cNvPr>
+          <p:cNvPicPr>
+            <a:picLocks noChangeAspect="1"/>
+          </p:cNvPicPr>
+          <p:nvPr/>
+        </p:nvPicPr>
+        <p:blipFill>
+          <a:blip r:embed="rId5"/>
+          <a:stretch>
+            <a:fillRect/>
+          </a:stretch>
+        </p:blipFill>
+        <p:spPr>
+          <a:xfrm>
+            <a:off x="8731045" y="4414550"/>
+            <a:ext cx="2621839" cy="1941799"/>
           </a:xfrm>
           <a:prstGeom prst="rect">
             <a:avLst/>
@@ -25916,7 +25419,7 @@
     </p:spTree>
     <p:extLst>
       <p:ext uri="{BB962C8B-B14F-4D97-AF65-F5344CB8AC3E}">
-        <p14:creationId xmlns:p14="http://schemas.microsoft.com/office/powerpoint/2010/main" val="332508783"/>
+        <p14:creationId xmlns:p14="http://schemas.microsoft.com/office/powerpoint/2010/main" val="3476333381"/>
       </p:ext>
     </p:extLst>
   </p:cSld>
@@ -25945,10 +25448,10 @@
       </p:grpSpPr>
       <p:sp>
         <p:nvSpPr>
-          <p:cNvPr id="16" name="Textplatzhalter 15">
-            <a:extLst>
-              <a:ext uri="{FF2B5EF4-FFF2-40B4-BE49-F238E27FC236}">
-                <a16:creationId xmlns:a16="http://schemas.microsoft.com/office/drawing/2014/main" id="{31BDB7EA-134C-47BC-93C7-682974C59D68}"/>
+          <p:cNvPr id="3" name="Inhaltsplatzhalter 2">
+            <a:extLst>
+              <a:ext uri="{FF2B5EF4-FFF2-40B4-BE49-F238E27FC236}">
+                <a16:creationId xmlns:a16="http://schemas.microsoft.com/office/drawing/2014/main" id="{D4A2EB3F-4D60-451F-8F45-7D6654D2FCD9}"/>
               </a:ext>
             </a:extLst>
           </p:cNvPr>
@@ -25959,90 +25462,75 @@
             <p:ph type="body" sz="quarter" idx="13"/>
           </p:nvPr>
         </p:nvSpPr>
-        <p:spPr/>
-        <p:txBody>
-          <a:bodyPr>
-            <a:normAutofit lnSpcReduction="10000"/>
-          </a:bodyPr>
-          <a:lstStyle/>
-          <a:p>
-            <a:r>
-              <a:rPr lang="de-DE" dirty="0" err="1"/>
-              <a:t>Mirroring</a:t>
-            </a:r>
-            <a:endParaRPr lang="de-DE" dirty="0"/>
-          </a:p>
-        </p:txBody>
-      </p:sp>
-      <p:sp>
-        <p:nvSpPr>
-          <p:cNvPr id="17" name="Textplatzhalter 16">
-            <a:extLst>
-              <a:ext uri="{FF2B5EF4-FFF2-40B4-BE49-F238E27FC236}">
-                <a16:creationId xmlns:a16="http://schemas.microsoft.com/office/drawing/2014/main" id="{DE4E2CA8-368B-4C8C-B4C2-01A9A7C5C227}"/>
-              </a:ext>
-            </a:extLst>
-          </p:cNvPr>
-          <p:cNvSpPr>
-            <a:spLocks noGrp="1"/>
-          </p:cNvSpPr>
-          <p:nvPr>
-            <p:ph type="body" sz="quarter" idx="15"/>
-          </p:nvPr>
-        </p:nvSpPr>
-        <p:spPr>
-          <a:xfrm>
-            <a:off x="5921828" y="1860060"/>
-            <a:ext cx="5431971" cy="3351132"/>
-          </a:xfrm>
-        </p:spPr>
-        <p:txBody>
-          <a:bodyPr>
+        <p:spPr>
+          <a:xfrm>
+            <a:off x="4675182" y="1610641"/>
+            <a:ext cx="5433204" cy="4239553"/>
+          </a:xfrm>
+        </p:spPr>
+        <p:txBody>
+          <a:bodyPr vert="horz" lIns="91440" tIns="45720" rIns="91440" bIns="45720" rtlCol="0" anchor="t">
             <a:normAutofit/>
           </a:bodyPr>
           <a:lstStyle/>
           <a:p>
-            <a:pPr marL="285750" indent="-285750">
-              <a:buFont typeface="Arial" panose="020B0604020202020204" pitchFamily="34" charset="0"/>
-              <a:buChar char="•"/>
-            </a:pPr>
-            <a:r>
-              <a:rPr lang="de-DE" sz="2000" dirty="0"/>
-              <a:t>RAID 1 erstellt eine exakte Kopie der Daten auf zwei oder mehreren Festplatten</a:t>
-            </a:r>
-          </a:p>
-          <a:p>
-            <a:pPr marL="285750" indent="-285750">
-              <a:buFont typeface="Arial" panose="020B0604020202020204" pitchFamily="34" charset="0"/>
-              <a:buChar char="•"/>
-            </a:pPr>
-            <a:endParaRPr lang="de-DE" sz="2000" dirty="0"/>
-          </a:p>
-          <a:p>
-            <a:pPr marL="285750" indent="-285750">
-              <a:buFont typeface="Arial" panose="020B0604020202020204" pitchFamily="34" charset="0"/>
-              <a:buChar char="•"/>
-            </a:pPr>
-            <a:r>
-              <a:rPr lang="de-DE" sz="2000" dirty="0"/>
-              <a:t>50% der Speicher Speicherkapazität wird für Kopien verwendet</a:t>
-            </a:r>
-          </a:p>
-          <a:p>
-            <a:pPr marL="285750" indent="-285750">
-              <a:buFont typeface="Arial" panose="020B0604020202020204" pitchFamily="34" charset="0"/>
-              <a:buChar char="•"/>
-            </a:pPr>
-            <a:endParaRPr lang="de-DE" sz="2000" dirty="0"/>
-          </a:p>
-          <a:p>
-            <a:pPr marL="285750" indent="-285750">
-              <a:buFont typeface="Arial" panose="020B0604020202020204" pitchFamily="34" charset="0"/>
-              <a:buChar char="•"/>
-            </a:pPr>
-            <a:r>
-              <a:rPr lang="de-DE" sz="2000" dirty="0"/>
-              <a:t>RAID 1 wird verwendet wenn Datensicherheit Priorität ist</a:t>
+            <a:r>
+              <a:rPr lang="de-DE" i="0" dirty="0">
+                <a:effectLst/>
+              </a:rPr>
+              <a:t>Einleitung und Grundlagen von RAID</a:t>
+            </a:r>
+          </a:p>
+          <a:p>
+            <a:pPr rtl="0"/>
+            <a:endParaRPr lang="de-DE" dirty="0"/>
+          </a:p>
+          <a:p>
+            <a:pPr rtl="0"/>
+            <a:r>
+              <a:rPr lang="de-DE" dirty="0"/>
+              <a:t>Funktionsweise von RAID Systemen</a:t>
+            </a:r>
+          </a:p>
+          <a:p>
+            <a:pPr rtl="0"/>
+            <a:endParaRPr lang="de-DE" dirty="0"/>
+          </a:p>
+          <a:p>
+            <a:pPr rtl="0"/>
+            <a:r>
+              <a:rPr lang="de-DE" dirty="0"/>
+              <a:t>RAID – Level</a:t>
+            </a:r>
+          </a:p>
+          <a:p>
+            <a:pPr rtl="0"/>
+            <a:endParaRPr lang="de-DE" dirty="0"/>
+          </a:p>
+          <a:p>
+            <a:pPr rtl="0"/>
+            <a:r>
+              <a:rPr lang="de-DE" dirty="0"/>
+              <a:t>Hardware </a:t>
+            </a:r>
+            <a:r>
+              <a:rPr lang="de-DE" dirty="0" err="1"/>
+              <a:t>vs</a:t>
+            </a:r>
+            <a:r>
+              <a:rPr lang="de-DE" dirty="0"/>
+              <a:t> Software RAID</a:t>
+            </a:r>
+          </a:p>
+          <a:p>
+            <a:pPr rtl="0"/>
+            <a:endParaRPr lang="de-DE" dirty="0"/>
+          </a:p>
+          <a:p>
+            <a:pPr rtl="0"/>
+            <a:r>
+              <a:rPr lang="de-DE" dirty="0"/>
+              <a:t>Einfluss von RAID auf Systemleistung und Datensicherheit</a:t>
             </a:r>
           </a:p>
         </p:txBody>
@@ -26063,7 +25551,12 @@
             <p:ph type="dt" sz="half" idx="20"/>
           </p:nvPr>
         </p:nvSpPr>
-        <p:spPr/>
+        <p:spPr>
+          <a:xfrm>
+            <a:off x="5919680" y="6356350"/>
+            <a:ext cx="947516" cy="365125"/>
+          </a:xfrm>
+        </p:spPr>
         <p:txBody>
           <a:bodyPr rtlCol="0"/>
           <a:lstStyle/>
@@ -26092,7 +25585,12 @@
             <p:ph type="ftr" sz="quarter" idx="21"/>
           </p:nvPr>
         </p:nvSpPr>
-        <p:spPr/>
+        <p:spPr>
+          <a:xfrm>
+            <a:off x="7161955" y="6356350"/>
+            <a:ext cx="3243942" cy="365125"/>
+          </a:xfrm>
+        </p:spPr>
         <p:txBody>
           <a:bodyPr rtlCol="0"/>
           <a:lstStyle/>
@@ -26121,7 +25619,12 @@
             <p:ph type="sldNum" sz="quarter" idx="22"/>
           </p:nvPr>
         </p:nvSpPr>
-        <p:spPr/>
+        <p:spPr>
+          <a:xfrm>
+            <a:off x="10700656" y="6356350"/>
+            <a:ext cx="653143" cy="365125"/>
+          </a:xfrm>
+        </p:spPr>
         <p:txBody>
           <a:bodyPr rtlCol="0"/>
           <a:lstStyle/>
@@ -26129,17 +25632,17 @@
             <a:pPr rtl="0"/>
             <a:r>
               <a:rPr lang="de-DE" dirty="0"/>
-              <a:t>7/19</a:t>
-            </a:r>
-          </a:p>
-        </p:txBody>
-      </p:sp>
-      <p:sp>
-        <p:nvSpPr>
-          <p:cNvPr id="5" name="Titel 1">
-            <a:extLst>
-              <a:ext uri="{FF2B5EF4-FFF2-40B4-BE49-F238E27FC236}">
-                <a16:creationId xmlns:a16="http://schemas.microsoft.com/office/drawing/2014/main" id="{55DBED79-4C43-459F-3C6C-ECEE3774EC55}"/>
+              <a:t>7/18</a:t>
+            </a:r>
+          </a:p>
+        </p:txBody>
+      </p:sp>
+      <p:sp>
+        <p:nvSpPr>
+          <p:cNvPr id="11" name="Titel 1">
+            <a:extLst>
+              <a:ext uri="{FF2B5EF4-FFF2-40B4-BE49-F238E27FC236}">
+                <a16:creationId xmlns:a16="http://schemas.microsoft.com/office/drawing/2014/main" id="{BCBBE72B-1CD7-4827-95DC-F77D27D4663C}"/>
               </a:ext>
             </a:extLst>
           </p:cNvPr>
@@ -26150,7 +25653,7 @@
         </p:nvSpPr>
         <p:spPr>
           <a:xfrm>
-            <a:off x="4698031" y="-172568"/>
+            <a:off x="4663383" y="136525"/>
             <a:ext cx="5211184" cy="1122202"/>
           </a:xfrm>
           <a:prstGeom prst="rect">
@@ -26183,45 +25686,64 @@
           <a:p>
             <a:r>
               <a:rPr lang="de-DE" sz="3200" dirty="0"/>
-              <a:t>RAID – LEVEL 1</a:t>
-            </a:r>
-          </a:p>
-        </p:txBody>
-      </p:sp>
-      <p:pic>
-        <p:nvPicPr>
-          <p:cNvPr id="3" name="Grafik 2">
-            <a:extLst>
-              <a:ext uri="{FF2B5EF4-FFF2-40B4-BE49-F238E27FC236}">
-                <a16:creationId xmlns:a16="http://schemas.microsoft.com/office/drawing/2014/main" id="{9AD2F21C-5659-477F-A7A3-E19F22114373}"/>
-              </a:ext>
-            </a:extLst>
-          </p:cNvPr>
-          <p:cNvPicPr>
-            <a:picLocks noChangeAspect="1"/>
-          </p:cNvPicPr>
+              <a:t>Agenda</a:t>
+            </a:r>
+          </a:p>
+        </p:txBody>
+      </p:sp>
+      <p:sp>
+        <p:nvSpPr>
+          <p:cNvPr id="4" name="Pfeil: nach rechts 1">
+            <a:extLst>
+              <a:ext uri="{FF2B5EF4-FFF2-40B4-BE49-F238E27FC236}">
+                <a16:creationId xmlns:a16="http://schemas.microsoft.com/office/drawing/2014/main" id="{E1719817-6990-DB42-0EE6-07CD3F28DFB6}"/>
+              </a:ext>
+            </a:extLst>
+          </p:cNvPr>
+          <p:cNvSpPr/>
           <p:nvPr/>
-        </p:nvPicPr>
-        <p:blipFill>
-          <a:blip r:embed="rId3"/>
-          <a:stretch>
-            <a:fillRect/>
-          </a:stretch>
-        </p:blipFill>
-        <p:spPr>
-          <a:xfrm>
-            <a:off x="2823544" y="949634"/>
-            <a:ext cx="2519952" cy="5771841"/>
-          </a:xfrm>
-          <a:prstGeom prst="rect">
+        </p:nvSpPr>
+        <p:spPr>
+          <a:xfrm>
+            <a:off x="4020072" y="3219325"/>
+            <a:ext cx="632157" cy="330139"/>
+          </a:xfrm>
+          <a:prstGeom prst="rightArrow">
             <a:avLst/>
           </a:prstGeom>
-        </p:spPr>
-      </p:pic>
+          <a:solidFill>
+            <a:schemeClr val="accent2"/>
+          </a:solidFill>
+        </p:spPr>
+        <p:style>
+          <a:lnRef idx="2">
+            <a:schemeClr val="accent1">
+              <a:shade val="50000"/>
+            </a:schemeClr>
+          </a:lnRef>
+          <a:fillRef idx="1">
+            <a:schemeClr val="accent1"/>
+          </a:fillRef>
+          <a:effectRef idx="0">
+            <a:schemeClr val="accent1"/>
+          </a:effectRef>
+          <a:fontRef idx="minor">
+            <a:schemeClr val="lt1"/>
+          </a:fontRef>
+        </p:style>
+        <p:txBody>
+          <a:bodyPr rtlCol="0" anchor="ctr"/>
+          <a:lstStyle/>
+          <a:p>
+            <a:pPr algn="ctr"/>
+            <a:endParaRPr lang="de-DE"/>
+          </a:p>
+        </p:txBody>
+      </p:sp>
     </p:spTree>
     <p:extLst>
       <p:ext uri="{BB962C8B-B14F-4D97-AF65-F5344CB8AC3E}">
-        <p14:creationId xmlns:p14="http://schemas.microsoft.com/office/powerpoint/2010/main" val="3742153391"/>
+        <p14:creationId xmlns:p14="http://schemas.microsoft.com/office/powerpoint/2010/main" val="1956180076"/>
       </p:ext>
     </p:extLst>
   </p:cSld>
@@ -26275,22 +25797,6 @@
               <a:rPr lang="de-DE" dirty="0" err="1"/>
               <a:t>Striping</a:t>
             </a:r>
-            <a:r>
-              <a:rPr lang="de-DE" dirty="0"/>
-              <a:t> </a:t>
-            </a:r>
-            <a:r>
-              <a:rPr lang="de-DE" dirty="0" err="1"/>
-              <a:t>with</a:t>
-            </a:r>
-            <a:r>
-              <a:rPr lang="de-DE" dirty="0"/>
-              <a:t> </a:t>
-            </a:r>
-            <a:r>
-              <a:rPr lang="de-DE" dirty="0" err="1"/>
-              <a:t>Parity</a:t>
-            </a:r>
             <a:endParaRPr lang="de-DE" dirty="0"/>
           </a:p>
         </p:txBody>
@@ -26313,13 +25819,13 @@
         </p:nvSpPr>
         <p:spPr>
           <a:xfrm>
-            <a:off x="5921828" y="1860059"/>
-            <a:ext cx="5431971" cy="4301043"/>
+            <a:off x="5921828" y="1860060"/>
+            <a:ext cx="5431971" cy="3862314"/>
           </a:xfrm>
         </p:spPr>
         <p:txBody>
           <a:bodyPr>
-            <a:normAutofit/>
+            <a:normAutofit fontScale="92500" lnSpcReduction="10000"/>
           </a:bodyPr>
           <a:lstStyle/>
           <a:p>
@@ -26329,7 +25835,7 @@
             </a:pPr>
             <a:r>
               <a:rPr lang="de-DE" sz="2000" dirty="0"/>
-              <a:t>RAID 5 verteilt Paritätsinformationen zusammen mit den Daten über drei oder mehr Festplatten</a:t>
+              <a:t>RAID 0 verteilt Daten gleichmäßig über zwei oder mehrere Festplatten</a:t>
             </a:r>
           </a:p>
           <a:p>
@@ -26346,7 +25852,7 @@
             </a:pPr>
             <a:r>
               <a:rPr lang="de-DE" sz="2000" dirty="0"/>
-              <a:t>Dieses RAID Level ist ein Kompromiss zwischen Geschwindigkeit, Speichereffizienz und Ausfallsicherheit</a:t>
+              <a:t>Dieses RAID Level verfügt über keine Redundanz oder Fehlerkorrektur</a:t>
             </a:r>
           </a:p>
           <a:p>
@@ -26363,7 +25869,24 @@
             </a:pPr>
             <a:r>
               <a:rPr lang="de-DE" sz="2000" dirty="0"/>
-              <a:t>Fällt eine Festplatte aus, können die Daten mit den Paritätsinformationen rekonstruiert werden</a:t>
+              <a:t>Die Geschwindigkeit wird auf diesem RAID Level erhöht</a:t>
+            </a:r>
+          </a:p>
+          <a:p>
+            <a:pPr marL="285750" indent="-285750">
+              <a:buFont typeface="Arial" panose="020B0604020202020204" pitchFamily="34" charset="0"/>
+              <a:buChar char="•"/>
+            </a:pPr>
+            <a:endParaRPr lang="de-DE" sz="2000" dirty="0"/>
+          </a:p>
+          <a:p>
+            <a:pPr marL="285750" indent="-285750">
+              <a:buFont typeface="Arial" panose="020B0604020202020204" pitchFamily="34" charset="0"/>
+              <a:buChar char="•"/>
+            </a:pPr>
+            <a:r>
+              <a:rPr lang="de-DE" sz="2000" dirty="0"/>
+              <a:t>Fällt eine Festplatte aus, gehen alle Daten verloren</a:t>
             </a:r>
           </a:p>
         </p:txBody>
@@ -26455,7 +25978,7 @@
             <a:pPr rtl="0"/>
             <a:r>
               <a:rPr lang="de-DE" dirty="0"/>
-              <a:t>8/19</a:t>
+              <a:t>8/18</a:t>
             </a:r>
           </a:p>
         </p:txBody>
@@ -26509,17 +26032,17 @@
           <a:p>
             <a:r>
               <a:rPr lang="de-DE" sz="3200" dirty="0"/>
-              <a:t>RAID – LEVEL 5</a:t>
+              <a:t>RAID – LEVEL 0</a:t>
             </a:r>
           </a:p>
         </p:txBody>
       </p:sp>
       <p:pic>
         <p:nvPicPr>
-          <p:cNvPr id="4" name="Grafik 3">
-            <a:extLst>
-              <a:ext uri="{FF2B5EF4-FFF2-40B4-BE49-F238E27FC236}">
-                <a16:creationId xmlns:a16="http://schemas.microsoft.com/office/drawing/2014/main" id="{3862C416-B0B0-4E10-B604-E64183845832}"/>
+          <p:cNvPr id="28" name="Grafik 27">
+            <a:extLst>
+              <a:ext uri="{FF2B5EF4-FFF2-40B4-BE49-F238E27FC236}">
+                <a16:creationId xmlns:a16="http://schemas.microsoft.com/office/drawing/2014/main" id="{2DB0BAFB-D28B-4595-A956-3D45CC8CD806}"/>
               </a:ext>
             </a:extLst>
           </p:cNvPr>
@@ -26529,26 +26052,15 @@
           <p:nvPr/>
         </p:nvPicPr>
         <p:blipFill>
-          <a:blip r:embed="rId3">
-            <a:clrChange>
-              <a:clrFrom>
-                <a:srgbClr val="FFFFFF"/>
-              </a:clrFrom>
-              <a:clrTo>
-                <a:srgbClr val="FFFFFF">
-                  <a:alpha val="0"/>
-                </a:srgbClr>
-              </a:clrTo>
-            </a:clrChange>
-          </a:blip>
+          <a:blip r:embed="rId3"/>
           <a:stretch>
             <a:fillRect/>
           </a:stretch>
         </p:blipFill>
         <p:spPr>
           <a:xfrm>
-            <a:off x="2187571" y="949634"/>
-            <a:ext cx="3541897" cy="5771841"/>
+            <a:off x="2555115" y="949634"/>
+            <a:ext cx="2474931" cy="5692341"/>
           </a:xfrm>
           <a:prstGeom prst="rect">
             <a:avLst/>
@@ -26558,7 +26070,7 @@
     </p:spTree>
     <p:extLst>
       <p:ext uri="{BB962C8B-B14F-4D97-AF65-F5344CB8AC3E}">
-        <p14:creationId xmlns:p14="http://schemas.microsoft.com/office/powerpoint/2010/main" val="3529936229"/>
+        <p14:creationId xmlns:p14="http://schemas.microsoft.com/office/powerpoint/2010/main" val="332508783"/>
       </p:ext>
     </p:extLst>
   </p:cSld>

--- a/RaidStand-15.01.24-v3.pptx
+++ b/RaidStand-15.01.24-v3.pptx
@@ -22156,7 +22156,7 @@
             <a:pPr rtl="0"/>
             <a:r>
               <a:rPr lang="de-DE" dirty="0"/>
-              <a:t>RAID – Level</a:t>
+              <a:t>Funktionsweise von RAID Systemen</a:t>
             </a:r>
           </a:p>
           <a:p>
@@ -22167,7 +22167,7 @@
             <a:pPr rtl="0"/>
             <a:r>
               <a:rPr lang="de-DE" dirty="0"/>
-              <a:t>Funktionsweise von RAID Systemen</a:t>
+              <a:t>RAID – Level</a:t>
             </a:r>
           </a:p>
           <a:p>
